--- a/pakdd/fig/Presentation1.pptx
+++ b/pakdd/fig/Presentation1.pptx
@@ -11,6 +11,9 @@
     <p:sldId id="264" r:id="rId5"/>
     <p:sldId id="262" r:id="rId6"/>
     <p:sldId id="263" r:id="rId7"/>
+    <p:sldId id="266" r:id="rId8"/>
+    <p:sldId id="267" r:id="rId9"/>
+    <p:sldId id="268" r:id="rId10"/>
   </p:sldIdLst>
   <p:sldSz cx="9144000" cy="6858000" type="screen4x3"/>
   <p:notesSz cx="6858000" cy="9144000"/>
@@ -293,7 +296,7 @@
           <a:p>
             <a:fld id="{44B15A26-92BA-497A-9014-8A082EA472A1}" type="datetimeFigureOut">
               <a:rPr lang="en-US" smtClean="0"/>
-              <a:t>11/2/2016</a:t>
+              <a:t>2/10/2017</a:t>
             </a:fld>
             <a:endParaRPr lang="en-US"/>
           </a:p>
@@ -463,7 +466,7 @@
           <a:p>
             <a:fld id="{44B15A26-92BA-497A-9014-8A082EA472A1}" type="datetimeFigureOut">
               <a:rPr lang="en-US" smtClean="0"/>
-              <a:t>11/2/2016</a:t>
+              <a:t>2/10/2017</a:t>
             </a:fld>
             <a:endParaRPr lang="en-US"/>
           </a:p>
@@ -643,7 +646,7 @@
           <a:p>
             <a:fld id="{44B15A26-92BA-497A-9014-8A082EA472A1}" type="datetimeFigureOut">
               <a:rPr lang="en-US" smtClean="0"/>
-              <a:t>11/2/2016</a:t>
+              <a:t>2/10/2017</a:t>
             </a:fld>
             <a:endParaRPr lang="en-US"/>
           </a:p>
@@ -813,7 +816,7 @@
           <a:p>
             <a:fld id="{44B15A26-92BA-497A-9014-8A082EA472A1}" type="datetimeFigureOut">
               <a:rPr lang="en-US" smtClean="0"/>
-              <a:t>11/2/2016</a:t>
+              <a:t>2/10/2017</a:t>
             </a:fld>
             <a:endParaRPr lang="en-US"/>
           </a:p>
@@ -1059,7 +1062,7 @@
           <a:p>
             <a:fld id="{44B15A26-92BA-497A-9014-8A082EA472A1}" type="datetimeFigureOut">
               <a:rPr lang="en-US" smtClean="0"/>
-              <a:t>11/2/2016</a:t>
+              <a:t>2/10/2017</a:t>
             </a:fld>
             <a:endParaRPr lang="en-US"/>
           </a:p>
@@ -1347,7 +1350,7 @@
           <a:p>
             <a:fld id="{44B15A26-92BA-497A-9014-8A082EA472A1}" type="datetimeFigureOut">
               <a:rPr lang="en-US" smtClean="0"/>
-              <a:t>11/2/2016</a:t>
+              <a:t>2/10/2017</a:t>
             </a:fld>
             <a:endParaRPr lang="en-US"/>
           </a:p>
@@ -1769,7 +1772,7 @@
           <a:p>
             <a:fld id="{44B15A26-92BA-497A-9014-8A082EA472A1}" type="datetimeFigureOut">
               <a:rPr lang="en-US" smtClean="0"/>
-              <a:t>11/2/2016</a:t>
+              <a:t>2/10/2017</a:t>
             </a:fld>
             <a:endParaRPr lang="en-US"/>
           </a:p>
@@ -1887,7 +1890,7 @@
           <a:p>
             <a:fld id="{44B15A26-92BA-497A-9014-8A082EA472A1}" type="datetimeFigureOut">
               <a:rPr lang="en-US" smtClean="0"/>
-              <a:t>11/2/2016</a:t>
+              <a:t>2/10/2017</a:t>
             </a:fld>
             <a:endParaRPr lang="en-US"/>
           </a:p>
@@ -1982,7 +1985,7 @@
           <a:p>
             <a:fld id="{44B15A26-92BA-497A-9014-8A082EA472A1}" type="datetimeFigureOut">
               <a:rPr lang="en-US" smtClean="0"/>
-              <a:t>11/2/2016</a:t>
+              <a:t>2/10/2017</a:t>
             </a:fld>
             <a:endParaRPr lang="en-US"/>
           </a:p>
@@ -2259,7 +2262,7 @@
           <a:p>
             <a:fld id="{44B15A26-92BA-497A-9014-8A082EA472A1}" type="datetimeFigureOut">
               <a:rPr lang="en-US" smtClean="0"/>
-              <a:t>11/2/2016</a:t>
+              <a:t>2/10/2017</a:t>
             </a:fld>
             <a:endParaRPr lang="en-US"/>
           </a:p>
@@ -2512,7 +2515,7 @@
           <a:p>
             <a:fld id="{44B15A26-92BA-497A-9014-8A082EA472A1}" type="datetimeFigureOut">
               <a:rPr lang="en-US" smtClean="0"/>
-              <a:t>11/2/2016</a:t>
+              <a:t>2/10/2017</a:t>
             </a:fld>
             <a:endParaRPr lang="en-US"/>
           </a:p>
@@ -2725,7 +2728,7 @@
           <a:p>
             <a:fld id="{44B15A26-92BA-497A-9014-8A082EA472A1}" type="datetimeFigureOut">
               <a:rPr lang="en-US" smtClean="0"/>
-              <a:t>11/2/2016</a:t>
+              <a:t>2/10/2017</a:t>
             </a:fld>
             <a:endParaRPr lang="en-US"/>
           </a:p>
@@ -3188,7 +3191,7 @@
             <a:graphicData uri="http://schemas.openxmlformats.org/presentationml/2006/ole">
               <mc:AlternateContent xmlns:mc="http://schemas.openxmlformats.org/markup-compatibility/2006">
                 <mc:Choice xmlns:v="urn:schemas-microsoft-com:vml" Requires="v">
-                  <p:oleObj spid="_x0000_s2203" name="Equation" r:id="rId3" imgW="342720" imgH="228600" progId="Equation.DSMT4">
+                  <p:oleObj spid="_x0000_s2227" name="Equation" r:id="rId3" imgW="342720" imgH="228600" progId="Equation.DSMT4">
                     <p:embed/>
                   </p:oleObj>
                 </mc:Choice>
@@ -3319,7 +3322,7 @@
             <a:graphicData uri="http://schemas.openxmlformats.org/presentationml/2006/ole">
               <mc:AlternateContent xmlns:mc="http://schemas.openxmlformats.org/markup-compatibility/2006">
                 <mc:Choice xmlns:v="urn:schemas-microsoft-com:vml" Requires="v">
-                  <p:oleObj spid="_x0000_s2204" name="Equation" r:id="rId5" imgW="355320" imgH="228600" progId="Equation.DSMT4">
+                  <p:oleObj spid="_x0000_s2228" name="Equation" r:id="rId5" imgW="355320" imgH="228600" progId="Equation.DSMT4">
                     <p:embed/>
                   </p:oleObj>
                 </mc:Choice>
@@ -3442,7 +3445,7 @@
             <a:graphicData uri="http://schemas.openxmlformats.org/presentationml/2006/ole">
               <mc:AlternateContent xmlns:mc="http://schemas.openxmlformats.org/markup-compatibility/2006">
                 <mc:Choice xmlns:v="urn:schemas-microsoft-com:vml" Requires="v">
-                  <p:oleObj spid="_x0000_s2205" name="Equation" r:id="rId7" imgW="241200" imgH="177480" progId="Equation.DSMT4">
+                  <p:oleObj spid="_x0000_s2229" name="Equation" r:id="rId7" imgW="241200" imgH="177480" progId="Equation.DSMT4">
                     <p:embed/>
                   </p:oleObj>
                 </mc:Choice>
@@ -3573,7 +3576,7 @@
             <a:graphicData uri="http://schemas.openxmlformats.org/presentationml/2006/ole">
               <mc:AlternateContent xmlns:mc="http://schemas.openxmlformats.org/markup-compatibility/2006">
                 <mc:Choice xmlns:v="urn:schemas-microsoft-com:vml" Requires="v">
-                  <p:oleObj spid="_x0000_s2206" name="Equation" r:id="rId9" imgW="368280" imgH="228600" progId="Equation.DSMT4">
+                  <p:oleObj spid="_x0000_s2230" name="Equation" r:id="rId9" imgW="368280" imgH="228600" progId="Equation.DSMT4">
                     <p:embed/>
                   </p:oleObj>
                 </mc:Choice>
@@ -3712,7 +3715,7 @@
             <a:graphicData uri="http://schemas.openxmlformats.org/presentationml/2006/ole">
               <mc:AlternateContent xmlns:mc="http://schemas.openxmlformats.org/markup-compatibility/2006">
                 <mc:Choice xmlns:v="urn:schemas-microsoft-com:vml" Requires="v">
-                  <p:oleObj spid="_x0000_s2207" name="Equation" r:id="rId12" imgW="126720" imgH="139680" progId="Equation.DSMT4">
+                  <p:oleObj spid="_x0000_s2231" name="Equation" r:id="rId12" imgW="126720" imgH="139680" progId="Equation.DSMT4">
                     <p:embed/>
                   </p:oleObj>
                 </mc:Choice>
@@ -3777,7 +3780,7 @@
           <a:graphicData uri="http://schemas.openxmlformats.org/presentationml/2006/ole">
             <mc:AlternateContent xmlns:mc="http://schemas.openxmlformats.org/markup-compatibility/2006">
               <mc:Choice xmlns:v="urn:schemas-microsoft-com:vml" Requires="v">
-                <p:oleObj spid="_x0000_s2208" name="Equation" r:id="rId14" imgW="2057400" imgH="291960" progId="Equation.DSMT4">
+                <p:oleObj spid="_x0000_s2232" name="Equation" r:id="rId14" imgW="2057400" imgH="291960" progId="Equation.DSMT4">
                   <p:embed/>
                 </p:oleObj>
               </mc:Choice>
@@ -7062,8 +7065,8 @@
           <a:chExt cx="0" cy="0"/>
         </a:xfrm>
       </p:grpSpPr>
-      <mc:AlternateContent xmlns:mc="http://schemas.openxmlformats.org/markup-compatibility/2006">
-        <mc:Choice xmlns:a14="http://schemas.microsoft.com/office/drawing/2010/main" Requires="a14">
+      <mc:AlternateContent xmlns:mc="http://schemas.openxmlformats.org/markup-compatibility/2006" xmlns:a14="http://schemas.microsoft.com/office/drawing/2010/main">
+        <mc:Choice Requires="a14">
           <p:sp>
             <p:nvSpPr>
               <p:cNvPr id="4" name="Rounded Rectangle 30"/>
@@ -7204,7 +7207,7 @@
             </p:txBody>
           </p:sp>
         </mc:Choice>
-        <mc:Fallback>
+        <mc:Fallback xmlns="">
           <p:sp>
             <p:nvSpPr>
               <p:cNvPr id="4" name="Rounded Rectangle 30"/>
@@ -8169,8 +8172,8 @@
           </a:p>
         </p:txBody>
       </p:sp>
-      <mc:AlternateContent xmlns:mc="http://schemas.openxmlformats.org/markup-compatibility/2006">
-        <mc:Choice xmlns:a14="http://schemas.microsoft.com/office/drawing/2010/main" Requires="a14">
+      <mc:AlternateContent xmlns:mc="http://schemas.openxmlformats.org/markup-compatibility/2006" xmlns:a14="http://schemas.microsoft.com/office/drawing/2010/main">
+        <mc:Choice Requires="a14">
           <p:sp>
             <p:nvSpPr>
               <p:cNvPr id="30" name="Rounded Rectangle 30"/>
@@ -8311,7 +8314,7 @@
             </p:txBody>
           </p:sp>
         </mc:Choice>
-        <mc:Fallback>
+        <mc:Fallback xmlns="">
           <p:sp>
             <p:nvSpPr>
               <p:cNvPr id="30" name="Rounded Rectangle 30"/>
@@ -8351,8 +8354,8 @@
           </p:sp>
         </mc:Fallback>
       </mc:AlternateContent>
-      <mc:AlternateContent xmlns:mc="http://schemas.openxmlformats.org/markup-compatibility/2006">
-        <mc:Choice xmlns:a14="http://schemas.microsoft.com/office/drawing/2010/main" Requires="a14">
+      <mc:AlternateContent xmlns:mc="http://schemas.openxmlformats.org/markup-compatibility/2006" xmlns:a14="http://schemas.microsoft.com/office/drawing/2010/main">
+        <mc:Choice Requires="a14">
           <p:sp>
             <p:nvSpPr>
               <p:cNvPr id="31" name="Rounded Rectangle 30"/>
@@ -8493,7 +8496,7 @@
             </p:txBody>
           </p:sp>
         </mc:Choice>
-        <mc:Fallback>
+        <mc:Fallback xmlns="">
           <p:sp>
             <p:nvSpPr>
               <p:cNvPr id="31" name="Rounded Rectangle 30"/>
@@ -8533,8 +8536,8 @@
           </p:sp>
         </mc:Fallback>
       </mc:AlternateContent>
-      <mc:AlternateContent xmlns:mc="http://schemas.openxmlformats.org/markup-compatibility/2006">
-        <mc:Choice xmlns:a14="http://schemas.microsoft.com/office/drawing/2010/main" Requires="a14">
+      <mc:AlternateContent xmlns:mc="http://schemas.openxmlformats.org/markup-compatibility/2006" xmlns:a14="http://schemas.microsoft.com/office/drawing/2010/main">
+        <mc:Choice Requires="a14">
           <p:sp>
             <p:nvSpPr>
               <p:cNvPr id="32" name="Rounded Rectangle 30"/>
@@ -8675,7 +8678,7 @@
             </p:txBody>
           </p:sp>
         </mc:Choice>
-        <mc:Fallback>
+        <mc:Fallback xmlns="">
           <p:sp>
             <p:nvSpPr>
               <p:cNvPr id="32" name="Rounded Rectangle 30"/>
@@ -11623,8 +11626,8 @@
           <a:chExt cx="0" cy="0"/>
         </a:xfrm>
       </p:grpSpPr>
-      <mc:AlternateContent xmlns:mc="http://schemas.openxmlformats.org/markup-compatibility/2006">
-        <mc:Choice xmlns:a14="http://schemas.microsoft.com/office/drawing/2010/main" Requires="a14">
+      <mc:AlternateContent xmlns:mc="http://schemas.openxmlformats.org/markup-compatibility/2006" xmlns:a14="http://schemas.microsoft.com/office/drawing/2010/main">
+        <mc:Choice Requires="a14">
           <p:graphicFrame>
             <p:nvGraphicFramePr>
               <p:cNvPr id="4" name="表格 3"/>
@@ -12253,7 +12256,7 @@
             </a:graphic>
           </p:graphicFrame>
         </mc:Choice>
-        <mc:Fallback>
+        <mc:Fallback xmlns="">
           <p:graphicFrame>
             <p:nvGraphicFramePr>
               <p:cNvPr id="4" name="表格 3"/>
@@ -12611,8 +12614,8 @@
           </p:graphicFrame>
         </mc:Fallback>
       </mc:AlternateContent>
-      <mc:AlternateContent xmlns:mc="http://schemas.openxmlformats.org/markup-compatibility/2006">
-        <mc:Choice xmlns:a14="http://schemas.microsoft.com/office/drawing/2010/main" Requires="a14">
+      <mc:AlternateContent xmlns:mc="http://schemas.openxmlformats.org/markup-compatibility/2006" xmlns:a14="http://schemas.microsoft.com/office/drawing/2010/main">
+        <mc:Choice Requires="a14">
           <p:graphicFrame>
             <p:nvGraphicFramePr>
               <p:cNvPr id="5" name="表格 4"/>
@@ -12763,7 +12766,7 @@
             </a:graphic>
           </p:graphicFrame>
         </mc:Choice>
-        <mc:Fallback>
+        <mc:Fallback xmlns="">
           <p:graphicFrame>
             <p:nvGraphicFramePr>
               <p:cNvPr id="5" name="表格 4"/>
@@ -12892,8 +12895,8 @@
           </a:p>
         </p:txBody>
       </p:sp>
-      <mc:AlternateContent xmlns:mc="http://schemas.openxmlformats.org/markup-compatibility/2006">
-        <mc:Choice xmlns:a14="http://schemas.microsoft.com/office/drawing/2010/main" Requires="a14">
+      <mc:AlternateContent xmlns:mc="http://schemas.openxmlformats.org/markup-compatibility/2006" xmlns:a14="http://schemas.microsoft.com/office/drawing/2010/main">
+        <mc:Choice Requires="a14">
           <p:graphicFrame>
             <p:nvGraphicFramePr>
               <p:cNvPr id="7" name="表格 6"/>
@@ -13534,7 +13537,7 @@
             </a:graphic>
           </p:graphicFrame>
         </mc:Choice>
-        <mc:Fallback>
+        <mc:Fallback xmlns="">
           <p:graphicFrame>
             <p:nvGraphicFramePr>
               <p:cNvPr id="7" name="表格 6"/>
@@ -13892,8 +13895,8 @@
           </p:graphicFrame>
         </mc:Fallback>
       </mc:AlternateContent>
-      <mc:AlternateContent xmlns:mc="http://schemas.openxmlformats.org/markup-compatibility/2006">
-        <mc:Choice xmlns:a14="http://schemas.microsoft.com/office/drawing/2010/main" Requires="a14">
+      <mc:AlternateContent xmlns:mc="http://schemas.openxmlformats.org/markup-compatibility/2006" xmlns:a14="http://schemas.microsoft.com/office/drawing/2010/main">
+        <mc:Choice Requires="a14">
           <p:graphicFrame>
             <p:nvGraphicFramePr>
               <p:cNvPr id="8" name="表格 7"/>
@@ -14044,7 +14047,7 @@
             </a:graphic>
           </p:graphicFrame>
         </mc:Choice>
-        <mc:Fallback>
+        <mc:Fallback xmlns="">
           <p:graphicFrame>
             <p:nvGraphicFramePr>
               <p:cNvPr id="8" name="表格 7"/>
@@ -14237,6 +14240,2903 @@
     <p:extLst>
       <p:ext uri="{BB962C8B-B14F-4D97-AF65-F5344CB8AC3E}">
         <p14:creationId xmlns:p14="http://schemas.microsoft.com/office/powerpoint/2010/main" val="3494275626"/>
+      </p:ext>
+    </p:extLst>
+  </p:cSld>
+  <p:clrMapOvr>
+    <a:masterClrMapping/>
+  </p:clrMapOvr>
+</p:sld>
+</file>
+
+<file path=ppt/slides/slide7.xml><?xml version="1.0" encoding="utf-8"?>
+<p:sld xmlns:a="http://schemas.openxmlformats.org/drawingml/2006/main" xmlns:r="http://schemas.openxmlformats.org/officeDocument/2006/relationships" xmlns:p="http://schemas.openxmlformats.org/presentationml/2006/main">
+  <p:cSld>
+    <p:spTree>
+      <p:nvGrpSpPr>
+        <p:cNvPr id="1" name=""/>
+        <p:cNvGrpSpPr/>
+        <p:nvPr/>
+      </p:nvGrpSpPr>
+      <p:grpSpPr>
+        <a:xfrm>
+          <a:off x="0" y="0"/>
+          <a:ext cx="0" cy="0"/>
+          <a:chOff x="0" y="0"/>
+          <a:chExt cx="0" cy="0"/>
+        </a:xfrm>
+      </p:grpSpPr>
+      <p:sp>
+        <p:nvSpPr>
+          <p:cNvPr id="2" name="标题 1"/>
+          <p:cNvSpPr>
+            <a:spLocks noGrp="1"/>
+          </p:cNvSpPr>
+          <p:nvPr>
+            <p:ph type="title"/>
+          </p:nvPr>
+        </p:nvSpPr>
+        <p:spPr/>
+        <p:txBody>
+          <a:bodyPr>
+            <a:normAutofit fontScale="90000"/>
+          </a:bodyPr>
+          <a:lstStyle/>
+          <a:p>
+            <a:r>
+              <a:rPr lang="en-US" altLang="zh-CN" dirty="0"/>
+              <a:t>Effective Multiclass Transfer For Hypothesis Transfer Learning</a:t>
+            </a:r>
+            <a:endParaRPr lang="zh-CN" altLang="en-US" dirty="0"/>
+          </a:p>
+        </p:txBody>
+      </p:sp>
+      <p:sp>
+        <p:nvSpPr>
+          <p:cNvPr id="4" name="AutoShape 2" descr="Image result for coke"/>
+          <p:cNvSpPr>
+            <a:spLocks noChangeAspect="1" noChangeArrowheads="1"/>
+          </p:cNvSpPr>
+          <p:nvPr/>
+        </p:nvSpPr>
+        <p:spPr bwMode="auto">
+          <a:xfrm>
+            <a:off x="155575" y="-144463"/>
+            <a:ext cx="304800" cy="304801"/>
+          </a:xfrm>
+          <a:prstGeom prst="rect">
+            <a:avLst/>
+          </a:prstGeom>
+          <a:noFill/>
+          <a:extLst>
+            <a:ext uri="{909E8E84-426E-40DD-AFC4-6F175D3DCCD1}">
+              <a14:hiddenFill xmlns:a14="http://schemas.microsoft.com/office/drawing/2010/main">
+                <a:solidFill>
+                  <a:srgbClr val="FFFFFF"/>
+                </a:solidFill>
+              </a14:hiddenFill>
+            </a:ext>
+          </a:extLst>
+        </p:spPr>
+        <p:txBody>
+          <a:bodyPr vert="horz" wrap="square" lIns="91440" tIns="45720" rIns="91440" bIns="45720" numCol="1" anchor="t" anchorCtr="0" compatLnSpc="1">
+            <a:prstTxWarp prst="textNoShape">
+              <a:avLst/>
+            </a:prstTxWarp>
+          </a:bodyPr>
+          <a:lstStyle/>
+          <a:p>
+            <a:endParaRPr lang="zh-CN" altLang="en-US"/>
+          </a:p>
+        </p:txBody>
+      </p:sp>
+      <p:sp>
+        <p:nvSpPr>
+          <p:cNvPr id="5" name="AutoShape 9" descr="Image result for fanta"/>
+          <p:cNvSpPr>
+            <a:spLocks noChangeAspect="1" noChangeArrowheads="1"/>
+          </p:cNvSpPr>
+          <p:nvPr/>
+        </p:nvSpPr>
+        <p:spPr bwMode="auto">
+          <a:xfrm>
+            <a:off x="307975" y="7937"/>
+            <a:ext cx="304800" cy="304801"/>
+          </a:xfrm>
+          <a:prstGeom prst="rect">
+            <a:avLst/>
+          </a:prstGeom>
+          <a:noFill/>
+          <a:extLst>
+            <a:ext uri="{909E8E84-426E-40DD-AFC4-6F175D3DCCD1}">
+              <a14:hiddenFill xmlns:a14="http://schemas.microsoft.com/office/drawing/2010/main">
+                <a:solidFill>
+                  <a:srgbClr val="FFFFFF"/>
+                </a:solidFill>
+              </a14:hiddenFill>
+            </a:ext>
+          </a:extLst>
+        </p:spPr>
+        <p:txBody>
+          <a:bodyPr vert="horz" wrap="square" lIns="91440" tIns="45720" rIns="91440" bIns="45720" numCol="1" anchor="t" anchorCtr="0" compatLnSpc="1">
+            <a:prstTxWarp prst="textNoShape">
+              <a:avLst/>
+            </a:prstTxWarp>
+          </a:bodyPr>
+          <a:lstStyle/>
+          <a:p>
+            <a:endParaRPr lang="zh-CN" altLang="en-US"/>
+          </a:p>
+        </p:txBody>
+      </p:sp>
+      <p:pic>
+        <p:nvPicPr>
+          <p:cNvPr id="3089" name="Picture 17"/>
+          <p:cNvPicPr>
+            <a:picLocks noChangeAspect="1" noChangeArrowheads="1"/>
+          </p:cNvPicPr>
+          <p:nvPr/>
+        </p:nvPicPr>
+        <p:blipFill>
+          <a:blip r:embed="rId2">
+            <a:extLst>
+              <a:ext uri="{28A0092B-C50C-407E-A947-70E740481C1C}">
+                <a14:useLocalDpi xmlns:a14="http://schemas.microsoft.com/office/drawing/2010/main" val="0"/>
+              </a:ext>
+            </a:extLst>
+          </a:blip>
+          <a:srcRect/>
+          <a:stretch>
+            <a:fillRect/>
+          </a:stretch>
+        </p:blipFill>
+        <p:spPr bwMode="auto">
+          <a:xfrm>
+            <a:off x="2915816" y="2132856"/>
+            <a:ext cx="1110391" cy="1073027"/>
+          </a:xfrm>
+          <a:prstGeom prst="rect">
+            <a:avLst/>
+          </a:prstGeom>
+          <a:noFill/>
+          <a:ln>
+            <a:noFill/>
+          </a:ln>
+          <a:effectLst/>
+          <a:extLst>
+            <a:ext uri="{909E8E84-426E-40DD-AFC4-6F175D3DCCD1}">
+              <a14:hiddenFill xmlns:a14="http://schemas.microsoft.com/office/drawing/2010/main">
+                <a:solidFill>
+                  <a:schemeClr val="accent1"/>
+                </a:solidFill>
+              </a14:hiddenFill>
+            </a:ext>
+            <a:ext uri="{91240B29-F687-4F45-9708-019B960494DF}">
+              <a14:hiddenLine xmlns:a14="http://schemas.microsoft.com/office/drawing/2010/main" w="9525">
+                <a:solidFill>
+                  <a:schemeClr val="tx1"/>
+                </a:solidFill>
+                <a:miter lim="800000"/>
+                <a:headEnd/>
+                <a:tailEnd/>
+              </a14:hiddenLine>
+            </a:ext>
+            <a:ext uri="{AF507438-7753-43E0-B8FC-AC1667EBCBE1}">
+              <a14:hiddenEffects xmlns:a14="http://schemas.microsoft.com/office/drawing/2010/main">
+                <a:effectLst>
+                  <a:outerShdw dist="35921" dir="2700000" algn="ctr" rotWithShape="0">
+                    <a:schemeClr val="bg2"/>
+                  </a:outerShdw>
+                </a:effectLst>
+              </a14:hiddenEffects>
+            </a:ext>
+          </a:extLst>
+        </p:spPr>
+      </p:pic>
+      <p:pic>
+        <p:nvPicPr>
+          <p:cNvPr id="3075" name="Picture 3"/>
+          <p:cNvPicPr>
+            <a:picLocks noChangeAspect="1" noChangeArrowheads="1"/>
+          </p:cNvPicPr>
+          <p:nvPr/>
+        </p:nvPicPr>
+        <p:blipFill>
+          <a:blip r:embed="rId3">
+            <a:extLst>
+              <a:ext uri="{28A0092B-C50C-407E-A947-70E740481C1C}">
+                <a14:useLocalDpi xmlns:a14="http://schemas.microsoft.com/office/drawing/2010/main" val="0"/>
+              </a:ext>
+            </a:extLst>
+          </a:blip>
+          <a:srcRect/>
+          <a:stretch>
+            <a:fillRect/>
+          </a:stretch>
+        </p:blipFill>
+        <p:spPr bwMode="auto">
+          <a:xfrm>
+            <a:off x="905625" y="2038681"/>
+            <a:ext cx="876897" cy="1317742"/>
+          </a:xfrm>
+          <a:prstGeom prst="rect">
+            <a:avLst/>
+          </a:prstGeom>
+          <a:noFill/>
+          <a:ln>
+            <a:noFill/>
+          </a:ln>
+          <a:effectLst/>
+          <a:extLst>
+            <a:ext uri="{909E8E84-426E-40DD-AFC4-6F175D3DCCD1}">
+              <a14:hiddenFill xmlns:a14="http://schemas.microsoft.com/office/drawing/2010/main">
+                <a:solidFill>
+                  <a:schemeClr val="accent1"/>
+                </a:solidFill>
+              </a14:hiddenFill>
+            </a:ext>
+            <a:ext uri="{91240B29-F687-4F45-9708-019B960494DF}">
+              <a14:hiddenLine xmlns:a14="http://schemas.microsoft.com/office/drawing/2010/main" w="9525">
+                <a:solidFill>
+                  <a:schemeClr val="tx1"/>
+                </a:solidFill>
+                <a:miter lim="800000"/>
+                <a:headEnd/>
+                <a:tailEnd/>
+              </a14:hiddenLine>
+            </a:ext>
+            <a:ext uri="{AF507438-7753-43E0-B8FC-AC1667EBCBE1}">
+              <a14:hiddenEffects xmlns:a14="http://schemas.microsoft.com/office/drawing/2010/main">
+                <a:effectLst>
+                  <a:outerShdw dist="35921" dir="2700000" algn="ctr" rotWithShape="0">
+                    <a:schemeClr val="bg2"/>
+                  </a:outerShdw>
+                </a:effectLst>
+              </a14:hiddenEffects>
+            </a:ext>
+          </a:extLst>
+        </p:spPr>
+      </p:pic>
+      <p:pic>
+        <p:nvPicPr>
+          <p:cNvPr id="3082" name="Picture 10"/>
+          <p:cNvPicPr>
+            <a:picLocks noChangeAspect="1" noChangeArrowheads="1"/>
+          </p:cNvPicPr>
+          <p:nvPr/>
+        </p:nvPicPr>
+        <p:blipFill>
+          <a:blip r:embed="rId4" cstate="print">
+            <a:extLst>
+              <a:ext uri="{28A0092B-C50C-407E-A947-70E740481C1C}">
+                <a14:useLocalDpi xmlns:a14="http://schemas.microsoft.com/office/drawing/2010/main" val="0"/>
+              </a:ext>
+            </a:extLst>
+          </a:blip>
+          <a:srcRect/>
+          <a:stretch>
+            <a:fillRect/>
+          </a:stretch>
+        </p:blipFill>
+        <p:spPr bwMode="auto">
+          <a:xfrm>
+            <a:off x="1744375" y="2170665"/>
+            <a:ext cx="611142" cy="1024504"/>
+          </a:xfrm>
+          <a:prstGeom prst="rect">
+            <a:avLst/>
+          </a:prstGeom>
+          <a:noFill/>
+          <a:ln>
+            <a:noFill/>
+          </a:ln>
+          <a:effectLst/>
+          <a:extLst>
+            <a:ext uri="{909E8E84-426E-40DD-AFC4-6F175D3DCCD1}">
+              <a14:hiddenFill xmlns:a14="http://schemas.microsoft.com/office/drawing/2010/main">
+                <a:solidFill>
+                  <a:schemeClr val="accent1"/>
+                </a:solidFill>
+              </a14:hiddenFill>
+            </a:ext>
+            <a:ext uri="{91240B29-F687-4F45-9708-019B960494DF}">
+              <a14:hiddenLine xmlns:a14="http://schemas.microsoft.com/office/drawing/2010/main" w="9525">
+                <a:solidFill>
+                  <a:schemeClr val="tx1"/>
+                </a:solidFill>
+                <a:miter lim="800000"/>
+                <a:headEnd/>
+                <a:tailEnd/>
+              </a14:hiddenLine>
+            </a:ext>
+            <a:ext uri="{AF507438-7753-43E0-B8FC-AC1667EBCBE1}">
+              <a14:hiddenEffects xmlns:a14="http://schemas.microsoft.com/office/drawing/2010/main">
+                <a:effectLst>
+                  <a:outerShdw dist="35921" dir="2700000" algn="ctr" rotWithShape="0">
+                    <a:schemeClr val="bg2"/>
+                  </a:outerShdw>
+                </a:effectLst>
+              </a14:hiddenEffects>
+            </a:ext>
+          </a:extLst>
+        </p:spPr>
+      </p:pic>
+      <p:pic>
+        <p:nvPicPr>
+          <p:cNvPr id="3083" name="Picture 11"/>
+          <p:cNvPicPr>
+            <a:picLocks noChangeAspect="1" noChangeArrowheads="1"/>
+          </p:cNvPicPr>
+          <p:nvPr/>
+        </p:nvPicPr>
+        <p:blipFill>
+          <a:blip r:embed="rId5">
+            <a:extLst>
+              <a:ext uri="{28A0092B-C50C-407E-A947-70E740481C1C}">
+                <a14:useLocalDpi xmlns:a14="http://schemas.microsoft.com/office/drawing/2010/main" val="0"/>
+              </a:ext>
+            </a:extLst>
+          </a:blip>
+          <a:srcRect/>
+          <a:stretch>
+            <a:fillRect/>
+          </a:stretch>
+        </p:blipFill>
+        <p:spPr bwMode="auto">
+          <a:xfrm flipH="1">
+            <a:off x="6228184" y="2132856"/>
+            <a:ext cx="428500" cy="1049585"/>
+          </a:xfrm>
+          <a:prstGeom prst="rect">
+            <a:avLst/>
+          </a:prstGeom>
+          <a:noFill/>
+          <a:ln>
+            <a:noFill/>
+          </a:ln>
+          <a:effectLst/>
+          <a:extLst>
+            <a:ext uri="{909E8E84-426E-40DD-AFC4-6F175D3DCCD1}">
+              <a14:hiddenFill xmlns:a14="http://schemas.microsoft.com/office/drawing/2010/main">
+                <a:solidFill>
+                  <a:schemeClr val="accent1"/>
+                </a:solidFill>
+              </a14:hiddenFill>
+            </a:ext>
+            <a:ext uri="{91240B29-F687-4F45-9708-019B960494DF}">
+              <a14:hiddenLine xmlns:a14="http://schemas.microsoft.com/office/drawing/2010/main" w="9525">
+                <a:solidFill>
+                  <a:schemeClr val="tx1"/>
+                </a:solidFill>
+                <a:miter lim="800000"/>
+                <a:headEnd/>
+                <a:tailEnd/>
+              </a14:hiddenLine>
+            </a:ext>
+            <a:ext uri="{AF507438-7753-43E0-B8FC-AC1667EBCBE1}">
+              <a14:hiddenEffects xmlns:a14="http://schemas.microsoft.com/office/drawing/2010/main">
+                <a:effectLst>
+                  <a:outerShdw dist="35921" dir="2700000" algn="ctr" rotWithShape="0">
+                    <a:schemeClr val="bg2"/>
+                  </a:outerShdw>
+                </a:effectLst>
+              </a14:hiddenEffects>
+            </a:ext>
+          </a:extLst>
+        </p:spPr>
+      </p:pic>
+      <p:pic>
+        <p:nvPicPr>
+          <p:cNvPr id="3084" name="Picture 12"/>
+          <p:cNvPicPr>
+            <a:picLocks noChangeAspect="1" noChangeArrowheads="1"/>
+          </p:cNvPicPr>
+          <p:nvPr/>
+        </p:nvPicPr>
+        <p:blipFill>
+          <a:blip r:embed="rId6">
+            <a:extLst>
+              <a:ext uri="{28A0092B-C50C-407E-A947-70E740481C1C}">
+                <a14:useLocalDpi xmlns:a14="http://schemas.microsoft.com/office/drawing/2010/main" val="0"/>
+              </a:ext>
+            </a:extLst>
+          </a:blip>
+          <a:srcRect/>
+          <a:stretch>
+            <a:fillRect/>
+          </a:stretch>
+        </p:blipFill>
+        <p:spPr bwMode="auto">
+          <a:xfrm flipH="1">
+            <a:off x="5652120" y="2128310"/>
+            <a:ext cx="428500" cy="1084666"/>
+          </a:xfrm>
+          <a:prstGeom prst="rect">
+            <a:avLst/>
+          </a:prstGeom>
+          <a:noFill/>
+          <a:ln>
+            <a:noFill/>
+          </a:ln>
+          <a:effectLst/>
+          <a:extLst>
+            <a:ext uri="{909E8E84-426E-40DD-AFC4-6F175D3DCCD1}">
+              <a14:hiddenFill xmlns:a14="http://schemas.microsoft.com/office/drawing/2010/main">
+                <a:solidFill>
+                  <a:schemeClr val="accent1"/>
+                </a:solidFill>
+              </a14:hiddenFill>
+            </a:ext>
+            <a:ext uri="{91240B29-F687-4F45-9708-019B960494DF}">
+              <a14:hiddenLine xmlns:a14="http://schemas.microsoft.com/office/drawing/2010/main" w="9525">
+                <a:solidFill>
+                  <a:schemeClr val="tx1"/>
+                </a:solidFill>
+                <a:miter lim="800000"/>
+                <a:headEnd/>
+                <a:tailEnd/>
+              </a14:hiddenLine>
+            </a:ext>
+            <a:ext uri="{AF507438-7753-43E0-B8FC-AC1667EBCBE1}">
+              <a14:hiddenEffects xmlns:a14="http://schemas.microsoft.com/office/drawing/2010/main">
+                <a:effectLst>
+                  <a:outerShdw dist="35921" dir="2700000" algn="ctr" rotWithShape="0">
+                    <a:schemeClr val="bg2"/>
+                  </a:outerShdw>
+                </a:effectLst>
+              </a14:hiddenEffects>
+            </a:ext>
+          </a:extLst>
+        </p:spPr>
+      </p:pic>
+      <p:pic>
+        <p:nvPicPr>
+          <p:cNvPr id="3085" name="Picture 13"/>
+          <p:cNvPicPr>
+            <a:picLocks noChangeAspect="1" noChangeArrowheads="1"/>
+          </p:cNvPicPr>
+          <p:nvPr/>
+        </p:nvPicPr>
+        <p:blipFill>
+          <a:blip r:embed="rId7">
+            <a:extLst>
+              <a:ext uri="{28A0092B-C50C-407E-A947-70E740481C1C}">
+                <a14:useLocalDpi xmlns:a14="http://schemas.microsoft.com/office/drawing/2010/main" val="0"/>
+              </a:ext>
+            </a:extLst>
+          </a:blip>
+          <a:srcRect/>
+          <a:stretch>
+            <a:fillRect/>
+          </a:stretch>
+        </p:blipFill>
+        <p:spPr bwMode="auto">
+          <a:xfrm>
+            <a:off x="2355517" y="2132856"/>
+            <a:ext cx="821701" cy="1047352"/>
+          </a:xfrm>
+          <a:prstGeom prst="rect">
+            <a:avLst/>
+          </a:prstGeom>
+          <a:noFill/>
+          <a:ln>
+            <a:noFill/>
+          </a:ln>
+          <a:effectLst/>
+          <a:extLst>
+            <a:ext uri="{909E8E84-426E-40DD-AFC4-6F175D3DCCD1}">
+              <a14:hiddenFill xmlns:a14="http://schemas.microsoft.com/office/drawing/2010/main">
+                <a:solidFill>
+                  <a:schemeClr val="accent1"/>
+                </a:solidFill>
+              </a14:hiddenFill>
+            </a:ext>
+            <a:ext uri="{91240B29-F687-4F45-9708-019B960494DF}">
+              <a14:hiddenLine xmlns:a14="http://schemas.microsoft.com/office/drawing/2010/main" w="9525">
+                <a:solidFill>
+                  <a:schemeClr val="tx1"/>
+                </a:solidFill>
+                <a:miter lim="800000"/>
+                <a:headEnd/>
+                <a:tailEnd/>
+              </a14:hiddenLine>
+            </a:ext>
+            <a:ext uri="{AF507438-7753-43E0-B8FC-AC1667EBCBE1}">
+              <a14:hiddenEffects xmlns:a14="http://schemas.microsoft.com/office/drawing/2010/main">
+                <a:effectLst>
+                  <a:outerShdw dist="35921" dir="2700000" algn="ctr" rotWithShape="0">
+                    <a:schemeClr val="bg2"/>
+                  </a:outerShdw>
+                </a:effectLst>
+              </a14:hiddenEffects>
+            </a:ext>
+          </a:extLst>
+        </p:spPr>
+      </p:pic>
+      <p:pic>
+        <p:nvPicPr>
+          <p:cNvPr id="3086" name="Picture 14"/>
+          <p:cNvPicPr>
+            <a:picLocks noChangeAspect="1" noChangeArrowheads="1"/>
+          </p:cNvPicPr>
+          <p:nvPr/>
+        </p:nvPicPr>
+        <p:blipFill>
+          <a:blip r:embed="rId8" cstate="print">
+            <a:extLst>
+              <a:ext uri="{28A0092B-C50C-407E-A947-70E740481C1C}">
+                <a14:useLocalDpi xmlns:a14="http://schemas.microsoft.com/office/drawing/2010/main" val="0"/>
+              </a:ext>
+            </a:extLst>
+          </a:blip>
+          <a:srcRect/>
+          <a:stretch>
+            <a:fillRect/>
+          </a:stretch>
+        </p:blipFill>
+        <p:spPr bwMode="auto">
+          <a:xfrm flipH="1">
+            <a:off x="6636993" y="2130623"/>
+            <a:ext cx="726935" cy="1049585"/>
+          </a:xfrm>
+          <a:prstGeom prst="rect">
+            <a:avLst/>
+          </a:prstGeom>
+          <a:noFill/>
+          <a:ln>
+            <a:noFill/>
+          </a:ln>
+          <a:effectLst/>
+          <a:extLst>
+            <a:ext uri="{909E8E84-426E-40DD-AFC4-6F175D3DCCD1}">
+              <a14:hiddenFill xmlns:a14="http://schemas.microsoft.com/office/drawing/2010/main">
+                <a:solidFill>
+                  <a:schemeClr val="accent1"/>
+                </a:solidFill>
+              </a14:hiddenFill>
+            </a:ext>
+            <a:ext uri="{91240B29-F687-4F45-9708-019B960494DF}">
+              <a14:hiddenLine xmlns:a14="http://schemas.microsoft.com/office/drawing/2010/main" w="9525">
+                <a:solidFill>
+                  <a:schemeClr val="tx1"/>
+                </a:solidFill>
+                <a:miter lim="800000"/>
+                <a:headEnd/>
+                <a:tailEnd/>
+              </a14:hiddenLine>
+            </a:ext>
+            <a:ext uri="{AF507438-7753-43E0-B8FC-AC1667EBCBE1}">
+              <a14:hiddenEffects xmlns:a14="http://schemas.microsoft.com/office/drawing/2010/main">
+                <a:effectLst>
+                  <a:outerShdw dist="35921" dir="2700000" algn="ctr" rotWithShape="0">
+                    <a:schemeClr val="bg2"/>
+                  </a:outerShdw>
+                </a:effectLst>
+              </a14:hiddenEffects>
+            </a:ext>
+          </a:extLst>
+        </p:spPr>
+      </p:pic>
+      <p:pic>
+        <p:nvPicPr>
+          <p:cNvPr id="3090" name="Picture 18"/>
+          <p:cNvPicPr>
+            <a:picLocks noChangeAspect="1" noChangeArrowheads="1"/>
+          </p:cNvPicPr>
+          <p:nvPr/>
+        </p:nvPicPr>
+        <p:blipFill>
+          <a:blip r:embed="rId9">
+            <a:extLst>
+              <a:ext uri="{28A0092B-C50C-407E-A947-70E740481C1C}">
+                <a14:useLocalDpi xmlns:a14="http://schemas.microsoft.com/office/drawing/2010/main" val="0"/>
+              </a:ext>
+            </a:extLst>
+          </a:blip>
+          <a:srcRect/>
+          <a:stretch>
+            <a:fillRect/>
+          </a:stretch>
+        </p:blipFill>
+        <p:spPr bwMode="auto">
+          <a:xfrm flipH="1">
+            <a:off x="7380312" y="2132856"/>
+            <a:ext cx="336352" cy="1049585"/>
+          </a:xfrm>
+          <a:prstGeom prst="rect">
+            <a:avLst/>
+          </a:prstGeom>
+          <a:noFill/>
+          <a:ln>
+            <a:noFill/>
+          </a:ln>
+          <a:effectLst/>
+          <a:extLst>
+            <a:ext uri="{909E8E84-426E-40DD-AFC4-6F175D3DCCD1}">
+              <a14:hiddenFill xmlns:a14="http://schemas.microsoft.com/office/drawing/2010/main">
+                <a:solidFill>
+                  <a:schemeClr val="accent1"/>
+                </a:solidFill>
+              </a14:hiddenFill>
+            </a:ext>
+            <a:ext uri="{91240B29-F687-4F45-9708-019B960494DF}">
+              <a14:hiddenLine xmlns:a14="http://schemas.microsoft.com/office/drawing/2010/main" w="9525">
+                <a:solidFill>
+                  <a:schemeClr val="tx1"/>
+                </a:solidFill>
+                <a:miter lim="800000"/>
+                <a:headEnd/>
+                <a:tailEnd/>
+              </a14:hiddenLine>
+            </a:ext>
+            <a:ext uri="{AF507438-7753-43E0-B8FC-AC1667EBCBE1}">
+              <a14:hiddenEffects xmlns:a14="http://schemas.microsoft.com/office/drawing/2010/main">
+                <a:effectLst>
+                  <a:outerShdw dist="35921" dir="2700000" algn="ctr" rotWithShape="0">
+                    <a:schemeClr val="bg2"/>
+                  </a:outerShdw>
+                </a:effectLst>
+              </a14:hiddenEffects>
+            </a:ext>
+          </a:extLst>
+        </p:spPr>
+      </p:pic>
+      <p:sp>
+        <p:nvSpPr>
+          <p:cNvPr id="6" name="TextBox 5"/>
+          <p:cNvSpPr txBox="1"/>
+          <p:nvPr/>
+        </p:nvSpPr>
+        <p:spPr>
+          <a:xfrm>
+            <a:off x="893926" y="1700810"/>
+            <a:ext cx="824072" cy="369332"/>
+          </a:xfrm>
+          <a:prstGeom prst="rect">
+            <a:avLst/>
+          </a:prstGeom>
+          <a:noFill/>
+        </p:spPr>
+        <p:txBody>
+          <a:bodyPr wrap="none" rtlCol="0">
+            <a:spAutoFit/>
+          </a:bodyPr>
+          <a:lstStyle/>
+          <a:p>
+            <a:r>
+              <a:rPr lang="en-US" altLang="zh-CN" dirty="0" smtClean="0"/>
+              <a:t>Source</a:t>
+            </a:r>
+            <a:endParaRPr lang="zh-CN" altLang="en-US" dirty="0"/>
+          </a:p>
+        </p:txBody>
+      </p:sp>
+      <p:sp>
+        <p:nvSpPr>
+          <p:cNvPr id="21" name="TextBox 20"/>
+          <p:cNvSpPr txBox="1"/>
+          <p:nvPr/>
+        </p:nvSpPr>
+        <p:spPr>
+          <a:xfrm>
+            <a:off x="5773827" y="1700810"/>
+            <a:ext cx="764697" cy="369332"/>
+          </a:xfrm>
+          <a:prstGeom prst="rect">
+            <a:avLst/>
+          </a:prstGeom>
+          <a:noFill/>
+        </p:spPr>
+        <p:txBody>
+          <a:bodyPr wrap="none" rtlCol="0">
+            <a:spAutoFit/>
+          </a:bodyPr>
+          <a:lstStyle/>
+          <a:p>
+            <a:r>
+              <a:rPr lang="en-US" altLang="zh-CN" dirty="0" smtClean="0"/>
+              <a:t>Target</a:t>
+            </a:r>
+            <a:endParaRPr lang="zh-CN" altLang="en-US" dirty="0"/>
+          </a:p>
+        </p:txBody>
+      </p:sp>
+      <p:sp>
+        <p:nvSpPr>
+          <p:cNvPr id="8" name="圆角矩形 7"/>
+          <p:cNvSpPr/>
+          <p:nvPr/>
+        </p:nvSpPr>
+        <p:spPr>
+          <a:xfrm>
+            <a:off x="1605475" y="3396984"/>
+            <a:ext cx="1571743" cy="864096"/>
+          </a:xfrm>
+          <a:prstGeom prst="roundRect">
+            <a:avLst/>
+          </a:prstGeom>
+          <a:ln>
+            <a:noFill/>
+          </a:ln>
+        </p:spPr>
+        <p:style>
+          <a:lnRef idx="2">
+            <a:schemeClr val="accent1">
+              <a:shade val="50000"/>
+            </a:schemeClr>
+          </a:lnRef>
+          <a:fillRef idx="1">
+            <a:schemeClr val="accent1"/>
+          </a:fillRef>
+          <a:effectRef idx="0">
+            <a:schemeClr val="accent1"/>
+          </a:effectRef>
+          <a:fontRef idx="minor">
+            <a:schemeClr val="lt1"/>
+          </a:fontRef>
+        </p:style>
+        <p:txBody>
+          <a:bodyPr rtlCol="0" anchor="ctr"/>
+          <a:lstStyle/>
+          <a:p>
+            <a:pPr algn="ctr"/>
+            <a:r>
+              <a:rPr lang="en-US" altLang="zh-CN" sz="2000" dirty="0" smtClean="0"/>
+              <a:t>Source</a:t>
+            </a:r>
+          </a:p>
+          <a:p>
+            <a:pPr algn="ctr"/>
+            <a:r>
+              <a:rPr lang="en-US" altLang="zh-CN" sz="2000" dirty="0" smtClean="0"/>
+              <a:t>Model</a:t>
+            </a:r>
+            <a:endParaRPr lang="zh-CN" altLang="en-US" sz="2000" dirty="0"/>
+          </a:p>
+        </p:txBody>
+      </p:sp>
+      <p:sp>
+        <p:nvSpPr>
+          <p:cNvPr id="9" name="圆角矩形 8"/>
+          <p:cNvSpPr/>
+          <p:nvPr/>
+        </p:nvSpPr>
+        <p:spPr>
+          <a:xfrm>
+            <a:off x="5508104" y="2038681"/>
+            <a:ext cx="2448272" cy="1246303"/>
+          </a:xfrm>
+          <a:prstGeom prst="roundRect">
+            <a:avLst/>
+          </a:prstGeom>
+          <a:noFill/>
+          <a:ln>
+            <a:solidFill>
+              <a:schemeClr val="accent2"/>
+            </a:solidFill>
+          </a:ln>
+        </p:spPr>
+        <p:style>
+          <a:lnRef idx="2">
+            <a:schemeClr val="accent1">
+              <a:shade val="50000"/>
+            </a:schemeClr>
+          </a:lnRef>
+          <a:fillRef idx="1">
+            <a:schemeClr val="accent1"/>
+          </a:fillRef>
+          <a:effectRef idx="0">
+            <a:schemeClr val="accent1"/>
+          </a:effectRef>
+          <a:fontRef idx="minor">
+            <a:schemeClr val="lt1"/>
+          </a:fontRef>
+        </p:style>
+        <p:txBody>
+          <a:bodyPr rtlCol="0" anchor="ctr"/>
+          <a:lstStyle/>
+          <a:p>
+            <a:pPr algn="ctr"/>
+            <a:endParaRPr lang="zh-CN" altLang="en-US"/>
+          </a:p>
+        </p:txBody>
+      </p:sp>
+      <p:sp>
+        <p:nvSpPr>
+          <p:cNvPr id="10" name="TextBox 9"/>
+          <p:cNvSpPr txBox="1"/>
+          <p:nvPr/>
+        </p:nvSpPr>
+        <p:spPr>
+          <a:xfrm>
+            <a:off x="5766607" y="3502749"/>
+            <a:ext cx="2103461" cy="646331"/>
+          </a:xfrm>
+          <a:prstGeom prst="rect">
+            <a:avLst/>
+          </a:prstGeom>
+          <a:noFill/>
+        </p:spPr>
+        <p:txBody>
+          <a:bodyPr wrap="none" rtlCol="0">
+            <a:spAutoFit/>
+          </a:bodyPr>
+          <a:lstStyle/>
+          <a:p>
+            <a:r>
+              <a:rPr lang="en-US" altLang="zh-CN" dirty="0" smtClean="0"/>
+              <a:t>Too Fewer to build </a:t>
+            </a:r>
+          </a:p>
+          <a:p>
+            <a:r>
+              <a:rPr lang="en-US" altLang="zh-CN" dirty="0" smtClean="0"/>
+              <a:t>a good model alone.</a:t>
+            </a:r>
+            <a:endParaRPr lang="zh-CN" altLang="en-US" dirty="0"/>
+          </a:p>
+        </p:txBody>
+      </p:sp>
+      <p:sp>
+        <p:nvSpPr>
+          <p:cNvPr id="27" name="圆角矩形 26"/>
+          <p:cNvSpPr/>
+          <p:nvPr/>
+        </p:nvSpPr>
+        <p:spPr>
+          <a:xfrm>
+            <a:off x="977816" y="2070142"/>
+            <a:ext cx="2946112" cy="1246303"/>
+          </a:xfrm>
+          <a:prstGeom prst="roundRect">
+            <a:avLst/>
+          </a:prstGeom>
+          <a:noFill/>
+          <a:ln>
+            <a:solidFill>
+              <a:schemeClr val="accent1"/>
+            </a:solidFill>
+          </a:ln>
+        </p:spPr>
+        <p:style>
+          <a:lnRef idx="2">
+            <a:schemeClr val="accent1">
+              <a:shade val="50000"/>
+            </a:schemeClr>
+          </a:lnRef>
+          <a:fillRef idx="1">
+            <a:schemeClr val="accent1"/>
+          </a:fillRef>
+          <a:effectRef idx="0">
+            <a:schemeClr val="accent1"/>
+          </a:effectRef>
+          <a:fontRef idx="minor">
+            <a:schemeClr val="lt1"/>
+          </a:fontRef>
+        </p:style>
+        <p:txBody>
+          <a:bodyPr rtlCol="0" anchor="ctr"/>
+          <a:lstStyle/>
+          <a:p>
+            <a:pPr algn="ctr"/>
+            <a:endParaRPr lang="zh-CN" altLang="en-US"/>
+          </a:p>
+        </p:txBody>
+      </p:sp>
+    </p:spTree>
+    <p:extLst>
+      <p:ext uri="{BB962C8B-B14F-4D97-AF65-F5344CB8AC3E}">
+        <p14:creationId xmlns:p14="http://schemas.microsoft.com/office/powerpoint/2010/main" val="1795977080"/>
+      </p:ext>
+    </p:extLst>
+  </p:cSld>
+  <p:clrMapOvr>
+    <a:masterClrMapping/>
+  </p:clrMapOvr>
+  <p:timing>
+    <p:tnLst>
+      <p:par>
+        <p:cTn id="1" dur="indefinite" restart="never" nodeType="tmRoot"/>
+      </p:par>
+    </p:tnLst>
+  </p:timing>
+</p:sld>
+</file>
+
+<file path=ppt/slides/slide8.xml><?xml version="1.0" encoding="utf-8"?>
+<p:sld xmlns:a="http://schemas.openxmlformats.org/drawingml/2006/main" xmlns:r="http://schemas.openxmlformats.org/officeDocument/2006/relationships" xmlns:p="http://schemas.openxmlformats.org/presentationml/2006/main">
+  <p:cSld>
+    <p:spTree>
+      <p:nvGrpSpPr>
+        <p:cNvPr id="1" name=""/>
+        <p:cNvGrpSpPr/>
+        <p:nvPr/>
+      </p:nvGrpSpPr>
+      <p:grpSpPr>
+        <a:xfrm>
+          <a:off x="0" y="0"/>
+          <a:ext cx="0" cy="0"/>
+          <a:chOff x="0" y="0"/>
+          <a:chExt cx="0" cy="0"/>
+        </a:xfrm>
+      </p:grpSpPr>
+      <p:sp>
+        <p:nvSpPr>
+          <p:cNvPr id="2" name="标题 1"/>
+          <p:cNvSpPr>
+            <a:spLocks noGrp="1"/>
+          </p:cNvSpPr>
+          <p:nvPr>
+            <p:ph type="title"/>
+          </p:nvPr>
+        </p:nvSpPr>
+        <p:spPr/>
+        <p:txBody>
+          <a:bodyPr>
+            <a:normAutofit fontScale="90000"/>
+          </a:bodyPr>
+          <a:lstStyle/>
+          <a:p>
+            <a:r>
+              <a:rPr lang="en-US" altLang="zh-CN" dirty="0"/>
+              <a:t>Effective Multiclass Transfer For Hypothesis Transfer Learning</a:t>
+            </a:r>
+            <a:endParaRPr lang="zh-CN" altLang="en-US" dirty="0"/>
+          </a:p>
+        </p:txBody>
+      </p:sp>
+      <p:sp>
+        <p:nvSpPr>
+          <p:cNvPr id="4" name="AutoShape 2" descr="Image result for coke"/>
+          <p:cNvSpPr>
+            <a:spLocks noChangeAspect="1" noChangeArrowheads="1"/>
+          </p:cNvSpPr>
+          <p:nvPr/>
+        </p:nvSpPr>
+        <p:spPr bwMode="auto">
+          <a:xfrm>
+            <a:off x="155575" y="-144463"/>
+            <a:ext cx="304800" cy="304801"/>
+          </a:xfrm>
+          <a:prstGeom prst="rect">
+            <a:avLst/>
+          </a:prstGeom>
+          <a:noFill/>
+          <a:extLst>
+            <a:ext uri="{909E8E84-426E-40DD-AFC4-6F175D3DCCD1}">
+              <a14:hiddenFill xmlns:a14="http://schemas.microsoft.com/office/drawing/2010/main">
+                <a:solidFill>
+                  <a:srgbClr val="FFFFFF"/>
+                </a:solidFill>
+              </a14:hiddenFill>
+            </a:ext>
+          </a:extLst>
+        </p:spPr>
+        <p:txBody>
+          <a:bodyPr vert="horz" wrap="square" lIns="91440" tIns="45720" rIns="91440" bIns="45720" numCol="1" anchor="t" anchorCtr="0" compatLnSpc="1">
+            <a:prstTxWarp prst="textNoShape">
+              <a:avLst/>
+            </a:prstTxWarp>
+          </a:bodyPr>
+          <a:lstStyle/>
+          <a:p>
+            <a:endParaRPr lang="zh-CN" altLang="en-US"/>
+          </a:p>
+        </p:txBody>
+      </p:sp>
+      <p:sp>
+        <p:nvSpPr>
+          <p:cNvPr id="5" name="AutoShape 9" descr="Image result for fanta"/>
+          <p:cNvSpPr>
+            <a:spLocks noChangeAspect="1" noChangeArrowheads="1"/>
+          </p:cNvSpPr>
+          <p:nvPr/>
+        </p:nvSpPr>
+        <p:spPr bwMode="auto">
+          <a:xfrm>
+            <a:off x="307975" y="7937"/>
+            <a:ext cx="304800" cy="304801"/>
+          </a:xfrm>
+          <a:prstGeom prst="rect">
+            <a:avLst/>
+          </a:prstGeom>
+          <a:noFill/>
+          <a:extLst>
+            <a:ext uri="{909E8E84-426E-40DD-AFC4-6F175D3DCCD1}">
+              <a14:hiddenFill xmlns:a14="http://schemas.microsoft.com/office/drawing/2010/main">
+                <a:solidFill>
+                  <a:srgbClr val="FFFFFF"/>
+                </a:solidFill>
+              </a14:hiddenFill>
+            </a:ext>
+          </a:extLst>
+        </p:spPr>
+        <p:txBody>
+          <a:bodyPr vert="horz" wrap="square" lIns="91440" tIns="45720" rIns="91440" bIns="45720" numCol="1" anchor="t" anchorCtr="0" compatLnSpc="1">
+            <a:prstTxWarp prst="textNoShape">
+              <a:avLst/>
+            </a:prstTxWarp>
+          </a:bodyPr>
+          <a:lstStyle/>
+          <a:p>
+            <a:endParaRPr lang="zh-CN" altLang="en-US"/>
+          </a:p>
+        </p:txBody>
+      </p:sp>
+      <p:sp>
+        <p:nvSpPr>
+          <p:cNvPr id="8" name="圆角矩形 7"/>
+          <p:cNvSpPr/>
+          <p:nvPr/>
+        </p:nvSpPr>
+        <p:spPr>
+          <a:xfrm>
+            <a:off x="2051720" y="1916832"/>
+            <a:ext cx="1571743" cy="864096"/>
+          </a:xfrm>
+          <a:prstGeom prst="roundRect">
+            <a:avLst/>
+          </a:prstGeom>
+          <a:ln>
+            <a:noFill/>
+          </a:ln>
+        </p:spPr>
+        <p:style>
+          <a:lnRef idx="2">
+            <a:schemeClr val="accent1">
+              <a:shade val="50000"/>
+            </a:schemeClr>
+          </a:lnRef>
+          <a:fillRef idx="1">
+            <a:schemeClr val="accent1"/>
+          </a:fillRef>
+          <a:effectRef idx="0">
+            <a:schemeClr val="accent1"/>
+          </a:effectRef>
+          <a:fontRef idx="minor">
+            <a:schemeClr val="lt1"/>
+          </a:fontRef>
+        </p:style>
+        <p:txBody>
+          <a:bodyPr rtlCol="0" anchor="ctr"/>
+          <a:lstStyle/>
+          <a:p>
+            <a:pPr algn="ctr"/>
+            <a:r>
+              <a:rPr lang="en-US" altLang="zh-CN" sz="2000" dirty="0" smtClean="0"/>
+              <a:t>Source</a:t>
+            </a:r>
+          </a:p>
+          <a:p>
+            <a:pPr algn="ctr"/>
+            <a:r>
+              <a:rPr lang="en-US" altLang="zh-CN" sz="2000" dirty="0" smtClean="0"/>
+              <a:t>Model</a:t>
+            </a:r>
+            <a:endParaRPr lang="zh-CN" altLang="en-US" sz="2000" dirty="0"/>
+          </a:p>
+        </p:txBody>
+      </p:sp>
+      <p:sp>
+        <p:nvSpPr>
+          <p:cNvPr id="26" name="圆角矩形 25"/>
+          <p:cNvSpPr/>
+          <p:nvPr/>
+        </p:nvSpPr>
+        <p:spPr>
+          <a:xfrm>
+            <a:off x="2051720" y="2996952"/>
+            <a:ext cx="1571743" cy="864096"/>
+          </a:xfrm>
+          <a:prstGeom prst="roundRect">
+            <a:avLst/>
+          </a:prstGeom>
+          <a:solidFill>
+            <a:schemeClr val="accent2"/>
+          </a:solidFill>
+          <a:ln>
+            <a:noFill/>
+          </a:ln>
+        </p:spPr>
+        <p:style>
+          <a:lnRef idx="2">
+            <a:schemeClr val="accent1">
+              <a:shade val="50000"/>
+            </a:schemeClr>
+          </a:lnRef>
+          <a:fillRef idx="1">
+            <a:schemeClr val="accent1"/>
+          </a:fillRef>
+          <a:effectRef idx="0">
+            <a:schemeClr val="accent1"/>
+          </a:effectRef>
+          <a:fontRef idx="minor">
+            <a:schemeClr val="lt1"/>
+          </a:fontRef>
+        </p:style>
+        <p:txBody>
+          <a:bodyPr rtlCol="0" anchor="ctr"/>
+          <a:lstStyle/>
+          <a:p>
+            <a:pPr algn="ctr"/>
+            <a:r>
+              <a:rPr lang="en-US" altLang="zh-CN" sz="2000" dirty="0" smtClean="0"/>
+              <a:t>Model from Target Data</a:t>
+            </a:r>
+            <a:endParaRPr lang="zh-CN" altLang="en-US" sz="2000" dirty="0"/>
+          </a:p>
+        </p:txBody>
+      </p:sp>
+      <p:pic>
+        <p:nvPicPr>
+          <p:cNvPr id="4098" name="Picture 2"/>
+          <p:cNvPicPr>
+            <a:picLocks noChangeAspect="1" noChangeArrowheads="1"/>
+          </p:cNvPicPr>
+          <p:nvPr/>
+        </p:nvPicPr>
+        <p:blipFill>
+          <a:blip r:embed="rId2">
+            <a:extLst>
+              <a:ext uri="{28A0092B-C50C-407E-A947-70E740481C1C}">
+                <a14:useLocalDpi xmlns:a14="http://schemas.microsoft.com/office/drawing/2010/main" val="0"/>
+              </a:ext>
+            </a:extLst>
+          </a:blip>
+          <a:srcRect/>
+          <a:stretch>
+            <a:fillRect/>
+          </a:stretch>
+        </p:blipFill>
+        <p:spPr bwMode="auto">
+          <a:xfrm>
+            <a:off x="424991" y="1960272"/>
+            <a:ext cx="819150" cy="2162175"/>
+          </a:xfrm>
+          <a:prstGeom prst="rect">
+            <a:avLst/>
+          </a:prstGeom>
+          <a:noFill/>
+          <a:ln>
+            <a:noFill/>
+          </a:ln>
+          <a:effectLst/>
+          <a:extLst>
+            <a:ext uri="{909E8E84-426E-40DD-AFC4-6F175D3DCCD1}">
+              <a14:hiddenFill xmlns:a14="http://schemas.microsoft.com/office/drawing/2010/main">
+                <a:solidFill>
+                  <a:schemeClr val="accent1"/>
+                </a:solidFill>
+              </a14:hiddenFill>
+            </a:ext>
+            <a:ext uri="{91240B29-F687-4F45-9708-019B960494DF}">
+              <a14:hiddenLine xmlns:a14="http://schemas.microsoft.com/office/drawing/2010/main" w="9525">
+                <a:solidFill>
+                  <a:schemeClr val="tx1"/>
+                </a:solidFill>
+                <a:miter lim="800000"/>
+                <a:headEnd/>
+                <a:tailEnd/>
+              </a14:hiddenLine>
+            </a:ext>
+            <a:ext uri="{AF507438-7753-43E0-B8FC-AC1667EBCBE1}">
+              <a14:hiddenEffects xmlns:a14="http://schemas.microsoft.com/office/drawing/2010/main">
+                <a:effectLst>
+                  <a:outerShdw dist="35921" dir="2700000" algn="ctr" rotWithShape="0">
+                    <a:schemeClr val="bg2"/>
+                  </a:outerShdw>
+                </a:effectLst>
+              </a14:hiddenEffects>
+            </a:ext>
+          </a:extLst>
+        </p:spPr>
+      </p:pic>
+      <p:sp>
+        <p:nvSpPr>
+          <p:cNvPr id="3" name="右箭头 2"/>
+          <p:cNvSpPr/>
+          <p:nvPr/>
+        </p:nvSpPr>
+        <p:spPr>
+          <a:xfrm>
+            <a:off x="1403648" y="2204864"/>
+            <a:ext cx="432048" cy="360040"/>
+          </a:xfrm>
+          <a:prstGeom prst="rightArrow">
+            <a:avLst/>
+          </a:prstGeom>
+          <a:ln>
+            <a:noFill/>
+          </a:ln>
+        </p:spPr>
+        <p:style>
+          <a:lnRef idx="2">
+            <a:schemeClr val="accent1">
+              <a:shade val="50000"/>
+            </a:schemeClr>
+          </a:lnRef>
+          <a:fillRef idx="1">
+            <a:schemeClr val="accent1"/>
+          </a:fillRef>
+          <a:effectRef idx="0">
+            <a:schemeClr val="accent1"/>
+          </a:effectRef>
+          <a:fontRef idx="minor">
+            <a:schemeClr val="lt1"/>
+          </a:fontRef>
+        </p:style>
+        <p:txBody>
+          <a:bodyPr rtlCol="0" anchor="ctr"/>
+          <a:lstStyle/>
+          <a:p>
+            <a:pPr algn="ctr"/>
+            <a:endParaRPr lang="zh-CN" altLang="en-US"/>
+          </a:p>
+        </p:txBody>
+      </p:sp>
+      <p:sp>
+        <p:nvSpPr>
+          <p:cNvPr id="23" name="右箭头 22"/>
+          <p:cNvSpPr/>
+          <p:nvPr/>
+        </p:nvSpPr>
+        <p:spPr>
+          <a:xfrm>
+            <a:off x="1413976" y="3212976"/>
+            <a:ext cx="432048" cy="360040"/>
+          </a:xfrm>
+          <a:prstGeom prst="rightArrow">
+            <a:avLst/>
+          </a:prstGeom>
+          <a:solidFill>
+            <a:schemeClr val="accent2"/>
+          </a:solidFill>
+          <a:ln>
+            <a:noFill/>
+          </a:ln>
+        </p:spPr>
+        <p:style>
+          <a:lnRef idx="2">
+            <a:schemeClr val="accent1">
+              <a:shade val="50000"/>
+            </a:schemeClr>
+          </a:lnRef>
+          <a:fillRef idx="1">
+            <a:schemeClr val="accent1"/>
+          </a:fillRef>
+          <a:effectRef idx="0">
+            <a:schemeClr val="accent1"/>
+          </a:effectRef>
+          <a:fontRef idx="minor">
+            <a:schemeClr val="lt1"/>
+          </a:fontRef>
+        </p:style>
+        <p:txBody>
+          <a:bodyPr rtlCol="0" anchor="ctr"/>
+          <a:lstStyle/>
+          <a:p>
+            <a:pPr algn="ctr"/>
+            <a:endParaRPr lang="zh-CN" altLang="en-US"/>
+          </a:p>
+        </p:txBody>
+      </p:sp>
+      <p:graphicFrame>
+        <p:nvGraphicFramePr>
+          <p:cNvPr id="7" name="表格 6"/>
+          <p:cNvGraphicFramePr>
+            <a:graphicFrameLocks noGrp="1"/>
+          </p:cNvGraphicFramePr>
+          <p:nvPr>
+            <p:extLst>
+              <p:ext uri="{D42A27DB-BD31-4B8C-83A1-F6EECF244321}">
+                <p14:modId xmlns:p14="http://schemas.microsoft.com/office/powerpoint/2010/main" val="1914774893"/>
+              </p:ext>
+            </p:extLst>
+          </p:nvPr>
+        </p:nvGraphicFramePr>
+        <p:xfrm>
+          <a:off x="4283968" y="1916832"/>
+          <a:ext cx="2736304" cy="741680"/>
+        </p:xfrm>
+        <a:graphic>
+          <a:graphicData uri="http://schemas.openxmlformats.org/drawingml/2006/table">
+            <a:tbl>
+              <a:tblPr firstRow="1" bandRow="1">
+                <a:tableStyleId>{5C22544A-7EE6-4342-B048-85BDC9FD1C3A}</a:tableStyleId>
+              </a:tblPr>
+              <a:tblGrid>
+                <a:gridCol w="684076"/>
+                <a:gridCol w="684076"/>
+                <a:gridCol w="684076"/>
+                <a:gridCol w="684076"/>
+              </a:tblGrid>
+              <a:tr h="370840">
+                <a:tc>
+                  <a:txBody>
+                    <a:bodyPr/>
+                    <a:lstStyle/>
+                    <a:p>
+                      <a:pPr algn="ctr"/>
+                      <a:r>
+                        <a:rPr lang="en-US" altLang="zh-CN" dirty="0" smtClean="0"/>
+                        <a:t>Coke</a:t>
+                      </a:r>
+                      <a:endParaRPr lang="zh-CN" altLang="en-US" dirty="0"/>
+                    </a:p>
+                  </a:txBody>
+                  <a:tcPr/>
+                </a:tc>
+                <a:tc>
+                  <a:txBody>
+                    <a:bodyPr/>
+                    <a:lstStyle/>
+                    <a:p>
+                      <a:pPr algn="ctr"/>
+                      <a:r>
+                        <a:rPr lang="en-US" altLang="zh-CN" dirty="0" smtClean="0"/>
+                        <a:t>Pepsi</a:t>
+                      </a:r>
+                      <a:endParaRPr lang="zh-CN" altLang="en-US" dirty="0"/>
+                    </a:p>
+                  </a:txBody>
+                  <a:tcPr/>
+                </a:tc>
+                <a:tc>
+                  <a:txBody>
+                    <a:bodyPr/>
+                    <a:lstStyle/>
+                    <a:p>
+                      <a:pPr algn="ctr"/>
+                      <a:r>
+                        <a:rPr lang="en-US" altLang="zh-CN" sz="1700" dirty="0" smtClean="0"/>
+                        <a:t>Fanta</a:t>
+                      </a:r>
+                      <a:endParaRPr lang="zh-CN" altLang="en-US" sz="1700" dirty="0"/>
+                    </a:p>
+                  </a:txBody>
+                  <a:tcPr/>
+                </a:tc>
+                <a:tc>
+                  <a:txBody>
+                    <a:bodyPr/>
+                    <a:lstStyle/>
+                    <a:p>
+                      <a:pPr algn="ctr"/>
+                      <a:r>
+                        <a:rPr lang="en-US" altLang="zh-CN" sz="1600" dirty="0" smtClean="0"/>
+                        <a:t>Sprite</a:t>
+                      </a:r>
+                      <a:endParaRPr lang="zh-CN" altLang="en-US" sz="1600" dirty="0"/>
+                    </a:p>
+                  </a:txBody>
+                  <a:tcPr/>
+                </a:tc>
+              </a:tr>
+              <a:tr h="370840">
+                <a:tc>
+                  <a:txBody>
+                    <a:bodyPr/>
+                    <a:lstStyle/>
+                    <a:p>
+                      <a:pPr algn="ctr"/>
+                      <a:r>
+                        <a:rPr lang="en-US" altLang="zh-CN" dirty="0" smtClean="0"/>
+                        <a:t>0.4</a:t>
+                      </a:r>
+                      <a:endParaRPr lang="zh-CN" altLang="en-US" dirty="0"/>
+                    </a:p>
+                  </a:txBody>
+                  <a:tcPr/>
+                </a:tc>
+                <a:tc>
+                  <a:txBody>
+                    <a:bodyPr/>
+                    <a:lstStyle/>
+                    <a:p>
+                      <a:pPr algn="ctr"/>
+                      <a:r>
+                        <a:rPr lang="en-US" altLang="zh-CN" dirty="0" smtClean="0"/>
+                        <a:t>0.1</a:t>
+                      </a:r>
+                      <a:endParaRPr lang="zh-CN" altLang="en-US" dirty="0"/>
+                    </a:p>
+                  </a:txBody>
+                  <a:tcPr/>
+                </a:tc>
+                <a:tc>
+                  <a:txBody>
+                    <a:bodyPr/>
+                    <a:lstStyle/>
+                    <a:p>
+                      <a:pPr algn="ctr"/>
+                      <a:r>
+                        <a:rPr lang="en-US" altLang="zh-CN" dirty="0" smtClean="0"/>
+                        <a:t>0.2</a:t>
+                      </a:r>
+                      <a:endParaRPr lang="zh-CN" altLang="en-US" dirty="0"/>
+                    </a:p>
+                  </a:txBody>
+                  <a:tcPr/>
+                </a:tc>
+                <a:tc>
+                  <a:txBody>
+                    <a:bodyPr/>
+                    <a:lstStyle/>
+                    <a:p>
+                      <a:pPr algn="ctr"/>
+                      <a:r>
+                        <a:rPr lang="en-US" altLang="zh-CN" dirty="0" smtClean="0"/>
+                        <a:t>0.3</a:t>
+                      </a:r>
+                      <a:endParaRPr lang="zh-CN" altLang="en-US" dirty="0"/>
+                    </a:p>
+                  </a:txBody>
+                  <a:tcPr/>
+                </a:tc>
+              </a:tr>
+            </a:tbl>
+          </a:graphicData>
+        </a:graphic>
+      </p:graphicFrame>
+      <p:graphicFrame>
+        <p:nvGraphicFramePr>
+          <p:cNvPr id="25" name="表格 24"/>
+          <p:cNvGraphicFramePr>
+            <a:graphicFrameLocks noGrp="1"/>
+          </p:cNvGraphicFramePr>
+          <p:nvPr>
+            <p:extLst>
+              <p:ext uri="{D42A27DB-BD31-4B8C-83A1-F6EECF244321}">
+                <p14:modId xmlns:p14="http://schemas.microsoft.com/office/powerpoint/2010/main" val="3600714776"/>
+              </p:ext>
+            </p:extLst>
+          </p:nvPr>
+        </p:nvGraphicFramePr>
+        <p:xfrm>
+          <a:off x="971600" y="4415512"/>
+          <a:ext cx="2736304" cy="741680"/>
+        </p:xfrm>
+        <a:graphic>
+          <a:graphicData uri="http://schemas.openxmlformats.org/drawingml/2006/table">
+            <a:tbl>
+              <a:tblPr firstRow="1" bandRow="1">
+                <a:tableStyleId>{21E4AEA4-8DFA-4A89-87EB-49C32662AFE0}</a:tableStyleId>
+              </a:tblPr>
+              <a:tblGrid>
+                <a:gridCol w="684076"/>
+                <a:gridCol w="684076"/>
+                <a:gridCol w="684076"/>
+                <a:gridCol w="684076"/>
+              </a:tblGrid>
+              <a:tr h="370840">
+                <a:tc>
+                  <a:txBody>
+                    <a:bodyPr/>
+                    <a:lstStyle/>
+                    <a:p>
+                      <a:pPr algn="ctr"/>
+                      <a:r>
+                        <a:rPr lang="en-US" altLang="zh-CN" dirty="0" smtClean="0"/>
+                        <a:t>Coke</a:t>
+                      </a:r>
+                      <a:endParaRPr lang="zh-CN" altLang="en-US" dirty="0"/>
+                    </a:p>
+                  </a:txBody>
+                  <a:tcPr/>
+                </a:tc>
+                <a:tc>
+                  <a:txBody>
+                    <a:bodyPr/>
+                    <a:lstStyle/>
+                    <a:p>
+                      <a:pPr algn="ctr"/>
+                      <a:r>
+                        <a:rPr lang="en-US" altLang="zh-CN" dirty="0" smtClean="0"/>
+                        <a:t>Pepsi</a:t>
+                      </a:r>
+                      <a:endParaRPr lang="zh-CN" altLang="en-US" dirty="0"/>
+                    </a:p>
+                  </a:txBody>
+                  <a:tcPr/>
+                </a:tc>
+                <a:tc>
+                  <a:txBody>
+                    <a:bodyPr/>
+                    <a:lstStyle/>
+                    <a:p>
+                      <a:pPr algn="ctr"/>
+                      <a:r>
+                        <a:rPr lang="en-US" altLang="zh-CN" sz="1700" dirty="0" smtClean="0"/>
+                        <a:t>Fanta</a:t>
+                      </a:r>
+                      <a:endParaRPr lang="zh-CN" altLang="en-US" sz="1700" dirty="0"/>
+                    </a:p>
+                  </a:txBody>
+                  <a:tcPr/>
+                </a:tc>
+                <a:tc>
+                  <a:txBody>
+                    <a:bodyPr/>
+                    <a:lstStyle/>
+                    <a:p>
+                      <a:pPr algn="ctr"/>
+                      <a:r>
+                        <a:rPr lang="en-US" altLang="zh-CN" sz="1600" dirty="0" smtClean="0"/>
+                        <a:t>Sprite</a:t>
+                      </a:r>
+                      <a:endParaRPr lang="zh-CN" altLang="en-US" sz="1600" dirty="0"/>
+                    </a:p>
+                  </a:txBody>
+                  <a:tcPr/>
+                </a:tc>
+              </a:tr>
+              <a:tr h="370840">
+                <a:tc>
+                  <a:txBody>
+                    <a:bodyPr/>
+                    <a:lstStyle/>
+                    <a:p>
+                      <a:pPr algn="ctr"/>
+                      <a:r>
+                        <a:rPr lang="en-US" altLang="zh-CN" dirty="0" smtClean="0"/>
+                        <a:t>0.25</a:t>
+                      </a:r>
+                      <a:endParaRPr lang="zh-CN" altLang="en-US" dirty="0"/>
+                    </a:p>
+                  </a:txBody>
+                  <a:tcPr/>
+                </a:tc>
+                <a:tc>
+                  <a:txBody>
+                    <a:bodyPr/>
+                    <a:lstStyle/>
+                    <a:p>
+                      <a:pPr algn="ctr"/>
+                      <a:r>
+                        <a:rPr lang="en-US" altLang="zh-CN" dirty="0" smtClean="0"/>
+                        <a:t>0.3</a:t>
+                      </a:r>
+                      <a:endParaRPr lang="zh-CN" altLang="en-US" dirty="0"/>
+                    </a:p>
+                  </a:txBody>
+                  <a:tcPr/>
+                </a:tc>
+                <a:tc>
+                  <a:txBody>
+                    <a:bodyPr/>
+                    <a:lstStyle/>
+                    <a:p>
+                      <a:pPr algn="ctr"/>
+                      <a:r>
+                        <a:rPr lang="en-US" altLang="zh-CN" dirty="0" smtClean="0"/>
+                        <a:t>0.2</a:t>
+                      </a:r>
+                      <a:endParaRPr lang="zh-CN" altLang="en-US" dirty="0"/>
+                    </a:p>
+                  </a:txBody>
+                  <a:tcPr/>
+                </a:tc>
+                <a:tc>
+                  <a:txBody>
+                    <a:bodyPr/>
+                    <a:lstStyle/>
+                    <a:p>
+                      <a:pPr algn="ctr"/>
+                      <a:r>
+                        <a:rPr lang="en-US" altLang="zh-CN" dirty="0" smtClean="0"/>
+                        <a:t>0.25</a:t>
+                      </a:r>
+                      <a:endParaRPr lang="zh-CN" altLang="en-US" dirty="0"/>
+                    </a:p>
+                  </a:txBody>
+                  <a:tcPr/>
+                </a:tc>
+              </a:tr>
+            </a:tbl>
+          </a:graphicData>
+        </a:graphic>
+      </p:graphicFrame>
+      <p:graphicFrame>
+        <p:nvGraphicFramePr>
+          <p:cNvPr id="29" name="表格 28"/>
+          <p:cNvGraphicFramePr>
+            <a:graphicFrameLocks noGrp="1"/>
+          </p:cNvGraphicFramePr>
+          <p:nvPr>
+            <p:extLst>
+              <p:ext uri="{D42A27DB-BD31-4B8C-83A1-F6EECF244321}">
+                <p14:modId xmlns:p14="http://schemas.microsoft.com/office/powerpoint/2010/main" val="2831001693"/>
+              </p:ext>
+            </p:extLst>
+          </p:nvPr>
+        </p:nvGraphicFramePr>
+        <p:xfrm>
+          <a:off x="4139952" y="4415512"/>
+          <a:ext cx="2736304" cy="741680"/>
+        </p:xfrm>
+        <a:graphic>
+          <a:graphicData uri="http://schemas.openxmlformats.org/drawingml/2006/table">
+            <a:tbl>
+              <a:tblPr firstRow="1" bandRow="1">
+                <a:tableStyleId>{5C22544A-7EE6-4342-B048-85BDC9FD1C3A}</a:tableStyleId>
+              </a:tblPr>
+              <a:tblGrid>
+                <a:gridCol w="684076"/>
+                <a:gridCol w="684076"/>
+                <a:gridCol w="684076"/>
+                <a:gridCol w="684076"/>
+              </a:tblGrid>
+              <a:tr h="370840">
+                <a:tc>
+                  <a:txBody>
+                    <a:bodyPr/>
+                    <a:lstStyle/>
+                    <a:p>
+                      <a:pPr algn="ctr"/>
+                      <a:r>
+                        <a:rPr lang="en-US" altLang="zh-CN" dirty="0" smtClean="0"/>
+                        <a:t>Coke</a:t>
+                      </a:r>
+                      <a:endParaRPr lang="zh-CN" altLang="en-US" dirty="0"/>
+                    </a:p>
+                  </a:txBody>
+                  <a:tcPr/>
+                </a:tc>
+                <a:tc>
+                  <a:txBody>
+                    <a:bodyPr/>
+                    <a:lstStyle/>
+                    <a:p>
+                      <a:pPr algn="ctr"/>
+                      <a:r>
+                        <a:rPr lang="en-US" altLang="zh-CN" dirty="0" smtClean="0"/>
+                        <a:t>Pepsi</a:t>
+                      </a:r>
+                      <a:endParaRPr lang="zh-CN" altLang="en-US" dirty="0"/>
+                    </a:p>
+                  </a:txBody>
+                  <a:tcPr/>
+                </a:tc>
+                <a:tc>
+                  <a:txBody>
+                    <a:bodyPr/>
+                    <a:lstStyle/>
+                    <a:p>
+                      <a:pPr algn="ctr"/>
+                      <a:r>
+                        <a:rPr lang="en-US" altLang="zh-CN" sz="1700" dirty="0" smtClean="0"/>
+                        <a:t>Fanta</a:t>
+                      </a:r>
+                      <a:endParaRPr lang="zh-CN" altLang="en-US" sz="1700" dirty="0"/>
+                    </a:p>
+                  </a:txBody>
+                  <a:tcPr/>
+                </a:tc>
+                <a:tc>
+                  <a:txBody>
+                    <a:bodyPr/>
+                    <a:lstStyle/>
+                    <a:p>
+                      <a:pPr algn="ctr"/>
+                      <a:r>
+                        <a:rPr lang="en-US" altLang="zh-CN" sz="1600" dirty="0" smtClean="0"/>
+                        <a:t>Sprite</a:t>
+                      </a:r>
+                      <a:endParaRPr lang="zh-CN" altLang="en-US" sz="1500" dirty="0"/>
+                    </a:p>
+                  </a:txBody>
+                  <a:tcPr/>
+                </a:tc>
+              </a:tr>
+              <a:tr h="370840">
+                <a:tc>
+                  <a:txBody>
+                    <a:bodyPr/>
+                    <a:lstStyle/>
+                    <a:p>
+                      <a:pPr algn="ctr"/>
+                      <a:r>
+                        <a:rPr lang="en-US" altLang="zh-CN" dirty="0" smtClean="0"/>
+                        <a:t>0.32</a:t>
+                      </a:r>
+                      <a:endParaRPr lang="zh-CN" altLang="en-US" dirty="0"/>
+                    </a:p>
+                  </a:txBody>
+                  <a:tcPr/>
+                </a:tc>
+                <a:tc>
+                  <a:txBody>
+                    <a:bodyPr/>
+                    <a:lstStyle/>
+                    <a:p>
+                      <a:pPr algn="ctr"/>
+                      <a:r>
+                        <a:rPr lang="en-US" altLang="zh-CN" dirty="0" smtClean="0"/>
+                        <a:t>0.09</a:t>
+                      </a:r>
+                      <a:endParaRPr lang="zh-CN" altLang="en-US" dirty="0"/>
+                    </a:p>
+                  </a:txBody>
+                  <a:tcPr/>
+                </a:tc>
+                <a:tc>
+                  <a:txBody>
+                    <a:bodyPr/>
+                    <a:lstStyle/>
+                    <a:p>
+                      <a:pPr algn="ctr"/>
+                      <a:r>
+                        <a:rPr lang="en-US" altLang="zh-CN" dirty="0" smtClean="0"/>
+                        <a:t>0.06</a:t>
+                      </a:r>
+                      <a:endParaRPr lang="zh-CN" altLang="en-US" dirty="0"/>
+                    </a:p>
+                  </a:txBody>
+                  <a:tcPr/>
+                </a:tc>
+                <a:tc>
+                  <a:txBody>
+                    <a:bodyPr/>
+                    <a:lstStyle/>
+                    <a:p>
+                      <a:pPr algn="ctr"/>
+                      <a:r>
+                        <a:rPr lang="en-US" altLang="zh-CN" dirty="0" smtClean="0"/>
+                        <a:t>0.24</a:t>
+                      </a:r>
+                      <a:endParaRPr lang="zh-CN" altLang="en-US" dirty="0"/>
+                    </a:p>
+                  </a:txBody>
+                  <a:tcPr/>
+                </a:tc>
+              </a:tr>
+            </a:tbl>
+          </a:graphicData>
+        </a:graphic>
+      </p:graphicFrame>
+      <p:sp>
+        <p:nvSpPr>
+          <p:cNvPr id="11" name="下箭头 10"/>
+          <p:cNvSpPr/>
+          <p:nvPr/>
+        </p:nvSpPr>
+        <p:spPr>
+          <a:xfrm>
+            <a:off x="5337853" y="3987552"/>
+            <a:ext cx="360040" cy="432048"/>
+          </a:xfrm>
+          <a:prstGeom prst="downArrow">
+            <a:avLst/>
+          </a:prstGeom>
+          <a:solidFill>
+            <a:schemeClr val="accent1"/>
+          </a:solidFill>
+          <a:ln>
+            <a:noFill/>
+          </a:ln>
+        </p:spPr>
+        <p:style>
+          <a:lnRef idx="2">
+            <a:schemeClr val="accent1">
+              <a:shade val="50000"/>
+            </a:schemeClr>
+          </a:lnRef>
+          <a:fillRef idx="1">
+            <a:schemeClr val="accent1"/>
+          </a:fillRef>
+          <a:effectRef idx="0">
+            <a:schemeClr val="accent1"/>
+          </a:effectRef>
+          <a:fontRef idx="minor">
+            <a:schemeClr val="lt1"/>
+          </a:fontRef>
+        </p:style>
+        <p:txBody>
+          <a:bodyPr rtlCol="0" anchor="ctr"/>
+          <a:lstStyle/>
+          <a:p>
+            <a:pPr algn="ctr"/>
+            <a:endParaRPr lang="zh-CN" altLang="en-US"/>
+          </a:p>
+        </p:txBody>
+      </p:sp>
+      <p:sp>
+        <p:nvSpPr>
+          <p:cNvPr id="30" name="右箭头 29"/>
+          <p:cNvSpPr/>
+          <p:nvPr/>
+        </p:nvSpPr>
+        <p:spPr>
+          <a:xfrm>
+            <a:off x="3707904" y="2168860"/>
+            <a:ext cx="432048" cy="360040"/>
+          </a:xfrm>
+          <a:prstGeom prst="rightArrow">
+            <a:avLst/>
+          </a:prstGeom>
+          <a:ln>
+            <a:noFill/>
+          </a:ln>
+        </p:spPr>
+        <p:style>
+          <a:lnRef idx="2">
+            <a:schemeClr val="accent1">
+              <a:shade val="50000"/>
+            </a:schemeClr>
+          </a:lnRef>
+          <a:fillRef idx="1">
+            <a:schemeClr val="accent1"/>
+          </a:fillRef>
+          <a:effectRef idx="0">
+            <a:schemeClr val="accent1"/>
+          </a:effectRef>
+          <a:fontRef idx="minor">
+            <a:schemeClr val="lt1"/>
+          </a:fontRef>
+        </p:style>
+        <p:txBody>
+          <a:bodyPr rtlCol="0" anchor="ctr"/>
+          <a:lstStyle/>
+          <a:p>
+            <a:pPr algn="ctr"/>
+            <a:endParaRPr lang="zh-CN" altLang="en-US"/>
+          </a:p>
+        </p:txBody>
+      </p:sp>
+      <p:graphicFrame>
+        <p:nvGraphicFramePr>
+          <p:cNvPr id="31" name="表格 30"/>
+          <p:cNvGraphicFramePr>
+            <a:graphicFrameLocks noGrp="1"/>
+          </p:cNvGraphicFramePr>
+          <p:nvPr>
+            <p:extLst>
+              <p:ext uri="{D42A27DB-BD31-4B8C-83A1-F6EECF244321}">
+                <p14:modId xmlns:p14="http://schemas.microsoft.com/office/powerpoint/2010/main" val="1929718560"/>
+              </p:ext>
+            </p:extLst>
+          </p:nvPr>
+        </p:nvGraphicFramePr>
+        <p:xfrm>
+          <a:off x="2627784" y="5650448"/>
+          <a:ext cx="2736304" cy="741680"/>
+        </p:xfrm>
+        <a:graphic>
+          <a:graphicData uri="http://schemas.openxmlformats.org/drawingml/2006/table">
+            <a:tbl>
+              <a:tblPr firstRow="1" bandRow="1">
+                <a:tableStyleId>{93296810-A885-4BE3-A3E7-6D5BEEA58F35}</a:tableStyleId>
+              </a:tblPr>
+              <a:tblGrid>
+                <a:gridCol w="684076"/>
+                <a:gridCol w="684076"/>
+                <a:gridCol w="684076"/>
+                <a:gridCol w="684076"/>
+              </a:tblGrid>
+              <a:tr h="370840">
+                <a:tc>
+                  <a:txBody>
+                    <a:bodyPr/>
+                    <a:lstStyle/>
+                    <a:p>
+                      <a:pPr algn="ctr"/>
+                      <a:r>
+                        <a:rPr lang="en-US" altLang="zh-CN" dirty="0" smtClean="0"/>
+                        <a:t>Coke</a:t>
+                      </a:r>
+                      <a:endParaRPr lang="zh-CN" altLang="en-US" dirty="0"/>
+                    </a:p>
+                  </a:txBody>
+                  <a:tcPr/>
+                </a:tc>
+                <a:tc>
+                  <a:txBody>
+                    <a:bodyPr/>
+                    <a:lstStyle/>
+                    <a:p>
+                      <a:pPr algn="ctr"/>
+                      <a:r>
+                        <a:rPr lang="en-US" altLang="zh-CN" dirty="0" smtClean="0"/>
+                        <a:t>Pepsi</a:t>
+                      </a:r>
+                      <a:endParaRPr lang="zh-CN" altLang="en-US" dirty="0"/>
+                    </a:p>
+                  </a:txBody>
+                  <a:tcPr/>
+                </a:tc>
+                <a:tc>
+                  <a:txBody>
+                    <a:bodyPr/>
+                    <a:lstStyle/>
+                    <a:p>
+                      <a:pPr algn="ctr"/>
+                      <a:r>
+                        <a:rPr lang="en-US" altLang="zh-CN" sz="1700" dirty="0" smtClean="0"/>
+                        <a:t>Fanta</a:t>
+                      </a:r>
+                      <a:endParaRPr lang="zh-CN" altLang="en-US" sz="1700" dirty="0"/>
+                    </a:p>
+                  </a:txBody>
+                  <a:tcPr/>
+                </a:tc>
+                <a:tc>
+                  <a:txBody>
+                    <a:bodyPr/>
+                    <a:lstStyle/>
+                    <a:p>
+                      <a:pPr algn="ctr"/>
+                      <a:r>
+                        <a:rPr lang="en-US" altLang="zh-CN" sz="1600" dirty="0" smtClean="0"/>
+                        <a:t>Sprite</a:t>
+                      </a:r>
+                      <a:endParaRPr lang="zh-CN" altLang="en-US" sz="1600" dirty="0"/>
+                    </a:p>
+                  </a:txBody>
+                  <a:tcPr/>
+                </a:tc>
+              </a:tr>
+              <a:tr h="370840">
+                <a:tc>
+                  <a:txBody>
+                    <a:bodyPr/>
+                    <a:lstStyle/>
+                    <a:p>
+                      <a:pPr algn="ctr"/>
+                      <a:r>
+                        <a:rPr lang="en-US" altLang="zh-CN" dirty="0" smtClean="0">
+                          <a:solidFill>
+                            <a:srgbClr val="FF0000"/>
+                          </a:solidFill>
+                        </a:rPr>
+                        <a:t>0. 57</a:t>
+                      </a:r>
+                      <a:endParaRPr lang="zh-CN" altLang="en-US" dirty="0">
+                        <a:solidFill>
+                          <a:srgbClr val="FF0000"/>
+                        </a:solidFill>
+                      </a:endParaRPr>
+                    </a:p>
+                  </a:txBody>
+                  <a:tcPr/>
+                </a:tc>
+                <a:tc>
+                  <a:txBody>
+                    <a:bodyPr/>
+                    <a:lstStyle/>
+                    <a:p>
+                      <a:pPr algn="ctr"/>
+                      <a:r>
+                        <a:rPr lang="en-US" altLang="zh-CN" dirty="0" smtClean="0"/>
+                        <a:t>0.39</a:t>
+                      </a:r>
+                      <a:endParaRPr lang="zh-CN" altLang="en-US" dirty="0"/>
+                    </a:p>
+                  </a:txBody>
+                  <a:tcPr/>
+                </a:tc>
+                <a:tc>
+                  <a:txBody>
+                    <a:bodyPr/>
+                    <a:lstStyle/>
+                    <a:p>
+                      <a:pPr algn="ctr"/>
+                      <a:r>
+                        <a:rPr lang="en-US" altLang="zh-CN" dirty="0" smtClean="0"/>
+                        <a:t>0.26</a:t>
+                      </a:r>
+                      <a:endParaRPr lang="zh-CN" altLang="en-US" dirty="0"/>
+                    </a:p>
+                  </a:txBody>
+                  <a:tcPr/>
+                </a:tc>
+                <a:tc>
+                  <a:txBody>
+                    <a:bodyPr/>
+                    <a:lstStyle/>
+                    <a:p>
+                      <a:pPr algn="ctr"/>
+                      <a:r>
+                        <a:rPr lang="en-US" altLang="zh-CN" dirty="0" smtClean="0"/>
+                        <a:t>0.49</a:t>
+                      </a:r>
+                      <a:endParaRPr lang="zh-CN" altLang="en-US" dirty="0"/>
+                    </a:p>
+                  </a:txBody>
+                  <a:tcPr/>
+                </a:tc>
+              </a:tr>
+            </a:tbl>
+          </a:graphicData>
+        </a:graphic>
+      </p:graphicFrame>
+      <p:sp>
+        <p:nvSpPr>
+          <p:cNvPr id="15" name="左大括号 14"/>
+          <p:cNvSpPr/>
+          <p:nvPr/>
+        </p:nvSpPr>
+        <p:spPr>
+          <a:xfrm rot="16200000">
+            <a:off x="3827428" y="3788561"/>
+            <a:ext cx="312048" cy="3193325"/>
+          </a:xfrm>
+          <a:prstGeom prst="leftBrace">
+            <a:avLst/>
+          </a:prstGeom>
+        </p:spPr>
+        <p:style>
+          <a:lnRef idx="3">
+            <a:schemeClr val="accent6"/>
+          </a:lnRef>
+          <a:fillRef idx="0">
+            <a:schemeClr val="accent6"/>
+          </a:fillRef>
+          <a:effectRef idx="2">
+            <a:schemeClr val="accent6"/>
+          </a:effectRef>
+          <a:fontRef idx="minor">
+            <a:schemeClr val="tx1"/>
+          </a:fontRef>
+        </p:style>
+        <p:txBody>
+          <a:bodyPr rtlCol="0" anchor="ctr"/>
+          <a:lstStyle/>
+          <a:p>
+            <a:pPr algn="ctr"/>
+            <a:endParaRPr lang="zh-CN" altLang="en-US"/>
+          </a:p>
+        </p:txBody>
+      </p:sp>
+      <p:sp>
+        <p:nvSpPr>
+          <p:cNvPr id="35" name="右箭头 34"/>
+          <p:cNvSpPr/>
+          <p:nvPr/>
+        </p:nvSpPr>
+        <p:spPr>
+          <a:xfrm rot="5400000">
+            <a:off x="2591780" y="3969060"/>
+            <a:ext cx="432048" cy="360040"/>
+          </a:xfrm>
+          <a:prstGeom prst="rightArrow">
+            <a:avLst/>
+          </a:prstGeom>
+          <a:solidFill>
+            <a:schemeClr val="accent2"/>
+          </a:solidFill>
+          <a:ln>
+            <a:noFill/>
+          </a:ln>
+        </p:spPr>
+        <p:style>
+          <a:lnRef idx="2">
+            <a:schemeClr val="accent1">
+              <a:shade val="50000"/>
+            </a:schemeClr>
+          </a:lnRef>
+          <a:fillRef idx="1">
+            <a:schemeClr val="accent1"/>
+          </a:fillRef>
+          <a:effectRef idx="0">
+            <a:schemeClr val="accent1"/>
+          </a:effectRef>
+          <a:fontRef idx="minor">
+            <a:schemeClr val="lt1"/>
+          </a:fontRef>
+        </p:style>
+        <p:txBody>
+          <a:bodyPr rtlCol="0" anchor="ctr"/>
+          <a:lstStyle/>
+          <a:p>
+            <a:pPr algn="ctr"/>
+            <a:endParaRPr lang="zh-CN" altLang="en-US"/>
+          </a:p>
+        </p:txBody>
+      </p:sp>
+      <mc:AlternateContent xmlns:mc="http://schemas.openxmlformats.org/markup-compatibility/2006">
+        <mc:Choice xmlns:a14="http://schemas.microsoft.com/office/drawing/2010/main" Requires="a14">
+          <p:graphicFrame>
+            <p:nvGraphicFramePr>
+              <p:cNvPr id="22" name="表格 21"/>
+              <p:cNvGraphicFramePr>
+                <a:graphicFrameLocks noGrp="1"/>
+              </p:cNvGraphicFramePr>
+              <p:nvPr>
+                <p:extLst>
+                  <p:ext uri="{D42A27DB-BD31-4B8C-83A1-F6EECF244321}">
+                    <p14:modId xmlns:p14="http://schemas.microsoft.com/office/powerpoint/2010/main" val="3060801438"/>
+                  </p:ext>
+                </p:extLst>
+              </p:nvPr>
+            </p:nvGraphicFramePr>
+            <p:xfrm>
+              <a:off x="4283968" y="3078480"/>
+              <a:ext cx="2736304" cy="731520"/>
+            </p:xfrm>
+            <a:graphic>
+              <a:graphicData uri="http://schemas.openxmlformats.org/drawingml/2006/table">
+                <a:tbl>
+                  <a:tblPr firstRow="1" bandRow="1">
+                    <a:tableStyleId>{F5AB1C69-6EDB-4FF4-983F-18BD219EF322}</a:tableStyleId>
+                  </a:tblPr>
+                  <a:tblGrid>
+                    <a:gridCol w="684076"/>
+                    <a:gridCol w="684076"/>
+                    <a:gridCol w="684076"/>
+                    <a:gridCol w="684076"/>
+                  </a:tblGrid>
+                  <a:tr h="121796">
+                    <a:tc>
+                      <a:txBody>
+                        <a:bodyPr/>
+                        <a:lstStyle/>
+                        <a:p>
+                          <a:pPr algn="ctr"/>
+                          <a14:m>
+                            <m:oMathPara xmlns:m="http://schemas.openxmlformats.org/officeDocument/2006/math">
+                              <m:oMathParaPr>
+                                <m:jc m:val="centerGroup"/>
+                              </m:oMathParaPr>
+                              <m:oMath xmlns:m="http://schemas.openxmlformats.org/officeDocument/2006/math">
+                                <m:sSub>
+                                  <m:sSubPr>
+                                    <m:ctrlPr>
+                                      <a:rPr lang="en-US" altLang="zh-CN" i="1" smtClean="0">
+                                        <a:latin typeface="Cambria Math"/>
+                                      </a:rPr>
+                                    </m:ctrlPr>
+                                  </m:sSubPr>
+                                  <m:e>
+                                    <m:r>
+                                      <a:rPr lang="zh-CN" altLang="en-US" i="1" smtClean="0">
+                                        <a:latin typeface="Cambria Math"/>
+                                      </a:rPr>
+                                      <m:t>𝜷</m:t>
+                                    </m:r>
+                                  </m:e>
+                                  <m:sub>
+                                    <m:r>
+                                      <a:rPr lang="en-US" altLang="zh-CN" b="1" i="1" smtClean="0">
+                                        <a:latin typeface="Cambria Math"/>
+                                      </a:rPr>
+                                      <m:t>𝟏</m:t>
+                                    </m:r>
+                                  </m:sub>
+                                </m:sSub>
+                              </m:oMath>
+                            </m:oMathPara>
+                          </a14:m>
+                          <a:endParaRPr lang="zh-CN" altLang="en-US" dirty="0"/>
+                        </a:p>
+                      </a:txBody>
+                      <a:tcPr/>
+                    </a:tc>
+                    <a:tc>
+                      <a:txBody>
+                        <a:bodyPr/>
+                        <a:lstStyle/>
+                        <a:p>
+                          <a:pPr algn="ctr"/>
+                          <a14:m>
+                            <m:oMathPara xmlns:m="http://schemas.openxmlformats.org/officeDocument/2006/math">
+                              <m:oMathParaPr>
+                                <m:jc m:val="centerGroup"/>
+                              </m:oMathParaPr>
+                              <m:oMath xmlns:m="http://schemas.openxmlformats.org/officeDocument/2006/math">
+                                <m:sSub>
+                                  <m:sSubPr>
+                                    <m:ctrlPr>
+                                      <a:rPr lang="en-US" altLang="zh-CN" i="1" smtClean="0">
+                                        <a:latin typeface="Cambria Math"/>
+                                      </a:rPr>
+                                    </m:ctrlPr>
+                                  </m:sSubPr>
+                                  <m:e>
+                                    <m:r>
+                                      <a:rPr lang="zh-CN" altLang="en-US" i="1" smtClean="0">
+                                        <a:latin typeface="Cambria Math"/>
+                                      </a:rPr>
+                                      <m:t>𝜷</m:t>
+                                    </m:r>
+                                  </m:e>
+                                  <m:sub>
+                                    <m:r>
+                                      <a:rPr lang="en-US" altLang="zh-CN" b="1" i="1" smtClean="0">
+                                        <a:latin typeface="Cambria Math"/>
+                                      </a:rPr>
+                                      <m:t>𝟐</m:t>
+                                    </m:r>
+                                  </m:sub>
+                                </m:sSub>
+                              </m:oMath>
+                            </m:oMathPara>
+                          </a14:m>
+                          <a:endParaRPr lang="zh-CN" altLang="en-US" dirty="0"/>
+                        </a:p>
+                      </a:txBody>
+                      <a:tcPr/>
+                    </a:tc>
+                    <a:tc>
+                      <a:txBody>
+                        <a:bodyPr/>
+                        <a:lstStyle/>
+                        <a:p>
+                          <a:pPr algn="ctr"/>
+                          <a14:m>
+                            <m:oMathPara xmlns:m="http://schemas.openxmlformats.org/officeDocument/2006/math">
+                              <m:oMathParaPr>
+                                <m:jc m:val="centerGroup"/>
+                              </m:oMathParaPr>
+                              <m:oMath xmlns:m="http://schemas.openxmlformats.org/officeDocument/2006/math">
+                                <m:sSub>
+                                  <m:sSubPr>
+                                    <m:ctrlPr>
+                                      <a:rPr lang="en-US" altLang="zh-CN" i="1" smtClean="0">
+                                        <a:latin typeface="Cambria Math"/>
+                                      </a:rPr>
+                                    </m:ctrlPr>
+                                  </m:sSubPr>
+                                  <m:e>
+                                    <m:r>
+                                      <a:rPr lang="zh-CN" altLang="en-US" i="1" smtClean="0">
+                                        <a:latin typeface="Cambria Math"/>
+                                      </a:rPr>
+                                      <m:t>𝜷</m:t>
+                                    </m:r>
+                                  </m:e>
+                                  <m:sub>
+                                    <m:r>
+                                      <a:rPr lang="en-US" altLang="zh-CN" b="1" i="1" smtClean="0">
+                                        <a:latin typeface="Cambria Math"/>
+                                      </a:rPr>
+                                      <m:t>𝟑</m:t>
+                                    </m:r>
+                                  </m:sub>
+                                </m:sSub>
+                              </m:oMath>
+                            </m:oMathPara>
+                          </a14:m>
+                          <a:endParaRPr lang="zh-CN" altLang="en-US" dirty="0"/>
+                        </a:p>
+                      </a:txBody>
+                      <a:tcPr/>
+                    </a:tc>
+                    <a:tc>
+                      <a:txBody>
+                        <a:bodyPr/>
+                        <a:lstStyle/>
+                        <a:p>
+                          <a:pPr algn="ctr"/>
+                          <a14:m>
+                            <m:oMathPara xmlns:m="http://schemas.openxmlformats.org/officeDocument/2006/math">
+                              <m:oMathParaPr>
+                                <m:jc m:val="centerGroup"/>
+                              </m:oMathParaPr>
+                              <m:oMath xmlns:m="http://schemas.openxmlformats.org/officeDocument/2006/math">
+                                <m:sSub>
+                                  <m:sSubPr>
+                                    <m:ctrlPr>
+                                      <a:rPr lang="en-US" altLang="zh-CN" i="1" smtClean="0">
+                                        <a:latin typeface="Cambria Math"/>
+                                      </a:rPr>
+                                    </m:ctrlPr>
+                                  </m:sSubPr>
+                                  <m:e>
+                                    <m:r>
+                                      <a:rPr lang="zh-CN" altLang="en-US" i="1" smtClean="0">
+                                        <a:latin typeface="Cambria Math"/>
+                                      </a:rPr>
+                                      <m:t>𝜷</m:t>
+                                    </m:r>
+                                  </m:e>
+                                  <m:sub>
+                                    <m:r>
+                                      <a:rPr lang="en-US" altLang="zh-CN" b="1" i="1" smtClean="0">
+                                        <a:latin typeface="Cambria Math"/>
+                                      </a:rPr>
+                                      <m:t>𝟒</m:t>
+                                    </m:r>
+                                  </m:sub>
+                                </m:sSub>
+                              </m:oMath>
+                            </m:oMathPara>
+                          </a14:m>
+                          <a:endParaRPr lang="zh-CN" altLang="en-US" dirty="0"/>
+                        </a:p>
+                      </a:txBody>
+                      <a:tcPr/>
+                    </a:tc>
+                  </a:tr>
+                  <a:tr h="121796">
+                    <a:tc>
+                      <a:txBody>
+                        <a:bodyPr/>
+                        <a:lstStyle/>
+                        <a:p>
+                          <a:pPr algn="ctr"/>
+                          <a:r>
+                            <a:rPr lang="en-US" altLang="zh-CN" dirty="0" smtClean="0"/>
+                            <a:t>0.8</a:t>
+                          </a:r>
+                          <a:endParaRPr lang="zh-CN" altLang="en-US" dirty="0"/>
+                        </a:p>
+                      </a:txBody>
+                      <a:tcPr/>
+                    </a:tc>
+                    <a:tc>
+                      <a:txBody>
+                        <a:bodyPr/>
+                        <a:lstStyle/>
+                        <a:p>
+                          <a:pPr algn="ctr"/>
+                          <a:r>
+                            <a:rPr lang="en-US" altLang="zh-CN" dirty="0" smtClean="0"/>
+                            <a:t>0.9</a:t>
+                          </a:r>
+                          <a:endParaRPr lang="zh-CN" altLang="en-US" dirty="0"/>
+                        </a:p>
+                      </a:txBody>
+                      <a:tcPr/>
+                    </a:tc>
+                    <a:tc>
+                      <a:txBody>
+                        <a:bodyPr/>
+                        <a:lstStyle/>
+                        <a:p>
+                          <a:pPr algn="ctr"/>
+                          <a:r>
+                            <a:rPr lang="en-US" altLang="zh-CN" dirty="0" smtClean="0"/>
+                            <a:t>0.3</a:t>
+                          </a:r>
+                          <a:endParaRPr lang="zh-CN" altLang="en-US" dirty="0"/>
+                        </a:p>
+                      </a:txBody>
+                      <a:tcPr/>
+                    </a:tc>
+                    <a:tc>
+                      <a:txBody>
+                        <a:bodyPr/>
+                        <a:lstStyle/>
+                        <a:p>
+                          <a:pPr algn="ctr"/>
+                          <a:r>
+                            <a:rPr lang="en-US" altLang="zh-CN" dirty="0" smtClean="0"/>
+                            <a:t>0.8</a:t>
+                          </a:r>
+                          <a:endParaRPr lang="zh-CN" altLang="en-US" dirty="0"/>
+                        </a:p>
+                      </a:txBody>
+                      <a:tcPr/>
+                    </a:tc>
+                  </a:tr>
+                </a:tbl>
+              </a:graphicData>
+            </a:graphic>
+          </p:graphicFrame>
+        </mc:Choice>
+        <mc:Fallback>
+          <p:graphicFrame>
+            <p:nvGraphicFramePr>
+              <p:cNvPr id="22" name="表格 21"/>
+              <p:cNvGraphicFramePr>
+                <a:graphicFrameLocks noGrp="1"/>
+              </p:cNvGraphicFramePr>
+              <p:nvPr>
+                <p:extLst>
+                  <p:ext uri="{D42A27DB-BD31-4B8C-83A1-F6EECF244321}">
+                    <p14:modId xmlns:p14="http://schemas.microsoft.com/office/powerpoint/2010/main" val="3060801438"/>
+                  </p:ext>
+                </p:extLst>
+              </p:nvPr>
+            </p:nvGraphicFramePr>
+            <p:xfrm>
+              <a:off x="4283968" y="3078480"/>
+              <a:ext cx="2736304" cy="731520"/>
+            </p:xfrm>
+            <a:graphic>
+              <a:graphicData uri="http://schemas.openxmlformats.org/drawingml/2006/table">
+                <a:tbl>
+                  <a:tblPr firstRow="1" bandRow="1">
+                    <a:tableStyleId>{F5AB1C69-6EDB-4FF4-983F-18BD219EF322}</a:tableStyleId>
+                  </a:tblPr>
+                  <a:tblGrid>
+                    <a:gridCol w="684076"/>
+                    <a:gridCol w="684076"/>
+                    <a:gridCol w="684076"/>
+                    <a:gridCol w="684076"/>
+                  </a:tblGrid>
+                  <a:tr h="365760">
+                    <a:tc>
+                      <a:txBody>
+                        <a:bodyPr/>
+                        <a:lstStyle/>
+                        <a:p>
+                          <a:endParaRPr lang="zh-CN"/>
+                        </a:p>
+                      </a:txBody>
+                      <a:tcPr>
+                        <a:blipFill rotWithShape="1">
+                          <a:blip r:embed="rId3"/>
+                          <a:stretch>
+                            <a:fillRect l="-893" r="-300893" b="-126667"/>
+                          </a:stretch>
+                        </a:blipFill>
+                      </a:tcPr>
+                    </a:tc>
+                    <a:tc>
+                      <a:txBody>
+                        <a:bodyPr/>
+                        <a:lstStyle/>
+                        <a:p>
+                          <a:endParaRPr lang="zh-CN"/>
+                        </a:p>
+                      </a:txBody>
+                      <a:tcPr>
+                        <a:blipFill rotWithShape="1">
+                          <a:blip r:embed="rId3"/>
+                          <a:stretch>
+                            <a:fillRect l="-100000" r="-198230" b="-126667"/>
+                          </a:stretch>
+                        </a:blipFill>
+                      </a:tcPr>
+                    </a:tc>
+                    <a:tc>
+                      <a:txBody>
+                        <a:bodyPr/>
+                        <a:lstStyle/>
+                        <a:p>
+                          <a:endParaRPr lang="zh-CN"/>
+                        </a:p>
+                      </a:txBody>
+                      <a:tcPr>
+                        <a:blipFill rotWithShape="1">
+                          <a:blip r:embed="rId3"/>
+                          <a:stretch>
+                            <a:fillRect l="-201786" r="-100000" b="-126667"/>
+                          </a:stretch>
+                        </a:blipFill>
+                      </a:tcPr>
+                    </a:tc>
+                    <a:tc>
+                      <a:txBody>
+                        <a:bodyPr/>
+                        <a:lstStyle/>
+                        <a:p>
+                          <a:endParaRPr lang="zh-CN"/>
+                        </a:p>
+                      </a:txBody>
+                      <a:tcPr>
+                        <a:blipFill rotWithShape="1">
+                          <a:blip r:embed="rId3"/>
+                          <a:stretch>
+                            <a:fillRect l="-301786" b="-126667"/>
+                          </a:stretch>
+                        </a:blipFill>
+                      </a:tcPr>
+                    </a:tc>
+                  </a:tr>
+                  <a:tr h="365760">
+                    <a:tc>
+                      <a:txBody>
+                        <a:bodyPr/>
+                        <a:lstStyle/>
+                        <a:p>
+                          <a:pPr algn="ctr"/>
+                          <a:r>
+                            <a:rPr lang="en-US" altLang="zh-CN" dirty="0" smtClean="0"/>
+                            <a:t>0.8</a:t>
+                          </a:r>
+                          <a:endParaRPr lang="zh-CN" altLang="en-US" dirty="0"/>
+                        </a:p>
+                      </a:txBody>
+                      <a:tcPr/>
+                    </a:tc>
+                    <a:tc>
+                      <a:txBody>
+                        <a:bodyPr/>
+                        <a:lstStyle/>
+                        <a:p>
+                          <a:pPr algn="ctr"/>
+                          <a:r>
+                            <a:rPr lang="en-US" altLang="zh-CN" dirty="0" smtClean="0"/>
+                            <a:t>0.9</a:t>
+                          </a:r>
+                          <a:endParaRPr lang="zh-CN" altLang="en-US" dirty="0"/>
+                        </a:p>
+                      </a:txBody>
+                      <a:tcPr/>
+                    </a:tc>
+                    <a:tc>
+                      <a:txBody>
+                        <a:bodyPr/>
+                        <a:lstStyle/>
+                        <a:p>
+                          <a:pPr algn="ctr"/>
+                          <a:r>
+                            <a:rPr lang="en-US" altLang="zh-CN" dirty="0" smtClean="0"/>
+                            <a:t>0.3</a:t>
+                          </a:r>
+                          <a:endParaRPr lang="zh-CN" altLang="en-US" dirty="0"/>
+                        </a:p>
+                      </a:txBody>
+                      <a:tcPr/>
+                    </a:tc>
+                    <a:tc>
+                      <a:txBody>
+                        <a:bodyPr/>
+                        <a:lstStyle/>
+                        <a:p>
+                          <a:pPr algn="ctr"/>
+                          <a:r>
+                            <a:rPr lang="en-US" altLang="zh-CN" dirty="0" smtClean="0"/>
+                            <a:t>0.8</a:t>
+                          </a:r>
+                          <a:endParaRPr lang="zh-CN" altLang="en-US" dirty="0"/>
+                        </a:p>
+                      </a:txBody>
+                      <a:tcPr/>
+                    </a:tc>
+                  </a:tr>
+                </a:tbl>
+              </a:graphicData>
+            </a:graphic>
+          </p:graphicFrame>
+        </mc:Fallback>
+      </mc:AlternateContent>
+      <p:sp>
+        <p:nvSpPr>
+          <p:cNvPr id="6" name="TextBox 5"/>
+          <p:cNvSpPr txBox="1"/>
+          <p:nvPr/>
+        </p:nvSpPr>
+        <p:spPr>
+          <a:xfrm>
+            <a:off x="5385446" y="2636912"/>
+            <a:ext cx="410690" cy="584775"/>
+          </a:xfrm>
+          <a:prstGeom prst="rect">
+            <a:avLst/>
+          </a:prstGeom>
+          <a:noFill/>
+        </p:spPr>
+        <p:txBody>
+          <a:bodyPr wrap="none" rtlCol="0">
+            <a:spAutoFit/>
+          </a:bodyPr>
+          <a:lstStyle/>
+          <a:p>
+            <a:r>
+              <a:rPr lang="en-US" altLang="zh-CN" sz="3200" b="1" dirty="0" smtClean="0"/>
+              <a:t>X</a:t>
+            </a:r>
+            <a:endParaRPr lang="zh-CN" altLang="en-US" sz="3200" b="1" dirty="0"/>
+          </a:p>
+        </p:txBody>
+      </p:sp>
+    </p:spTree>
+    <p:extLst>
+      <p:ext uri="{BB962C8B-B14F-4D97-AF65-F5344CB8AC3E}">
+        <p14:creationId xmlns:p14="http://schemas.microsoft.com/office/powerpoint/2010/main" val="2671231077"/>
+      </p:ext>
+    </p:extLst>
+  </p:cSld>
+  <p:clrMapOvr>
+    <a:masterClrMapping/>
+  </p:clrMapOvr>
+  <p:timing>
+    <p:tnLst>
+      <p:par>
+        <p:cTn id="1" dur="indefinite" restart="never" nodeType="tmRoot"/>
+      </p:par>
+    </p:tnLst>
+  </p:timing>
+</p:sld>
+</file>
+
+<file path=ppt/slides/slide9.xml><?xml version="1.0" encoding="utf-8"?>
+<p:sld xmlns:a="http://schemas.openxmlformats.org/drawingml/2006/main" xmlns:r="http://schemas.openxmlformats.org/officeDocument/2006/relationships" xmlns:p="http://schemas.openxmlformats.org/presentationml/2006/main">
+  <p:cSld>
+    <p:spTree>
+      <p:nvGrpSpPr>
+        <p:cNvPr id="1" name=""/>
+        <p:cNvGrpSpPr/>
+        <p:nvPr/>
+      </p:nvGrpSpPr>
+      <p:grpSpPr>
+        <a:xfrm>
+          <a:off x="0" y="0"/>
+          <a:ext cx="0" cy="0"/>
+          <a:chOff x="0" y="0"/>
+          <a:chExt cx="0" cy="0"/>
+        </a:xfrm>
+      </p:grpSpPr>
+      <p:pic>
+        <p:nvPicPr>
+          <p:cNvPr id="3077" name="Picture 5" descr="D:\用户目录\Desktop\paper\thesis\pakdd\fig\pic2.png"/>
+          <p:cNvPicPr>
+            <a:picLocks noChangeAspect="1" noChangeArrowheads="1"/>
+          </p:cNvPicPr>
+          <p:nvPr/>
+        </p:nvPicPr>
+        <p:blipFill>
+          <a:blip r:embed="rId2">
+            <a:extLst>
+              <a:ext uri="{28A0092B-C50C-407E-A947-70E740481C1C}">
+                <a14:useLocalDpi xmlns:a14="http://schemas.microsoft.com/office/drawing/2010/main" val="0"/>
+              </a:ext>
+            </a:extLst>
+          </a:blip>
+          <a:srcRect/>
+          <a:stretch>
+            <a:fillRect/>
+          </a:stretch>
+        </p:blipFill>
+        <p:spPr bwMode="auto">
+          <a:xfrm>
+            <a:off x="76199" y="2993225"/>
+            <a:ext cx="5539199" cy="3864775"/>
+          </a:xfrm>
+          <a:prstGeom prst="rect">
+            <a:avLst/>
+          </a:prstGeom>
+          <a:noFill/>
+          <a:extLst>
+            <a:ext uri="{909E8E84-426E-40DD-AFC4-6F175D3DCCD1}">
+              <a14:hiddenFill xmlns:a14="http://schemas.microsoft.com/office/drawing/2010/main">
+                <a:solidFill>
+                  <a:srgbClr val="FFFFFF"/>
+                </a:solidFill>
+              </a14:hiddenFill>
+            </a:ext>
+          </a:extLst>
+        </p:spPr>
+      </p:pic>
+      <p:pic>
+        <p:nvPicPr>
+          <p:cNvPr id="3075" name="Picture 3" descr="D:\用户目录\Desktop\pic1.png"/>
+          <p:cNvPicPr>
+            <a:picLocks noChangeAspect="1" noChangeArrowheads="1"/>
+          </p:cNvPicPr>
+          <p:nvPr/>
+        </p:nvPicPr>
+        <p:blipFill>
+          <a:blip r:embed="rId3">
+            <a:extLst>
+              <a:ext uri="{28A0092B-C50C-407E-A947-70E740481C1C}">
+                <a14:useLocalDpi xmlns:a14="http://schemas.microsoft.com/office/drawing/2010/main" val="0"/>
+              </a:ext>
+            </a:extLst>
+          </a:blip>
+          <a:srcRect/>
+          <a:stretch>
+            <a:fillRect/>
+          </a:stretch>
+        </p:blipFill>
+        <p:spPr bwMode="auto">
+          <a:xfrm>
+            <a:off x="228600" y="304801"/>
+            <a:ext cx="5386799" cy="1981200"/>
+          </a:xfrm>
+          <a:prstGeom prst="rect">
+            <a:avLst/>
+          </a:prstGeom>
+          <a:noFill/>
+          <a:extLst>
+            <a:ext uri="{909E8E84-426E-40DD-AFC4-6F175D3DCCD1}">
+              <a14:hiddenFill xmlns:a14="http://schemas.microsoft.com/office/drawing/2010/main">
+                <a:solidFill>
+                  <a:srgbClr val="FFFFFF"/>
+                </a:solidFill>
+              </a14:hiddenFill>
+            </a:ext>
+          </a:extLst>
+        </p:spPr>
+      </p:pic>
+      <p:cxnSp>
+        <p:nvCxnSpPr>
+          <p:cNvPr id="5" name="直接连接符 4"/>
+          <p:cNvCxnSpPr/>
+          <p:nvPr/>
+        </p:nvCxnSpPr>
+        <p:spPr>
+          <a:xfrm>
+            <a:off x="76200" y="2514600"/>
+            <a:ext cx="5638800" cy="0"/>
+          </a:xfrm>
+          <a:prstGeom prst="line">
+            <a:avLst/>
+          </a:prstGeom>
+          <a:ln>
+            <a:prstDash val="sysDash"/>
+          </a:ln>
+        </p:spPr>
+        <p:style>
+          <a:lnRef idx="3">
+            <a:schemeClr val="dk1"/>
+          </a:lnRef>
+          <a:fillRef idx="0">
+            <a:schemeClr val="dk1"/>
+          </a:fillRef>
+          <a:effectRef idx="2">
+            <a:schemeClr val="dk1"/>
+          </a:effectRef>
+          <a:fontRef idx="minor">
+            <a:schemeClr val="tx1"/>
+          </a:fontRef>
+        </p:style>
+      </p:cxnSp>
+      <p:sp>
+        <p:nvSpPr>
+          <p:cNvPr id="6" name="TextBox 5"/>
+          <p:cNvSpPr txBox="1"/>
+          <p:nvPr/>
+        </p:nvSpPr>
+        <p:spPr>
+          <a:xfrm>
+            <a:off x="2819400" y="240268"/>
+            <a:ext cx="596830" cy="369332"/>
+          </a:xfrm>
+          <a:prstGeom prst="rect">
+            <a:avLst/>
+          </a:prstGeom>
+          <a:noFill/>
+        </p:spPr>
+        <p:txBody>
+          <a:bodyPr wrap="none" rtlCol="0">
+            <a:spAutoFit/>
+          </a:bodyPr>
+          <a:lstStyle/>
+          <a:p>
+            <a:r>
+              <a:rPr lang="en-US" altLang="zh-CN" b="1" dirty="0" smtClean="0">
+                <a:solidFill>
+                  <a:srgbClr val="FF0000"/>
+                </a:solidFill>
+              </a:rPr>
+              <a:t>Task</a:t>
+            </a:r>
+            <a:endParaRPr lang="zh-CN" altLang="en-US" b="1" dirty="0">
+              <a:solidFill>
+                <a:srgbClr val="FF0000"/>
+              </a:solidFill>
+            </a:endParaRPr>
+          </a:p>
+        </p:txBody>
+      </p:sp>
+      <p:sp>
+        <p:nvSpPr>
+          <p:cNvPr id="10" name="TextBox 9"/>
+          <p:cNvSpPr txBox="1"/>
+          <p:nvPr/>
+        </p:nvSpPr>
+        <p:spPr>
+          <a:xfrm>
+            <a:off x="2627866" y="2661496"/>
+            <a:ext cx="979755" cy="369332"/>
+          </a:xfrm>
+          <a:prstGeom prst="rect">
+            <a:avLst/>
+          </a:prstGeom>
+          <a:noFill/>
+        </p:spPr>
+        <p:txBody>
+          <a:bodyPr wrap="none" rtlCol="0">
+            <a:spAutoFit/>
+          </a:bodyPr>
+          <a:lstStyle/>
+          <a:p>
+            <a:r>
+              <a:rPr lang="en-US" altLang="zh-CN" b="1" dirty="0" smtClean="0">
+                <a:solidFill>
+                  <a:srgbClr val="FF0000"/>
+                </a:solidFill>
+              </a:rPr>
+              <a:t>Solution</a:t>
+            </a:r>
+            <a:endParaRPr lang="zh-CN" altLang="en-US" b="1" dirty="0">
+              <a:solidFill>
+                <a:srgbClr val="FF0000"/>
+              </a:solidFill>
+            </a:endParaRPr>
+          </a:p>
+        </p:txBody>
+      </p:sp>
+      <p:sp>
+        <p:nvSpPr>
+          <p:cNvPr id="7" name="TextBox 6"/>
+          <p:cNvSpPr txBox="1"/>
+          <p:nvPr/>
+        </p:nvSpPr>
+        <p:spPr>
+          <a:xfrm>
+            <a:off x="4463469" y="6172200"/>
+            <a:ext cx="1322798" cy="369332"/>
+          </a:xfrm>
+          <a:prstGeom prst="rect">
+            <a:avLst/>
+          </a:prstGeom>
+          <a:noFill/>
+        </p:spPr>
+        <p:txBody>
+          <a:bodyPr wrap="none" rtlCol="0">
+            <a:spAutoFit/>
+          </a:bodyPr>
+          <a:lstStyle/>
+          <a:p>
+            <a:r>
+              <a:rPr lang="en-US" altLang="zh-CN" dirty="0" smtClean="0">
+                <a:solidFill>
+                  <a:schemeClr val="accent6">
+                    <a:lumMod val="50000"/>
+                  </a:schemeClr>
+                </a:solidFill>
+              </a:rPr>
+              <a:t>Final output</a:t>
+            </a:r>
+            <a:endParaRPr lang="zh-CN" altLang="en-US" dirty="0">
+              <a:solidFill>
+                <a:schemeClr val="accent6">
+                  <a:lumMod val="50000"/>
+                </a:schemeClr>
+              </a:solidFill>
+            </a:endParaRPr>
+          </a:p>
+        </p:txBody>
+      </p:sp>
+      <p:sp>
+        <p:nvSpPr>
+          <p:cNvPr id="13" name="TextBox 12"/>
+          <p:cNvSpPr txBox="1"/>
+          <p:nvPr/>
+        </p:nvSpPr>
+        <p:spPr>
+          <a:xfrm>
+            <a:off x="4734896" y="3581400"/>
+            <a:ext cx="837730" cy="461665"/>
+          </a:xfrm>
+          <a:prstGeom prst="rect">
+            <a:avLst/>
+          </a:prstGeom>
+          <a:noFill/>
+        </p:spPr>
+        <p:txBody>
+          <a:bodyPr wrap="none" rtlCol="0">
+            <a:spAutoFit/>
+          </a:bodyPr>
+          <a:lstStyle/>
+          <a:p>
+            <a:pPr algn="ctr"/>
+            <a:r>
+              <a:rPr lang="en-US" altLang="zh-CN" sz="1200" dirty="0" smtClean="0">
+                <a:solidFill>
+                  <a:srgbClr val="FF0000"/>
+                </a:solidFill>
+              </a:rPr>
+              <a:t>Transfer </a:t>
+            </a:r>
+          </a:p>
+          <a:p>
+            <a:pPr algn="ctr"/>
+            <a:r>
+              <a:rPr lang="en-US" altLang="zh-CN" sz="1200" dirty="0" smtClean="0">
+                <a:solidFill>
+                  <a:srgbClr val="FF0000"/>
+                </a:solidFill>
+              </a:rPr>
+              <a:t>Parameter</a:t>
+            </a:r>
+            <a:endParaRPr lang="zh-CN" altLang="en-US" sz="1200" dirty="0">
+              <a:solidFill>
+                <a:srgbClr val="FF0000"/>
+              </a:solidFill>
+            </a:endParaRPr>
+          </a:p>
+        </p:txBody>
+      </p:sp>
+    </p:spTree>
+    <p:extLst>
+      <p:ext uri="{BB962C8B-B14F-4D97-AF65-F5344CB8AC3E}">
+        <p14:creationId xmlns:p14="http://schemas.microsoft.com/office/powerpoint/2010/main" val="2634923909"/>
       </p:ext>
     </p:extLst>
   </p:cSld>

--- a/pakdd/fig/Presentation1.pptx
+++ b/pakdd/fig/Presentation1.pptx
@@ -14,6 +14,8 @@
     <p:sldId id="266" r:id="rId8"/>
     <p:sldId id="267" r:id="rId9"/>
     <p:sldId id="268" r:id="rId10"/>
+    <p:sldId id="269" r:id="rId11"/>
+    <p:sldId id="270" r:id="rId12"/>
   </p:sldIdLst>
   <p:sldSz cx="9144000" cy="6858000" type="screen4x3"/>
   <p:notesSz cx="6858000" cy="9144000"/>
@@ -296,7 +298,7 @@
           <a:p>
             <a:fld id="{44B15A26-92BA-497A-9014-8A082EA472A1}" type="datetimeFigureOut">
               <a:rPr lang="en-US" smtClean="0"/>
-              <a:t>2/10/2017</a:t>
+              <a:t>2/24/2017</a:t>
             </a:fld>
             <a:endParaRPr lang="en-US"/>
           </a:p>
@@ -466,7 +468,7 @@
           <a:p>
             <a:fld id="{44B15A26-92BA-497A-9014-8A082EA472A1}" type="datetimeFigureOut">
               <a:rPr lang="en-US" smtClean="0"/>
-              <a:t>2/10/2017</a:t>
+              <a:t>2/24/2017</a:t>
             </a:fld>
             <a:endParaRPr lang="en-US"/>
           </a:p>
@@ -646,7 +648,7 @@
           <a:p>
             <a:fld id="{44B15A26-92BA-497A-9014-8A082EA472A1}" type="datetimeFigureOut">
               <a:rPr lang="en-US" smtClean="0"/>
-              <a:t>2/10/2017</a:t>
+              <a:t>2/24/2017</a:t>
             </a:fld>
             <a:endParaRPr lang="en-US"/>
           </a:p>
@@ -816,7 +818,7 @@
           <a:p>
             <a:fld id="{44B15A26-92BA-497A-9014-8A082EA472A1}" type="datetimeFigureOut">
               <a:rPr lang="en-US" smtClean="0"/>
-              <a:t>2/10/2017</a:t>
+              <a:t>2/24/2017</a:t>
             </a:fld>
             <a:endParaRPr lang="en-US"/>
           </a:p>
@@ -1062,7 +1064,7 @@
           <a:p>
             <a:fld id="{44B15A26-92BA-497A-9014-8A082EA472A1}" type="datetimeFigureOut">
               <a:rPr lang="en-US" smtClean="0"/>
-              <a:t>2/10/2017</a:t>
+              <a:t>2/24/2017</a:t>
             </a:fld>
             <a:endParaRPr lang="en-US"/>
           </a:p>
@@ -1350,7 +1352,7 @@
           <a:p>
             <a:fld id="{44B15A26-92BA-497A-9014-8A082EA472A1}" type="datetimeFigureOut">
               <a:rPr lang="en-US" smtClean="0"/>
-              <a:t>2/10/2017</a:t>
+              <a:t>2/24/2017</a:t>
             </a:fld>
             <a:endParaRPr lang="en-US"/>
           </a:p>
@@ -1772,7 +1774,7 @@
           <a:p>
             <a:fld id="{44B15A26-92BA-497A-9014-8A082EA472A1}" type="datetimeFigureOut">
               <a:rPr lang="en-US" smtClean="0"/>
-              <a:t>2/10/2017</a:t>
+              <a:t>2/24/2017</a:t>
             </a:fld>
             <a:endParaRPr lang="en-US"/>
           </a:p>
@@ -1890,7 +1892,7 @@
           <a:p>
             <a:fld id="{44B15A26-92BA-497A-9014-8A082EA472A1}" type="datetimeFigureOut">
               <a:rPr lang="en-US" smtClean="0"/>
-              <a:t>2/10/2017</a:t>
+              <a:t>2/24/2017</a:t>
             </a:fld>
             <a:endParaRPr lang="en-US"/>
           </a:p>
@@ -1985,7 +1987,7 @@
           <a:p>
             <a:fld id="{44B15A26-92BA-497A-9014-8A082EA472A1}" type="datetimeFigureOut">
               <a:rPr lang="en-US" smtClean="0"/>
-              <a:t>2/10/2017</a:t>
+              <a:t>2/24/2017</a:t>
             </a:fld>
             <a:endParaRPr lang="en-US"/>
           </a:p>
@@ -2262,7 +2264,7 @@
           <a:p>
             <a:fld id="{44B15A26-92BA-497A-9014-8A082EA472A1}" type="datetimeFigureOut">
               <a:rPr lang="en-US" smtClean="0"/>
-              <a:t>2/10/2017</a:t>
+              <a:t>2/24/2017</a:t>
             </a:fld>
             <a:endParaRPr lang="en-US"/>
           </a:p>
@@ -2515,7 +2517,7 @@
           <a:p>
             <a:fld id="{44B15A26-92BA-497A-9014-8A082EA472A1}" type="datetimeFigureOut">
               <a:rPr lang="en-US" smtClean="0"/>
-              <a:t>2/10/2017</a:t>
+              <a:t>2/24/2017</a:t>
             </a:fld>
             <a:endParaRPr lang="en-US"/>
           </a:p>
@@ -2728,7 +2730,7 @@
           <a:p>
             <a:fld id="{44B15A26-92BA-497A-9014-8A082EA472A1}" type="datetimeFigureOut">
               <a:rPr lang="en-US" smtClean="0"/>
-              <a:t>2/10/2017</a:t>
+              <a:t>2/24/2017</a:t>
             </a:fld>
             <a:endParaRPr lang="en-US"/>
           </a:p>
@@ -3191,7 +3193,7 @@
             <a:graphicData uri="http://schemas.openxmlformats.org/presentationml/2006/ole">
               <mc:AlternateContent xmlns:mc="http://schemas.openxmlformats.org/markup-compatibility/2006">
                 <mc:Choice xmlns:v="urn:schemas-microsoft-com:vml" Requires="v">
-                  <p:oleObj spid="_x0000_s2227" name="Equation" r:id="rId3" imgW="342720" imgH="228600" progId="Equation.DSMT4">
+                  <p:oleObj spid="_x0000_s2245" name="Equation" r:id="rId3" imgW="342720" imgH="228600" progId="Equation.DSMT4">
                     <p:embed/>
                   </p:oleObj>
                 </mc:Choice>
@@ -3322,7 +3324,7 @@
             <a:graphicData uri="http://schemas.openxmlformats.org/presentationml/2006/ole">
               <mc:AlternateContent xmlns:mc="http://schemas.openxmlformats.org/markup-compatibility/2006">
                 <mc:Choice xmlns:v="urn:schemas-microsoft-com:vml" Requires="v">
-                  <p:oleObj spid="_x0000_s2228" name="Equation" r:id="rId5" imgW="355320" imgH="228600" progId="Equation.DSMT4">
+                  <p:oleObj spid="_x0000_s2246" name="Equation" r:id="rId5" imgW="355320" imgH="228600" progId="Equation.DSMT4">
                     <p:embed/>
                   </p:oleObj>
                 </mc:Choice>
@@ -3445,7 +3447,7 @@
             <a:graphicData uri="http://schemas.openxmlformats.org/presentationml/2006/ole">
               <mc:AlternateContent xmlns:mc="http://schemas.openxmlformats.org/markup-compatibility/2006">
                 <mc:Choice xmlns:v="urn:schemas-microsoft-com:vml" Requires="v">
-                  <p:oleObj spid="_x0000_s2229" name="Equation" r:id="rId7" imgW="241200" imgH="177480" progId="Equation.DSMT4">
+                  <p:oleObj spid="_x0000_s2247" name="Equation" r:id="rId7" imgW="241200" imgH="177480" progId="Equation.DSMT4">
                     <p:embed/>
                   </p:oleObj>
                 </mc:Choice>
@@ -3576,7 +3578,7 @@
             <a:graphicData uri="http://schemas.openxmlformats.org/presentationml/2006/ole">
               <mc:AlternateContent xmlns:mc="http://schemas.openxmlformats.org/markup-compatibility/2006">
                 <mc:Choice xmlns:v="urn:schemas-microsoft-com:vml" Requires="v">
-                  <p:oleObj spid="_x0000_s2230" name="Equation" r:id="rId9" imgW="368280" imgH="228600" progId="Equation.DSMT4">
+                  <p:oleObj spid="_x0000_s2248" name="Equation" r:id="rId9" imgW="368280" imgH="228600" progId="Equation.DSMT4">
                     <p:embed/>
                   </p:oleObj>
                 </mc:Choice>
@@ -3715,7 +3717,7 @@
             <a:graphicData uri="http://schemas.openxmlformats.org/presentationml/2006/ole">
               <mc:AlternateContent xmlns:mc="http://schemas.openxmlformats.org/markup-compatibility/2006">
                 <mc:Choice xmlns:v="urn:schemas-microsoft-com:vml" Requires="v">
-                  <p:oleObj spid="_x0000_s2231" name="Equation" r:id="rId12" imgW="126720" imgH="139680" progId="Equation.DSMT4">
+                  <p:oleObj spid="_x0000_s2249" name="Equation" r:id="rId12" imgW="126720" imgH="139680" progId="Equation.DSMT4">
                     <p:embed/>
                   </p:oleObj>
                 </mc:Choice>
@@ -3780,7 +3782,7 @@
           <a:graphicData uri="http://schemas.openxmlformats.org/presentationml/2006/ole">
             <mc:AlternateContent xmlns:mc="http://schemas.openxmlformats.org/markup-compatibility/2006">
               <mc:Choice xmlns:v="urn:schemas-microsoft-com:vml" Requires="v">
-                <p:oleObj spid="_x0000_s2232" name="Equation" r:id="rId14" imgW="2057400" imgH="291960" progId="Equation.DSMT4">
+                <p:oleObj spid="_x0000_s2250" name="Equation" r:id="rId14" imgW="2057400" imgH="291960" progId="Equation.DSMT4">
                   <p:embed/>
                 </p:oleObj>
               </mc:Choice>
@@ -4062,6 +4064,2418 @@
   <p:clrMapOvr>
     <a:masterClrMapping/>
   </p:clrMapOvr>
+</p:sld>
+</file>
+
+<file path=ppt/slides/slide10.xml><?xml version="1.0" encoding="utf-8"?>
+<p:sld xmlns:a="http://schemas.openxmlformats.org/drawingml/2006/main" xmlns:r="http://schemas.openxmlformats.org/officeDocument/2006/relationships" xmlns:p="http://schemas.openxmlformats.org/presentationml/2006/main">
+  <p:cSld>
+    <p:spTree>
+      <p:nvGrpSpPr>
+        <p:cNvPr id="1" name=""/>
+        <p:cNvGrpSpPr/>
+        <p:nvPr/>
+      </p:nvGrpSpPr>
+      <p:grpSpPr>
+        <a:xfrm>
+          <a:off x="0" y="0"/>
+          <a:ext cx="0" cy="0"/>
+          <a:chOff x="0" y="0"/>
+          <a:chExt cx="0" cy="0"/>
+        </a:xfrm>
+      </p:grpSpPr>
+      <p:sp>
+        <p:nvSpPr>
+          <p:cNvPr id="4" name="圆角矩形 3"/>
+          <p:cNvSpPr/>
+          <p:nvPr/>
+        </p:nvSpPr>
+        <p:spPr>
+          <a:xfrm>
+            <a:off x="2051720" y="1916832"/>
+            <a:ext cx="1571743" cy="864096"/>
+          </a:xfrm>
+          <a:prstGeom prst="roundRect">
+            <a:avLst/>
+          </a:prstGeom>
+          <a:ln>
+            <a:noFill/>
+          </a:ln>
+        </p:spPr>
+        <p:style>
+          <a:lnRef idx="2">
+            <a:schemeClr val="accent1">
+              <a:shade val="50000"/>
+            </a:schemeClr>
+          </a:lnRef>
+          <a:fillRef idx="1">
+            <a:schemeClr val="accent1"/>
+          </a:fillRef>
+          <a:effectRef idx="0">
+            <a:schemeClr val="accent1"/>
+          </a:effectRef>
+          <a:fontRef idx="minor">
+            <a:schemeClr val="lt1"/>
+          </a:fontRef>
+        </p:style>
+        <p:txBody>
+          <a:bodyPr rtlCol="0" anchor="ctr"/>
+          <a:lstStyle/>
+          <a:p>
+            <a:pPr algn="ctr"/>
+            <a:r>
+              <a:rPr lang="en-US" altLang="zh-CN" sz="2000" dirty="0" smtClean="0"/>
+              <a:t>Source</a:t>
+            </a:r>
+          </a:p>
+          <a:p>
+            <a:pPr algn="ctr"/>
+            <a:r>
+              <a:rPr lang="en-US" altLang="zh-CN" sz="2000" dirty="0" smtClean="0"/>
+              <a:t>Model</a:t>
+            </a:r>
+            <a:endParaRPr lang="zh-CN" altLang="en-US" sz="2000" dirty="0"/>
+          </a:p>
+        </p:txBody>
+      </p:sp>
+      <p:sp>
+        <p:nvSpPr>
+          <p:cNvPr id="5" name="右箭头 4"/>
+          <p:cNvSpPr/>
+          <p:nvPr/>
+        </p:nvSpPr>
+        <p:spPr>
+          <a:xfrm>
+            <a:off x="1403648" y="2204864"/>
+            <a:ext cx="432048" cy="360040"/>
+          </a:xfrm>
+          <a:prstGeom prst="rightArrow">
+            <a:avLst/>
+          </a:prstGeom>
+          <a:ln>
+            <a:noFill/>
+          </a:ln>
+        </p:spPr>
+        <p:style>
+          <a:lnRef idx="2">
+            <a:schemeClr val="accent1">
+              <a:shade val="50000"/>
+            </a:schemeClr>
+          </a:lnRef>
+          <a:fillRef idx="1">
+            <a:schemeClr val="accent1"/>
+          </a:fillRef>
+          <a:effectRef idx="0">
+            <a:schemeClr val="accent1"/>
+          </a:effectRef>
+          <a:fontRef idx="minor">
+            <a:schemeClr val="lt1"/>
+          </a:fontRef>
+        </p:style>
+        <p:txBody>
+          <a:bodyPr rtlCol="0" anchor="ctr"/>
+          <a:lstStyle/>
+          <a:p>
+            <a:pPr algn="ctr"/>
+            <a:endParaRPr lang="zh-CN" altLang="en-US"/>
+          </a:p>
+        </p:txBody>
+      </p:sp>
+      <p:graphicFrame>
+        <p:nvGraphicFramePr>
+          <p:cNvPr id="6" name="表格 5"/>
+          <p:cNvGraphicFramePr>
+            <a:graphicFrameLocks noGrp="1"/>
+          </p:cNvGraphicFramePr>
+          <p:nvPr>
+            <p:extLst>
+              <p:ext uri="{D42A27DB-BD31-4B8C-83A1-F6EECF244321}">
+                <p14:modId xmlns:p14="http://schemas.microsoft.com/office/powerpoint/2010/main" val="2316669070"/>
+              </p:ext>
+            </p:extLst>
+          </p:nvPr>
+        </p:nvGraphicFramePr>
+        <p:xfrm>
+          <a:off x="4283968" y="1916832"/>
+          <a:ext cx="2736304" cy="741680"/>
+        </p:xfrm>
+        <a:graphic>
+          <a:graphicData uri="http://schemas.openxmlformats.org/drawingml/2006/table">
+            <a:tbl>
+              <a:tblPr firstRow="1" bandRow="1">
+                <a:tableStyleId>{5C22544A-7EE6-4342-B048-85BDC9FD1C3A}</a:tableStyleId>
+              </a:tblPr>
+              <a:tblGrid>
+                <a:gridCol w="684076"/>
+                <a:gridCol w="684076"/>
+                <a:gridCol w="684076"/>
+                <a:gridCol w="684076"/>
+              </a:tblGrid>
+              <a:tr h="370840">
+                <a:tc>
+                  <a:txBody>
+                    <a:bodyPr/>
+                    <a:lstStyle/>
+                    <a:p>
+                      <a:pPr algn="ctr"/>
+                      <a:r>
+                        <a:rPr lang="en-US" altLang="zh-CN" dirty="0" smtClean="0"/>
+                        <a:t>Coke</a:t>
+                      </a:r>
+                      <a:endParaRPr lang="zh-CN" altLang="en-US" dirty="0"/>
+                    </a:p>
+                  </a:txBody>
+                  <a:tcPr/>
+                </a:tc>
+                <a:tc>
+                  <a:txBody>
+                    <a:bodyPr/>
+                    <a:lstStyle/>
+                    <a:p>
+                      <a:pPr algn="ctr"/>
+                      <a:r>
+                        <a:rPr lang="en-US" altLang="zh-CN" dirty="0" smtClean="0"/>
+                        <a:t>Pepsi</a:t>
+                      </a:r>
+                      <a:endParaRPr lang="zh-CN" altLang="en-US" dirty="0"/>
+                    </a:p>
+                  </a:txBody>
+                  <a:tcPr/>
+                </a:tc>
+                <a:tc>
+                  <a:txBody>
+                    <a:bodyPr/>
+                    <a:lstStyle/>
+                    <a:p>
+                      <a:pPr algn="ctr"/>
+                      <a:r>
+                        <a:rPr lang="en-US" altLang="zh-CN" sz="1700" dirty="0" smtClean="0"/>
+                        <a:t>Fanta</a:t>
+                      </a:r>
+                      <a:endParaRPr lang="zh-CN" altLang="en-US" sz="1700" dirty="0"/>
+                    </a:p>
+                  </a:txBody>
+                  <a:tcPr/>
+                </a:tc>
+                <a:tc>
+                  <a:txBody>
+                    <a:bodyPr/>
+                    <a:lstStyle/>
+                    <a:p>
+                      <a:pPr algn="ctr"/>
+                      <a:r>
+                        <a:rPr lang="en-US" altLang="zh-CN" sz="1600" dirty="0" smtClean="0"/>
+                        <a:t>Sprite</a:t>
+                      </a:r>
+                      <a:endParaRPr lang="zh-CN" altLang="en-US" sz="1600" dirty="0"/>
+                    </a:p>
+                  </a:txBody>
+                  <a:tcPr/>
+                </a:tc>
+              </a:tr>
+              <a:tr h="370840">
+                <a:tc>
+                  <a:txBody>
+                    <a:bodyPr/>
+                    <a:lstStyle/>
+                    <a:p>
+                      <a:pPr algn="ctr"/>
+                      <a:r>
+                        <a:rPr lang="en-US" altLang="zh-CN" dirty="0" smtClean="0"/>
+                        <a:t>0.4</a:t>
+                      </a:r>
+                      <a:endParaRPr lang="zh-CN" altLang="en-US" dirty="0"/>
+                    </a:p>
+                  </a:txBody>
+                  <a:tcPr/>
+                </a:tc>
+                <a:tc>
+                  <a:txBody>
+                    <a:bodyPr/>
+                    <a:lstStyle/>
+                    <a:p>
+                      <a:pPr algn="ctr"/>
+                      <a:r>
+                        <a:rPr lang="en-US" altLang="zh-CN" dirty="0" smtClean="0"/>
+                        <a:t>0.1</a:t>
+                      </a:r>
+                      <a:endParaRPr lang="zh-CN" altLang="en-US" dirty="0"/>
+                    </a:p>
+                  </a:txBody>
+                  <a:tcPr/>
+                </a:tc>
+                <a:tc>
+                  <a:txBody>
+                    <a:bodyPr/>
+                    <a:lstStyle/>
+                    <a:p>
+                      <a:pPr algn="ctr"/>
+                      <a:r>
+                        <a:rPr lang="en-US" altLang="zh-CN" dirty="0" smtClean="0"/>
+                        <a:t>0.2</a:t>
+                      </a:r>
+                      <a:endParaRPr lang="zh-CN" altLang="en-US" dirty="0"/>
+                    </a:p>
+                  </a:txBody>
+                  <a:tcPr/>
+                </a:tc>
+                <a:tc>
+                  <a:txBody>
+                    <a:bodyPr/>
+                    <a:lstStyle/>
+                    <a:p>
+                      <a:pPr algn="ctr"/>
+                      <a:r>
+                        <a:rPr lang="en-US" altLang="zh-CN" dirty="0" smtClean="0"/>
+                        <a:t>0.3</a:t>
+                      </a:r>
+                      <a:endParaRPr lang="zh-CN" altLang="en-US" dirty="0"/>
+                    </a:p>
+                  </a:txBody>
+                  <a:tcPr/>
+                </a:tc>
+              </a:tr>
+            </a:tbl>
+          </a:graphicData>
+        </a:graphic>
+      </p:graphicFrame>
+      <p:sp>
+        <p:nvSpPr>
+          <p:cNvPr id="7" name="右箭头 6"/>
+          <p:cNvSpPr/>
+          <p:nvPr/>
+        </p:nvSpPr>
+        <p:spPr>
+          <a:xfrm>
+            <a:off x="3707904" y="2168860"/>
+            <a:ext cx="432048" cy="360040"/>
+          </a:xfrm>
+          <a:prstGeom prst="rightArrow">
+            <a:avLst/>
+          </a:prstGeom>
+          <a:ln>
+            <a:noFill/>
+          </a:ln>
+        </p:spPr>
+        <p:style>
+          <a:lnRef idx="2">
+            <a:schemeClr val="accent1">
+              <a:shade val="50000"/>
+            </a:schemeClr>
+          </a:lnRef>
+          <a:fillRef idx="1">
+            <a:schemeClr val="accent1"/>
+          </a:fillRef>
+          <a:effectRef idx="0">
+            <a:schemeClr val="accent1"/>
+          </a:effectRef>
+          <a:fontRef idx="minor">
+            <a:schemeClr val="lt1"/>
+          </a:fontRef>
+        </p:style>
+        <p:txBody>
+          <a:bodyPr rtlCol="0" anchor="ctr"/>
+          <a:lstStyle/>
+          <a:p>
+            <a:pPr algn="ctr"/>
+            <a:endParaRPr lang="zh-CN" altLang="en-US"/>
+          </a:p>
+        </p:txBody>
+      </p:sp>
+      <p:pic>
+        <p:nvPicPr>
+          <p:cNvPr id="8" name="Picture 2"/>
+          <p:cNvPicPr>
+            <a:picLocks noChangeAspect="1" noChangeArrowheads="1"/>
+          </p:cNvPicPr>
+          <p:nvPr/>
+        </p:nvPicPr>
+        <p:blipFill>
+          <a:blip r:embed="rId2">
+            <a:extLst>
+              <a:ext uri="{28A0092B-C50C-407E-A947-70E740481C1C}">
+                <a14:useLocalDpi xmlns:a14="http://schemas.microsoft.com/office/drawing/2010/main" val="0"/>
+              </a:ext>
+            </a:extLst>
+          </a:blip>
+          <a:srcRect/>
+          <a:stretch>
+            <a:fillRect/>
+          </a:stretch>
+        </p:blipFill>
+        <p:spPr bwMode="auto">
+          <a:xfrm>
+            <a:off x="424991" y="1884877"/>
+            <a:ext cx="819150" cy="2162175"/>
+          </a:xfrm>
+          <a:prstGeom prst="rect">
+            <a:avLst/>
+          </a:prstGeom>
+          <a:noFill/>
+          <a:ln>
+            <a:noFill/>
+          </a:ln>
+          <a:effectLst/>
+          <a:extLst>
+            <a:ext uri="{909E8E84-426E-40DD-AFC4-6F175D3DCCD1}">
+              <a14:hiddenFill xmlns:a14="http://schemas.microsoft.com/office/drawing/2010/main">
+                <a:solidFill>
+                  <a:schemeClr val="accent1"/>
+                </a:solidFill>
+              </a14:hiddenFill>
+            </a:ext>
+            <a:ext uri="{91240B29-F687-4F45-9708-019B960494DF}">
+              <a14:hiddenLine xmlns:a14="http://schemas.microsoft.com/office/drawing/2010/main" w="9525">
+                <a:solidFill>
+                  <a:schemeClr val="tx1"/>
+                </a:solidFill>
+                <a:miter lim="800000"/>
+                <a:headEnd/>
+                <a:tailEnd/>
+              </a14:hiddenLine>
+            </a:ext>
+            <a:ext uri="{AF507438-7753-43E0-B8FC-AC1667EBCBE1}">
+              <a14:hiddenEffects xmlns:a14="http://schemas.microsoft.com/office/drawing/2010/main">
+                <a:effectLst>
+                  <a:outerShdw dist="35921" dir="2700000" algn="ctr" rotWithShape="0">
+                    <a:schemeClr val="bg2"/>
+                  </a:outerShdw>
+                </a:effectLst>
+              </a14:hiddenEffects>
+            </a:ext>
+          </a:extLst>
+        </p:spPr>
+      </p:pic>
+      <mc:AlternateContent xmlns:mc="http://schemas.openxmlformats.org/markup-compatibility/2006" xmlns:a14="http://schemas.microsoft.com/office/drawing/2010/main">
+        <mc:Choice Requires="a14">
+          <p:graphicFrame>
+            <p:nvGraphicFramePr>
+              <p:cNvPr id="9" name="表格 8"/>
+              <p:cNvGraphicFramePr>
+                <a:graphicFrameLocks noGrp="1"/>
+              </p:cNvGraphicFramePr>
+              <p:nvPr>
+                <p:extLst>
+                  <p:ext uri="{D42A27DB-BD31-4B8C-83A1-F6EECF244321}">
+                    <p14:modId xmlns:p14="http://schemas.microsoft.com/office/powerpoint/2010/main" val="4225386652"/>
+                  </p:ext>
+                </p:extLst>
+              </p:nvPr>
+            </p:nvGraphicFramePr>
+            <p:xfrm>
+              <a:off x="4283968" y="3215640"/>
+              <a:ext cx="2736304" cy="365760"/>
+            </p:xfrm>
+            <a:graphic>
+              <a:graphicData uri="http://schemas.openxmlformats.org/drawingml/2006/table">
+                <a:tbl>
+                  <a:tblPr firstRow="1" bandRow="1">
+                    <a:tableStyleId>{F5AB1C69-6EDB-4FF4-983F-18BD219EF322}</a:tableStyleId>
+                  </a:tblPr>
+                  <a:tblGrid>
+                    <a:gridCol w="684076"/>
+                    <a:gridCol w="684076"/>
+                    <a:gridCol w="684076"/>
+                    <a:gridCol w="684076"/>
+                  </a:tblGrid>
+                  <a:tr h="121796">
+                    <a:tc>
+                      <a:txBody>
+                        <a:bodyPr/>
+                        <a:lstStyle/>
+                        <a:p>
+                          <a:pPr algn="ctr"/>
+                          <a14:m>
+                            <m:oMathPara xmlns:m="http://schemas.openxmlformats.org/officeDocument/2006/math">
+                              <m:oMathParaPr>
+                                <m:jc m:val="centerGroup"/>
+                              </m:oMathParaPr>
+                              <m:oMath xmlns:m="http://schemas.openxmlformats.org/officeDocument/2006/math">
+                                <m:sSub>
+                                  <m:sSubPr>
+                                    <m:ctrlPr>
+                                      <a:rPr lang="en-US" altLang="zh-CN" i="1" smtClean="0">
+                                        <a:latin typeface="Cambria Math"/>
+                                      </a:rPr>
+                                    </m:ctrlPr>
+                                  </m:sSubPr>
+                                  <m:e>
+                                    <m:r>
+                                      <a:rPr lang="zh-CN" altLang="en-US" i="1" smtClean="0">
+                                        <a:latin typeface="Cambria Math"/>
+                                      </a:rPr>
+                                      <m:t>𝜷</m:t>
+                                    </m:r>
+                                  </m:e>
+                                  <m:sub>
+                                    <m:r>
+                                      <a:rPr lang="en-US" altLang="zh-CN" b="1" i="1" smtClean="0">
+                                        <a:latin typeface="Cambria Math"/>
+                                      </a:rPr>
+                                      <m:t>𝟏</m:t>
+                                    </m:r>
+                                  </m:sub>
+                                </m:sSub>
+                              </m:oMath>
+                            </m:oMathPara>
+                          </a14:m>
+                          <a:endParaRPr lang="zh-CN" altLang="en-US" dirty="0"/>
+                        </a:p>
+                      </a:txBody>
+                      <a:tcPr/>
+                    </a:tc>
+                    <a:tc>
+                      <a:txBody>
+                        <a:bodyPr/>
+                        <a:lstStyle/>
+                        <a:p>
+                          <a:pPr algn="ctr"/>
+                          <a14:m>
+                            <m:oMathPara xmlns:m="http://schemas.openxmlformats.org/officeDocument/2006/math">
+                              <m:oMathParaPr>
+                                <m:jc m:val="centerGroup"/>
+                              </m:oMathParaPr>
+                              <m:oMath xmlns:m="http://schemas.openxmlformats.org/officeDocument/2006/math">
+                                <m:sSub>
+                                  <m:sSubPr>
+                                    <m:ctrlPr>
+                                      <a:rPr lang="en-US" altLang="zh-CN" i="1" smtClean="0">
+                                        <a:latin typeface="Cambria Math"/>
+                                      </a:rPr>
+                                    </m:ctrlPr>
+                                  </m:sSubPr>
+                                  <m:e>
+                                    <m:r>
+                                      <a:rPr lang="zh-CN" altLang="en-US" i="1" smtClean="0">
+                                        <a:latin typeface="Cambria Math"/>
+                                      </a:rPr>
+                                      <m:t>𝜷</m:t>
+                                    </m:r>
+                                  </m:e>
+                                  <m:sub>
+                                    <m:r>
+                                      <a:rPr lang="en-US" altLang="zh-CN" b="1" i="1" smtClean="0">
+                                        <a:latin typeface="Cambria Math"/>
+                                      </a:rPr>
+                                      <m:t>𝟐</m:t>
+                                    </m:r>
+                                  </m:sub>
+                                </m:sSub>
+                              </m:oMath>
+                            </m:oMathPara>
+                          </a14:m>
+                          <a:endParaRPr lang="zh-CN" altLang="en-US" dirty="0"/>
+                        </a:p>
+                      </a:txBody>
+                      <a:tcPr/>
+                    </a:tc>
+                    <a:tc>
+                      <a:txBody>
+                        <a:bodyPr/>
+                        <a:lstStyle/>
+                        <a:p>
+                          <a:pPr algn="ctr"/>
+                          <a14:m>
+                            <m:oMathPara xmlns:m="http://schemas.openxmlformats.org/officeDocument/2006/math">
+                              <m:oMathParaPr>
+                                <m:jc m:val="centerGroup"/>
+                              </m:oMathParaPr>
+                              <m:oMath xmlns:m="http://schemas.openxmlformats.org/officeDocument/2006/math">
+                                <m:sSub>
+                                  <m:sSubPr>
+                                    <m:ctrlPr>
+                                      <a:rPr lang="en-US" altLang="zh-CN" i="1" smtClean="0">
+                                        <a:latin typeface="Cambria Math"/>
+                                      </a:rPr>
+                                    </m:ctrlPr>
+                                  </m:sSubPr>
+                                  <m:e>
+                                    <m:r>
+                                      <a:rPr lang="zh-CN" altLang="en-US" i="1" smtClean="0">
+                                        <a:latin typeface="Cambria Math"/>
+                                      </a:rPr>
+                                      <m:t>𝜷</m:t>
+                                    </m:r>
+                                  </m:e>
+                                  <m:sub>
+                                    <m:r>
+                                      <a:rPr lang="en-US" altLang="zh-CN" b="1" i="1" smtClean="0">
+                                        <a:latin typeface="Cambria Math"/>
+                                      </a:rPr>
+                                      <m:t>𝟑</m:t>
+                                    </m:r>
+                                  </m:sub>
+                                </m:sSub>
+                              </m:oMath>
+                            </m:oMathPara>
+                          </a14:m>
+                          <a:endParaRPr lang="zh-CN" altLang="en-US" dirty="0"/>
+                        </a:p>
+                      </a:txBody>
+                      <a:tcPr/>
+                    </a:tc>
+                    <a:tc>
+                      <a:txBody>
+                        <a:bodyPr/>
+                        <a:lstStyle/>
+                        <a:p>
+                          <a:pPr algn="ctr"/>
+                          <a14:m>
+                            <m:oMathPara xmlns:m="http://schemas.openxmlformats.org/officeDocument/2006/math">
+                              <m:oMathParaPr>
+                                <m:jc m:val="centerGroup"/>
+                              </m:oMathParaPr>
+                              <m:oMath xmlns:m="http://schemas.openxmlformats.org/officeDocument/2006/math">
+                                <m:sSub>
+                                  <m:sSubPr>
+                                    <m:ctrlPr>
+                                      <a:rPr lang="en-US" altLang="zh-CN" i="1" smtClean="0">
+                                        <a:latin typeface="Cambria Math"/>
+                                      </a:rPr>
+                                    </m:ctrlPr>
+                                  </m:sSubPr>
+                                  <m:e>
+                                    <m:r>
+                                      <a:rPr lang="zh-CN" altLang="en-US" i="1" smtClean="0">
+                                        <a:latin typeface="Cambria Math"/>
+                                      </a:rPr>
+                                      <m:t>𝜷</m:t>
+                                    </m:r>
+                                  </m:e>
+                                  <m:sub>
+                                    <m:r>
+                                      <a:rPr lang="en-US" altLang="zh-CN" b="1" i="1" smtClean="0">
+                                        <a:latin typeface="Cambria Math"/>
+                                      </a:rPr>
+                                      <m:t>𝟒</m:t>
+                                    </m:r>
+                                  </m:sub>
+                                </m:sSub>
+                              </m:oMath>
+                            </m:oMathPara>
+                          </a14:m>
+                          <a:endParaRPr lang="zh-CN" altLang="en-US" dirty="0"/>
+                        </a:p>
+                      </a:txBody>
+                      <a:tcPr/>
+                    </a:tc>
+                  </a:tr>
+                </a:tbl>
+              </a:graphicData>
+            </a:graphic>
+          </p:graphicFrame>
+        </mc:Choice>
+        <mc:Fallback xmlns="">
+          <p:graphicFrame>
+            <p:nvGraphicFramePr>
+              <p:cNvPr id="9" name="表格 8"/>
+              <p:cNvGraphicFramePr>
+                <a:graphicFrameLocks noGrp="1"/>
+              </p:cNvGraphicFramePr>
+              <p:nvPr>
+                <p:extLst>
+                  <p:ext uri="{D42A27DB-BD31-4B8C-83A1-F6EECF244321}">
+                    <p14:modId xmlns:p14="http://schemas.microsoft.com/office/powerpoint/2010/main" val="4225386652"/>
+                  </p:ext>
+                </p:extLst>
+              </p:nvPr>
+            </p:nvGraphicFramePr>
+            <p:xfrm>
+              <a:off x="4283968" y="3215640"/>
+              <a:ext cx="2736304" cy="365760"/>
+            </p:xfrm>
+            <a:graphic>
+              <a:graphicData uri="http://schemas.openxmlformats.org/drawingml/2006/table">
+                <a:tbl>
+                  <a:tblPr firstRow="1" bandRow="1">
+                    <a:tableStyleId>{F5AB1C69-6EDB-4FF4-983F-18BD219EF322}</a:tableStyleId>
+                  </a:tblPr>
+                  <a:tblGrid>
+                    <a:gridCol w="684076"/>
+                    <a:gridCol w="684076"/>
+                    <a:gridCol w="684076"/>
+                    <a:gridCol w="684076"/>
+                  </a:tblGrid>
+                  <a:tr h="365760">
+                    <a:tc>
+                      <a:txBody>
+                        <a:bodyPr/>
+                        <a:lstStyle/>
+                        <a:p>
+                          <a:endParaRPr lang="zh-CN"/>
+                        </a:p>
+                      </a:txBody>
+                      <a:tcPr>
+                        <a:blipFill rotWithShape="1">
+                          <a:blip r:embed="rId3"/>
+                          <a:stretch>
+                            <a:fillRect l="-893" t="-1667" r="-300893" b="-11667"/>
+                          </a:stretch>
+                        </a:blipFill>
+                      </a:tcPr>
+                    </a:tc>
+                    <a:tc>
+                      <a:txBody>
+                        <a:bodyPr/>
+                        <a:lstStyle/>
+                        <a:p>
+                          <a:endParaRPr lang="zh-CN"/>
+                        </a:p>
+                      </a:txBody>
+                      <a:tcPr>
+                        <a:blipFill rotWithShape="1">
+                          <a:blip r:embed="rId3"/>
+                          <a:stretch>
+                            <a:fillRect l="-100000" t="-1667" r="-198230" b="-11667"/>
+                          </a:stretch>
+                        </a:blipFill>
+                      </a:tcPr>
+                    </a:tc>
+                    <a:tc>
+                      <a:txBody>
+                        <a:bodyPr/>
+                        <a:lstStyle/>
+                        <a:p>
+                          <a:endParaRPr lang="zh-CN"/>
+                        </a:p>
+                      </a:txBody>
+                      <a:tcPr>
+                        <a:blipFill rotWithShape="1">
+                          <a:blip r:embed="rId3"/>
+                          <a:stretch>
+                            <a:fillRect l="-201786" t="-1667" r="-100000" b="-11667"/>
+                          </a:stretch>
+                        </a:blipFill>
+                      </a:tcPr>
+                    </a:tc>
+                    <a:tc>
+                      <a:txBody>
+                        <a:bodyPr/>
+                        <a:lstStyle/>
+                        <a:p>
+                          <a:endParaRPr lang="zh-CN"/>
+                        </a:p>
+                      </a:txBody>
+                      <a:tcPr>
+                        <a:blipFill rotWithShape="1">
+                          <a:blip r:embed="rId3"/>
+                          <a:stretch>
+                            <a:fillRect l="-301786" t="-1667" b="-11667"/>
+                          </a:stretch>
+                        </a:blipFill>
+                      </a:tcPr>
+                    </a:tc>
+                  </a:tr>
+                </a:tbl>
+              </a:graphicData>
+            </a:graphic>
+          </p:graphicFrame>
+        </mc:Fallback>
+      </mc:AlternateContent>
+      <p:sp>
+        <p:nvSpPr>
+          <p:cNvPr id="10" name="TextBox 9"/>
+          <p:cNvSpPr txBox="1"/>
+          <p:nvPr/>
+        </p:nvSpPr>
+        <p:spPr>
+          <a:xfrm>
+            <a:off x="5456710" y="2636912"/>
+            <a:ext cx="410690" cy="584775"/>
+          </a:xfrm>
+          <a:prstGeom prst="rect">
+            <a:avLst/>
+          </a:prstGeom>
+          <a:noFill/>
+        </p:spPr>
+        <p:txBody>
+          <a:bodyPr wrap="none" rtlCol="0">
+            <a:spAutoFit/>
+          </a:bodyPr>
+          <a:lstStyle/>
+          <a:p>
+            <a:r>
+              <a:rPr lang="en-US" altLang="zh-CN" sz="3200" b="1" dirty="0" smtClean="0"/>
+              <a:t>X</a:t>
+            </a:r>
+            <a:endParaRPr lang="zh-CN" altLang="en-US" sz="3200" b="1" dirty="0"/>
+          </a:p>
+        </p:txBody>
+      </p:sp>
+      <mc:AlternateContent xmlns:mc="http://schemas.openxmlformats.org/markup-compatibility/2006" xmlns:a14="http://schemas.microsoft.com/office/drawing/2010/main">
+        <mc:Choice Requires="a14">
+          <p:graphicFrame>
+            <p:nvGraphicFramePr>
+              <p:cNvPr id="11" name="表格 10"/>
+              <p:cNvGraphicFramePr>
+                <a:graphicFrameLocks noGrp="1"/>
+              </p:cNvGraphicFramePr>
+              <p:nvPr>
+                <p:extLst>
+                  <p:ext uri="{D42A27DB-BD31-4B8C-83A1-F6EECF244321}">
+                    <p14:modId xmlns:p14="http://schemas.microsoft.com/office/powerpoint/2010/main" val="965873073"/>
+                  </p:ext>
+                </p:extLst>
+              </p:nvPr>
+            </p:nvGraphicFramePr>
+            <p:xfrm>
+              <a:off x="4076328" y="4415512"/>
+              <a:ext cx="3543672" cy="741680"/>
+            </p:xfrm>
+            <a:graphic>
+              <a:graphicData uri="http://schemas.openxmlformats.org/drawingml/2006/table">
+                <a:tbl>
+                  <a:tblPr firstRow="1" bandRow="1">
+                    <a:tableStyleId>{5C22544A-7EE6-4342-B048-85BDC9FD1C3A}</a:tableStyleId>
+                  </a:tblPr>
+                  <a:tblGrid>
+                    <a:gridCol w="885918"/>
+                    <a:gridCol w="885918"/>
+                    <a:gridCol w="885918"/>
+                    <a:gridCol w="885918"/>
+                  </a:tblGrid>
+                  <a:tr h="370840">
+                    <a:tc>
+                      <a:txBody>
+                        <a:bodyPr/>
+                        <a:lstStyle/>
+                        <a:p>
+                          <a:pPr algn="ctr"/>
+                          <a:r>
+                            <a:rPr lang="en-US" altLang="zh-CN" dirty="0" smtClean="0"/>
+                            <a:t>Coke</a:t>
+                          </a:r>
+                          <a:endParaRPr lang="zh-CN" altLang="en-US" dirty="0"/>
+                        </a:p>
+                      </a:txBody>
+                      <a:tcPr/>
+                    </a:tc>
+                    <a:tc>
+                      <a:txBody>
+                        <a:bodyPr/>
+                        <a:lstStyle/>
+                        <a:p>
+                          <a:pPr algn="ctr"/>
+                          <a:r>
+                            <a:rPr lang="en-US" altLang="zh-CN" dirty="0" smtClean="0"/>
+                            <a:t>Pepsi</a:t>
+                          </a:r>
+                          <a:endParaRPr lang="zh-CN" altLang="en-US" dirty="0"/>
+                        </a:p>
+                      </a:txBody>
+                      <a:tcPr/>
+                    </a:tc>
+                    <a:tc>
+                      <a:txBody>
+                        <a:bodyPr/>
+                        <a:lstStyle/>
+                        <a:p>
+                          <a:pPr algn="ctr"/>
+                          <a:r>
+                            <a:rPr lang="en-US" altLang="zh-CN" sz="1700" dirty="0" smtClean="0"/>
+                            <a:t>Fanta</a:t>
+                          </a:r>
+                          <a:endParaRPr lang="zh-CN" altLang="en-US" sz="1700" dirty="0"/>
+                        </a:p>
+                      </a:txBody>
+                      <a:tcPr/>
+                    </a:tc>
+                    <a:tc>
+                      <a:txBody>
+                        <a:bodyPr/>
+                        <a:lstStyle/>
+                        <a:p>
+                          <a:pPr algn="ctr"/>
+                          <a:r>
+                            <a:rPr lang="en-US" altLang="zh-CN" sz="1600" dirty="0" smtClean="0"/>
+                            <a:t>Sprite</a:t>
+                          </a:r>
+                          <a:endParaRPr lang="zh-CN" altLang="en-US" sz="1500" dirty="0"/>
+                        </a:p>
+                      </a:txBody>
+                      <a:tcPr/>
+                    </a:tc>
+                  </a:tr>
+                  <a:tr h="370840">
+                    <a:tc>
+                      <a:txBody>
+                        <a:bodyPr/>
+                        <a:lstStyle/>
+                        <a:p>
+                          <a:pPr algn="ctr"/>
+                          <a:r>
+                            <a:rPr lang="en-US" altLang="zh-CN" dirty="0" smtClean="0"/>
+                            <a:t>0.4</a:t>
+                          </a:r>
+                          <a14:m>
+                            <m:oMath xmlns:m="http://schemas.openxmlformats.org/officeDocument/2006/math">
+                              <m:sSub>
+                                <m:sSubPr>
+                                  <m:ctrlPr>
+                                    <a:rPr lang="en-US" altLang="zh-CN" i="1" smtClean="0">
+                                      <a:latin typeface="Cambria Math"/>
+                                    </a:rPr>
+                                  </m:ctrlPr>
+                                </m:sSubPr>
+                                <m:e>
+                                  <m:r>
+                                    <a:rPr lang="zh-CN" altLang="en-US" i="1" smtClean="0">
+                                      <a:latin typeface="Cambria Math"/>
+                                    </a:rPr>
+                                    <m:t>𝜷</m:t>
+                                  </m:r>
+                                </m:e>
+                                <m:sub>
+                                  <m:r>
+                                    <a:rPr lang="en-US" altLang="zh-CN" b="1" i="1" smtClean="0">
+                                      <a:latin typeface="Cambria Math"/>
+                                    </a:rPr>
+                                    <m:t>𝟏</m:t>
+                                  </m:r>
+                                </m:sub>
+                              </m:sSub>
+                            </m:oMath>
+                          </a14:m>
+                          <a:endParaRPr lang="zh-CN" altLang="en-US" dirty="0"/>
+                        </a:p>
+                      </a:txBody>
+                      <a:tcPr/>
+                    </a:tc>
+                    <a:tc>
+                      <a:txBody>
+                        <a:bodyPr/>
+                        <a:lstStyle/>
+                        <a:p>
+                          <a:pPr algn="ctr"/>
+                          <a14:m>
+                            <m:oMathPara xmlns:m="http://schemas.openxmlformats.org/officeDocument/2006/math">
+                              <m:oMathParaPr>
+                                <m:jc m:val="centerGroup"/>
+                              </m:oMathParaPr>
+                              <m:oMath xmlns:m="http://schemas.openxmlformats.org/officeDocument/2006/math">
+                                <m:sSub>
+                                  <m:sSubPr>
+                                    <m:ctrlPr>
+                                      <a:rPr lang="en-US" altLang="zh-CN" i="1" smtClean="0">
+                                        <a:latin typeface="Cambria Math"/>
+                                      </a:rPr>
+                                    </m:ctrlPr>
+                                  </m:sSubPr>
+                                  <m:e>
+                                    <m:r>
+                                      <a:rPr lang="en-US" altLang="zh-CN" b="0" i="1" smtClean="0">
+                                        <a:latin typeface="Cambria Math"/>
+                                      </a:rPr>
+                                      <m:t>0.1</m:t>
+                                    </m:r>
+                                    <m:r>
+                                      <a:rPr lang="zh-CN" altLang="en-US" i="1" smtClean="0">
+                                        <a:latin typeface="Cambria Math"/>
+                                      </a:rPr>
+                                      <m:t>𝜷</m:t>
+                                    </m:r>
+                                  </m:e>
+                                  <m:sub>
+                                    <m:r>
+                                      <a:rPr lang="en-US" altLang="zh-CN" b="1" i="1" smtClean="0">
+                                        <a:latin typeface="Cambria Math"/>
+                                      </a:rPr>
+                                      <m:t>𝟐</m:t>
+                                    </m:r>
+                                  </m:sub>
+                                </m:sSub>
+                              </m:oMath>
+                            </m:oMathPara>
+                          </a14:m>
+                          <a:endParaRPr lang="zh-CN" altLang="en-US" dirty="0"/>
+                        </a:p>
+                      </a:txBody>
+                      <a:tcPr/>
+                    </a:tc>
+                    <a:tc>
+                      <a:txBody>
+                        <a:bodyPr/>
+                        <a:lstStyle/>
+                        <a:p>
+                          <a:pPr algn="ctr"/>
+                          <a14:m>
+                            <m:oMathPara xmlns:m="http://schemas.openxmlformats.org/officeDocument/2006/math">
+                              <m:oMathParaPr>
+                                <m:jc m:val="centerGroup"/>
+                              </m:oMathParaPr>
+                              <m:oMath xmlns:m="http://schemas.openxmlformats.org/officeDocument/2006/math">
+                                <m:sSub>
+                                  <m:sSubPr>
+                                    <m:ctrlPr>
+                                      <a:rPr lang="en-US" altLang="zh-CN" i="1" smtClean="0">
+                                        <a:latin typeface="Cambria Math"/>
+                                      </a:rPr>
+                                    </m:ctrlPr>
+                                  </m:sSubPr>
+                                  <m:e>
+                                    <m:r>
+                                      <a:rPr lang="en-US" altLang="zh-CN" b="0" i="1" smtClean="0">
+                                        <a:latin typeface="Cambria Math"/>
+                                      </a:rPr>
+                                      <m:t>0.2</m:t>
+                                    </m:r>
+                                    <m:r>
+                                      <a:rPr lang="zh-CN" altLang="en-US" i="1" smtClean="0">
+                                        <a:latin typeface="Cambria Math"/>
+                                      </a:rPr>
+                                      <m:t>𝜷</m:t>
+                                    </m:r>
+                                  </m:e>
+                                  <m:sub>
+                                    <m:r>
+                                      <a:rPr lang="en-US" altLang="zh-CN" b="1" i="1" smtClean="0">
+                                        <a:latin typeface="Cambria Math"/>
+                                      </a:rPr>
+                                      <m:t>𝟑</m:t>
+                                    </m:r>
+                                  </m:sub>
+                                </m:sSub>
+                              </m:oMath>
+                            </m:oMathPara>
+                          </a14:m>
+                          <a:endParaRPr lang="zh-CN" altLang="en-US" dirty="0"/>
+                        </a:p>
+                      </a:txBody>
+                      <a:tcPr/>
+                    </a:tc>
+                    <a:tc>
+                      <a:txBody>
+                        <a:bodyPr/>
+                        <a:lstStyle/>
+                        <a:p>
+                          <a:pPr algn="ctr"/>
+                          <a14:m>
+                            <m:oMathPara xmlns:m="http://schemas.openxmlformats.org/officeDocument/2006/math">
+                              <m:oMathParaPr>
+                                <m:jc m:val="centerGroup"/>
+                              </m:oMathParaPr>
+                              <m:oMath xmlns:m="http://schemas.openxmlformats.org/officeDocument/2006/math">
+                                <m:sSub>
+                                  <m:sSubPr>
+                                    <m:ctrlPr>
+                                      <a:rPr lang="en-US" altLang="zh-CN" i="1" smtClean="0">
+                                        <a:latin typeface="Cambria Math"/>
+                                      </a:rPr>
+                                    </m:ctrlPr>
+                                  </m:sSubPr>
+                                  <m:e>
+                                    <m:r>
+                                      <a:rPr lang="en-US" altLang="zh-CN" b="0" i="1" smtClean="0">
+                                        <a:latin typeface="Cambria Math"/>
+                                      </a:rPr>
+                                      <m:t>0.3</m:t>
+                                    </m:r>
+                                    <m:r>
+                                      <a:rPr lang="zh-CN" altLang="en-US" i="1" smtClean="0">
+                                        <a:latin typeface="Cambria Math"/>
+                                      </a:rPr>
+                                      <m:t>𝜷</m:t>
+                                    </m:r>
+                                  </m:e>
+                                  <m:sub>
+                                    <m:r>
+                                      <a:rPr lang="en-US" altLang="zh-CN" b="1" i="1" smtClean="0">
+                                        <a:latin typeface="Cambria Math"/>
+                                      </a:rPr>
+                                      <m:t>𝟒</m:t>
+                                    </m:r>
+                                  </m:sub>
+                                </m:sSub>
+                              </m:oMath>
+                            </m:oMathPara>
+                          </a14:m>
+                          <a:endParaRPr lang="zh-CN" altLang="en-US" dirty="0"/>
+                        </a:p>
+                      </a:txBody>
+                      <a:tcPr/>
+                    </a:tc>
+                  </a:tr>
+                </a:tbl>
+              </a:graphicData>
+            </a:graphic>
+          </p:graphicFrame>
+        </mc:Choice>
+        <mc:Fallback xmlns="">
+          <p:graphicFrame>
+            <p:nvGraphicFramePr>
+              <p:cNvPr id="11" name="表格 10"/>
+              <p:cNvGraphicFramePr>
+                <a:graphicFrameLocks noGrp="1"/>
+              </p:cNvGraphicFramePr>
+              <p:nvPr>
+                <p:extLst>
+                  <p:ext uri="{D42A27DB-BD31-4B8C-83A1-F6EECF244321}">
+                    <p14:modId xmlns:p14="http://schemas.microsoft.com/office/powerpoint/2010/main" val="965873073"/>
+                  </p:ext>
+                </p:extLst>
+              </p:nvPr>
+            </p:nvGraphicFramePr>
+            <p:xfrm>
+              <a:off x="4076328" y="4415512"/>
+              <a:ext cx="3543672" cy="741680"/>
+            </p:xfrm>
+            <a:graphic>
+              <a:graphicData uri="http://schemas.openxmlformats.org/drawingml/2006/table">
+                <a:tbl>
+                  <a:tblPr firstRow="1" bandRow="1">
+                    <a:tableStyleId>{5C22544A-7EE6-4342-B048-85BDC9FD1C3A}</a:tableStyleId>
+                  </a:tblPr>
+                  <a:tblGrid>
+                    <a:gridCol w="885918"/>
+                    <a:gridCol w="885918"/>
+                    <a:gridCol w="885918"/>
+                    <a:gridCol w="885918"/>
+                  </a:tblGrid>
+                  <a:tr h="370840">
+                    <a:tc>
+                      <a:txBody>
+                        <a:bodyPr/>
+                        <a:lstStyle/>
+                        <a:p>
+                          <a:pPr algn="ctr"/>
+                          <a:r>
+                            <a:rPr lang="en-US" altLang="zh-CN" dirty="0" smtClean="0"/>
+                            <a:t>Coke</a:t>
+                          </a:r>
+                          <a:endParaRPr lang="zh-CN" altLang="en-US" dirty="0"/>
+                        </a:p>
+                      </a:txBody>
+                      <a:tcPr/>
+                    </a:tc>
+                    <a:tc>
+                      <a:txBody>
+                        <a:bodyPr/>
+                        <a:lstStyle/>
+                        <a:p>
+                          <a:pPr algn="ctr"/>
+                          <a:r>
+                            <a:rPr lang="en-US" altLang="zh-CN" dirty="0" smtClean="0"/>
+                            <a:t>Pepsi</a:t>
+                          </a:r>
+                          <a:endParaRPr lang="zh-CN" altLang="en-US" dirty="0"/>
+                        </a:p>
+                      </a:txBody>
+                      <a:tcPr/>
+                    </a:tc>
+                    <a:tc>
+                      <a:txBody>
+                        <a:bodyPr/>
+                        <a:lstStyle/>
+                        <a:p>
+                          <a:pPr algn="ctr"/>
+                          <a:r>
+                            <a:rPr lang="en-US" altLang="zh-CN" sz="1700" dirty="0" smtClean="0"/>
+                            <a:t>Fanta</a:t>
+                          </a:r>
+                          <a:endParaRPr lang="zh-CN" altLang="en-US" sz="1700" dirty="0"/>
+                        </a:p>
+                      </a:txBody>
+                      <a:tcPr/>
+                    </a:tc>
+                    <a:tc>
+                      <a:txBody>
+                        <a:bodyPr/>
+                        <a:lstStyle/>
+                        <a:p>
+                          <a:pPr algn="ctr"/>
+                          <a:r>
+                            <a:rPr lang="en-US" altLang="zh-CN" sz="1600" dirty="0" smtClean="0"/>
+                            <a:t>Sprite</a:t>
+                          </a:r>
+                          <a:endParaRPr lang="zh-CN" altLang="en-US" sz="1500" dirty="0"/>
+                        </a:p>
+                      </a:txBody>
+                      <a:tcPr/>
+                    </a:tc>
+                  </a:tr>
+                  <a:tr h="370840">
+                    <a:tc>
+                      <a:txBody>
+                        <a:bodyPr/>
+                        <a:lstStyle/>
+                        <a:p>
+                          <a:endParaRPr lang="zh-CN"/>
+                        </a:p>
+                      </a:txBody>
+                      <a:tcPr>
+                        <a:blipFill rotWithShape="1">
+                          <a:blip r:embed="rId4"/>
+                          <a:stretch>
+                            <a:fillRect l="-690" t="-108197" r="-300690" b="-24590"/>
+                          </a:stretch>
+                        </a:blipFill>
+                      </a:tcPr>
+                    </a:tc>
+                    <a:tc>
+                      <a:txBody>
+                        <a:bodyPr/>
+                        <a:lstStyle/>
+                        <a:p>
+                          <a:endParaRPr lang="zh-CN"/>
+                        </a:p>
+                      </a:txBody>
+                      <a:tcPr>
+                        <a:blipFill rotWithShape="1">
+                          <a:blip r:embed="rId4"/>
+                          <a:stretch>
+                            <a:fillRect l="-100000" t="-108197" r="-198630" b="-24590"/>
+                          </a:stretch>
+                        </a:blipFill>
+                      </a:tcPr>
+                    </a:tc>
+                    <a:tc>
+                      <a:txBody>
+                        <a:bodyPr/>
+                        <a:lstStyle/>
+                        <a:p>
+                          <a:endParaRPr lang="zh-CN"/>
+                        </a:p>
+                      </a:txBody>
+                      <a:tcPr>
+                        <a:blipFill rotWithShape="1">
+                          <a:blip r:embed="rId4"/>
+                          <a:stretch>
+                            <a:fillRect l="-201379" t="-108197" r="-100000" b="-24590"/>
+                          </a:stretch>
+                        </a:blipFill>
+                      </a:tcPr>
+                    </a:tc>
+                    <a:tc>
+                      <a:txBody>
+                        <a:bodyPr/>
+                        <a:lstStyle/>
+                        <a:p>
+                          <a:endParaRPr lang="zh-CN"/>
+                        </a:p>
+                      </a:txBody>
+                      <a:tcPr>
+                        <a:blipFill rotWithShape="1">
+                          <a:blip r:embed="rId4"/>
+                          <a:stretch>
+                            <a:fillRect l="-301379" t="-108197" b="-24590"/>
+                          </a:stretch>
+                        </a:blipFill>
+                      </a:tcPr>
+                    </a:tc>
+                  </a:tr>
+                </a:tbl>
+              </a:graphicData>
+            </a:graphic>
+          </p:graphicFrame>
+        </mc:Fallback>
+      </mc:AlternateContent>
+      <p:sp>
+        <p:nvSpPr>
+          <p:cNvPr id="12" name="下箭头 11"/>
+          <p:cNvSpPr/>
+          <p:nvPr/>
+        </p:nvSpPr>
+        <p:spPr>
+          <a:xfrm>
+            <a:off x="5507360" y="3733800"/>
+            <a:ext cx="360040" cy="432048"/>
+          </a:xfrm>
+          <a:prstGeom prst="downArrow">
+            <a:avLst/>
+          </a:prstGeom>
+          <a:solidFill>
+            <a:schemeClr val="accent1"/>
+          </a:solidFill>
+          <a:ln>
+            <a:noFill/>
+          </a:ln>
+        </p:spPr>
+        <p:style>
+          <a:lnRef idx="2">
+            <a:schemeClr val="accent1">
+              <a:shade val="50000"/>
+            </a:schemeClr>
+          </a:lnRef>
+          <a:fillRef idx="1">
+            <a:schemeClr val="accent1"/>
+          </a:fillRef>
+          <a:effectRef idx="0">
+            <a:schemeClr val="accent1"/>
+          </a:effectRef>
+          <a:fontRef idx="minor">
+            <a:schemeClr val="lt1"/>
+          </a:fontRef>
+        </p:style>
+        <p:txBody>
+          <a:bodyPr rtlCol="0" anchor="ctr"/>
+          <a:lstStyle/>
+          <a:p>
+            <a:pPr algn="ctr"/>
+            <a:endParaRPr lang="zh-CN" altLang="en-US"/>
+          </a:p>
+        </p:txBody>
+      </p:sp>
+      <p:graphicFrame>
+        <p:nvGraphicFramePr>
+          <p:cNvPr id="13" name="表格 12"/>
+          <p:cNvGraphicFramePr>
+            <a:graphicFrameLocks noGrp="1"/>
+          </p:cNvGraphicFramePr>
+          <p:nvPr>
+            <p:extLst>
+              <p:ext uri="{D42A27DB-BD31-4B8C-83A1-F6EECF244321}">
+                <p14:modId xmlns:p14="http://schemas.microsoft.com/office/powerpoint/2010/main" val="2073629362"/>
+              </p:ext>
+            </p:extLst>
+          </p:nvPr>
+        </p:nvGraphicFramePr>
+        <p:xfrm>
+          <a:off x="2627784" y="5650448"/>
+          <a:ext cx="2736304" cy="741680"/>
+        </p:xfrm>
+        <a:graphic>
+          <a:graphicData uri="http://schemas.openxmlformats.org/drawingml/2006/table">
+            <a:tbl>
+              <a:tblPr firstRow="1" bandRow="1">
+                <a:tableStyleId>{93296810-A885-4BE3-A3E7-6D5BEEA58F35}</a:tableStyleId>
+              </a:tblPr>
+              <a:tblGrid>
+                <a:gridCol w="684076"/>
+                <a:gridCol w="684076"/>
+                <a:gridCol w="684076"/>
+                <a:gridCol w="684076"/>
+              </a:tblGrid>
+              <a:tr h="370840">
+                <a:tc>
+                  <a:txBody>
+                    <a:bodyPr/>
+                    <a:lstStyle/>
+                    <a:p>
+                      <a:pPr algn="ctr"/>
+                      <a:r>
+                        <a:rPr lang="en-US" altLang="zh-CN" dirty="0" smtClean="0"/>
+                        <a:t>Coke</a:t>
+                      </a:r>
+                      <a:endParaRPr lang="zh-CN" altLang="en-US" dirty="0"/>
+                    </a:p>
+                  </a:txBody>
+                  <a:tcPr/>
+                </a:tc>
+                <a:tc>
+                  <a:txBody>
+                    <a:bodyPr/>
+                    <a:lstStyle/>
+                    <a:p>
+                      <a:pPr algn="ctr"/>
+                      <a:r>
+                        <a:rPr lang="en-US" altLang="zh-CN" dirty="0" smtClean="0"/>
+                        <a:t>Pepsi</a:t>
+                      </a:r>
+                      <a:endParaRPr lang="zh-CN" altLang="en-US" dirty="0"/>
+                    </a:p>
+                  </a:txBody>
+                  <a:tcPr/>
+                </a:tc>
+                <a:tc>
+                  <a:txBody>
+                    <a:bodyPr/>
+                    <a:lstStyle/>
+                    <a:p>
+                      <a:pPr algn="ctr"/>
+                      <a:r>
+                        <a:rPr lang="en-US" altLang="zh-CN" sz="1700" dirty="0" smtClean="0"/>
+                        <a:t>Fanta</a:t>
+                      </a:r>
+                      <a:endParaRPr lang="zh-CN" altLang="en-US" sz="1700" dirty="0"/>
+                    </a:p>
+                  </a:txBody>
+                  <a:tcPr/>
+                </a:tc>
+                <a:tc>
+                  <a:txBody>
+                    <a:bodyPr/>
+                    <a:lstStyle/>
+                    <a:p>
+                      <a:pPr algn="ctr"/>
+                      <a:r>
+                        <a:rPr lang="en-US" altLang="zh-CN" sz="1600" dirty="0" smtClean="0"/>
+                        <a:t>Sprite</a:t>
+                      </a:r>
+                      <a:endParaRPr lang="zh-CN" altLang="en-US" sz="1600" dirty="0"/>
+                    </a:p>
+                  </a:txBody>
+                  <a:tcPr/>
+                </a:tc>
+              </a:tr>
+              <a:tr h="370840">
+                <a:tc>
+                  <a:txBody>
+                    <a:bodyPr/>
+                    <a:lstStyle/>
+                    <a:p>
+                      <a:pPr algn="ctr"/>
+                      <a:r>
+                        <a:rPr lang="en-US" altLang="zh-CN" dirty="0" smtClean="0">
+                          <a:solidFill>
+                            <a:srgbClr val="FF0000"/>
+                          </a:solidFill>
+                        </a:rPr>
+                        <a:t>1</a:t>
+                      </a:r>
+                      <a:endParaRPr lang="zh-CN" altLang="en-US" dirty="0">
+                        <a:solidFill>
+                          <a:srgbClr val="FF0000"/>
+                        </a:solidFill>
+                      </a:endParaRPr>
+                    </a:p>
+                  </a:txBody>
+                  <a:tcPr/>
+                </a:tc>
+                <a:tc>
+                  <a:txBody>
+                    <a:bodyPr/>
+                    <a:lstStyle/>
+                    <a:p>
+                      <a:pPr algn="ctr"/>
+                      <a:r>
+                        <a:rPr lang="en-US" altLang="zh-CN" dirty="0" smtClean="0"/>
+                        <a:t>0</a:t>
+                      </a:r>
+                      <a:endParaRPr lang="zh-CN" altLang="en-US" dirty="0"/>
+                    </a:p>
+                  </a:txBody>
+                  <a:tcPr/>
+                </a:tc>
+                <a:tc>
+                  <a:txBody>
+                    <a:bodyPr/>
+                    <a:lstStyle/>
+                    <a:p>
+                      <a:pPr algn="ctr"/>
+                      <a:r>
+                        <a:rPr lang="en-US" altLang="zh-CN" dirty="0" smtClean="0"/>
+                        <a:t>0</a:t>
+                      </a:r>
+                      <a:endParaRPr lang="zh-CN" altLang="en-US" dirty="0"/>
+                    </a:p>
+                  </a:txBody>
+                  <a:tcPr/>
+                </a:tc>
+                <a:tc>
+                  <a:txBody>
+                    <a:bodyPr/>
+                    <a:lstStyle/>
+                    <a:p>
+                      <a:pPr algn="ctr"/>
+                      <a:r>
+                        <a:rPr lang="en-US" altLang="zh-CN" dirty="0" smtClean="0"/>
+                        <a:t>0</a:t>
+                      </a:r>
+                      <a:endParaRPr lang="zh-CN" altLang="en-US" dirty="0"/>
+                    </a:p>
+                  </a:txBody>
+                  <a:tcPr/>
+                </a:tc>
+              </a:tr>
+            </a:tbl>
+          </a:graphicData>
+        </a:graphic>
+      </p:graphicFrame>
+      <p:sp>
+        <p:nvSpPr>
+          <p:cNvPr id="14" name="圆角矩形 13"/>
+          <p:cNvSpPr/>
+          <p:nvPr/>
+        </p:nvSpPr>
+        <p:spPr>
+          <a:xfrm>
+            <a:off x="2051720" y="2996952"/>
+            <a:ext cx="1571743" cy="864096"/>
+          </a:xfrm>
+          <a:prstGeom prst="roundRect">
+            <a:avLst/>
+          </a:prstGeom>
+          <a:solidFill>
+            <a:schemeClr val="accent2"/>
+          </a:solidFill>
+          <a:ln>
+            <a:noFill/>
+          </a:ln>
+        </p:spPr>
+        <p:style>
+          <a:lnRef idx="2">
+            <a:schemeClr val="accent1">
+              <a:shade val="50000"/>
+            </a:schemeClr>
+          </a:lnRef>
+          <a:fillRef idx="1">
+            <a:schemeClr val="accent1"/>
+          </a:fillRef>
+          <a:effectRef idx="0">
+            <a:schemeClr val="accent1"/>
+          </a:effectRef>
+          <a:fontRef idx="minor">
+            <a:schemeClr val="lt1"/>
+          </a:fontRef>
+        </p:style>
+        <p:txBody>
+          <a:bodyPr rtlCol="0" anchor="ctr"/>
+          <a:lstStyle/>
+          <a:p>
+            <a:pPr algn="ctr"/>
+            <a:r>
+              <a:rPr lang="en-US" altLang="zh-CN" sz="2000" dirty="0" smtClean="0"/>
+              <a:t>Model from Target Data</a:t>
+            </a:r>
+            <a:endParaRPr lang="zh-CN" altLang="en-US" sz="2000" dirty="0"/>
+          </a:p>
+        </p:txBody>
+      </p:sp>
+      <p:sp>
+        <p:nvSpPr>
+          <p:cNvPr id="15" name="右箭头 14"/>
+          <p:cNvSpPr/>
+          <p:nvPr/>
+        </p:nvSpPr>
+        <p:spPr>
+          <a:xfrm>
+            <a:off x="1413976" y="3212976"/>
+            <a:ext cx="432048" cy="360040"/>
+          </a:xfrm>
+          <a:prstGeom prst="rightArrow">
+            <a:avLst/>
+          </a:prstGeom>
+          <a:solidFill>
+            <a:schemeClr val="accent2"/>
+          </a:solidFill>
+          <a:ln>
+            <a:noFill/>
+          </a:ln>
+        </p:spPr>
+        <p:style>
+          <a:lnRef idx="2">
+            <a:schemeClr val="accent1">
+              <a:shade val="50000"/>
+            </a:schemeClr>
+          </a:lnRef>
+          <a:fillRef idx="1">
+            <a:schemeClr val="accent1"/>
+          </a:fillRef>
+          <a:effectRef idx="0">
+            <a:schemeClr val="accent1"/>
+          </a:effectRef>
+          <a:fontRef idx="minor">
+            <a:schemeClr val="lt1"/>
+          </a:fontRef>
+        </p:style>
+        <p:txBody>
+          <a:bodyPr rtlCol="0" anchor="ctr"/>
+          <a:lstStyle/>
+          <a:p>
+            <a:pPr algn="ctr"/>
+            <a:endParaRPr lang="zh-CN" altLang="en-US"/>
+          </a:p>
+        </p:txBody>
+      </p:sp>
+      <p:sp>
+        <p:nvSpPr>
+          <p:cNvPr id="17" name="右箭头 16"/>
+          <p:cNvSpPr/>
+          <p:nvPr/>
+        </p:nvSpPr>
+        <p:spPr>
+          <a:xfrm rot="5400000">
+            <a:off x="2591780" y="3969060"/>
+            <a:ext cx="432048" cy="360040"/>
+          </a:xfrm>
+          <a:prstGeom prst="rightArrow">
+            <a:avLst/>
+          </a:prstGeom>
+          <a:solidFill>
+            <a:schemeClr val="accent2"/>
+          </a:solidFill>
+          <a:ln>
+            <a:noFill/>
+          </a:ln>
+        </p:spPr>
+        <p:style>
+          <a:lnRef idx="2">
+            <a:schemeClr val="accent1">
+              <a:shade val="50000"/>
+            </a:schemeClr>
+          </a:lnRef>
+          <a:fillRef idx="1">
+            <a:schemeClr val="accent1"/>
+          </a:fillRef>
+          <a:effectRef idx="0">
+            <a:schemeClr val="accent1"/>
+          </a:effectRef>
+          <a:fontRef idx="minor">
+            <a:schemeClr val="lt1"/>
+          </a:fontRef>
+        </p:style>
+        <p:txBody>
+          <a:bodyPr rtlCol="0" anchor="ctr"/>
+          <a:lstStyle/>
+          <a:p>
+            <a:pPr algn="ctr"/>
+            <a:endParaRPr lang="zh-CN" altLang="en-US"/>
+          </a:p>
+        </p:txBody>
+      </p:sp>
+      <mc:AlternateContent xmlns:mc="http://schemas.openxmlformats.org/markup-compatibility/2006" xmlns:a14="http://schemas.microsoft.com/office/drawing/2010/main">
+        <mc:Choice Requires="a14">
+          <p:graphicFrame>
+            <p:nvGraphicFramePr>
+              <p:cNvPr id="20" name="表格 19"/>
+              <p:cNvGraphicFramePr>
+                <a:graphicFrameLocks noGrp="1"/>
+              </p:cNvGraphicFramePr>
+              <p:nvPr>
+                <p:extLst>
+                  <p:ext uri="{D42A27DB-BD31-4B8C-83A1-F6EECF244321}">
+                    <p14:modId xmlns:p14="http://schemas.microsoft.com/office/powerpoint/2010/main" val="105289110"/>
+                  </p:ext>
+                </p:extLst>
+              </p:nvPr>
+            </p:nvGraphicFramePr>
+            <p:xfrm>
+              <a:off x="424992" y="4415512"/>
+              <a:ext cx="3282912" cy="741680"/>
+            </p:xfrm>
+            <a:graphic>
+              <a:graphicData uri="http://schemas.openxmlformats.org/drawingml/2006/table">
+                <a:tbl>
+                  <a:tblPr firstRow="1" bandRow="1">
+                    <a:tableStyleId>{21E4AEA4-8DFA-4A89-87EB-49C32662AFE0}</a:tableStyleId>
+                  </a:tblPr>
+                  <a:tblGrid>
+                    <a:gridCol w="820728"/>
+                    <a:gridCol w="820728"/>
+                    <a:gridCol w="820728"/>
+                    <a:gridCol w="820728"/>
+                  </a:tblGrid>
+                  <a:tr h="370840">
+                    <a:tc>
+                      <a:txBody>
+                        <a:bodyPr/>
+                        <a:lstStyle/>
+                        <a:p>
+                          <a:pPr algn="ctr"/>
+                          <a:r>
+                            <a:rPr lang="en-US" altLang="zh-CN" dirty="0" smtClean="0"/>
+                            <a:t>Coke</a:t>
+                          </a:r>
+                          <a:endParaRPr lang="zh-CN" altLang="en-US" dirty="0"/>
+                        </a:p>
+                      </a:txBody>
+                      <a:tcPr/>
+                    </a:tc>
+                    <a:tc>
+                      <a:txBody>
+                        <a:bodyPr/>
+                        <a:lstStyle/>
+                        <a:p>
+                          <a:pPr algn="ctr"/>
+                          <a:r>
+                            <a:rPr lang="en-US" altLang="zh-CN" dirty="0" smtClean="0"/>
+                            <a:t>Pepsi</a:t>
+                          </a:r>
+                          <a:endParaRPr lang="zh-CN" altLang="en-US" dirty="0"/>
+                        </a:p>
+                      </a:txBody>
+                      <a:tcPr/>
+                    </a:tc>
+                    <a:tc>
+                      <a:txBody>
+                        <a:bodyPr/>
+                        <a:lstStyle/>
+                        <a:p>
+                          <a:pPr algn="ctr"/>
+                          <a:r>
+                            <a:rPr lang="en-US" altLang="zh-CN" sz="1700" dirty="0" smtClean="0"/>
+                            <a:t>Fanta</a:t>
+                          </a:r>
+                          <a:endParaRPr lang="zh-CN" altLang="en-US" sz="1700" dirty="0"/>
+                        </a:p>
+                      </a:txBody>
+                      <a:tcPr/>
+                    </a:tc>
+                    <a:tc>
+                      <a:txBody>
+                        <a:bodyPr/>
+                        <a:lstStyle/>
+                        <a:p>
+                          <a:pPr algn="ctr"/>
+                          <a:r>
+                            <a:rPr lang="en-US" altLang="zh-CN" sz="1600" dirty="0" smtClean="0"/>
+                            <a:t>Sprite</a:t>
+                          </a:r>
+                          <a:endParaRPr lang="zh-CN" altLang="en-US" sz="1600" dirty="0"/>
+                        </a:p>
+                      </a:txBody>
+                      <a:tcPr/>
+                    </a:tc>
+                  </a:tr>
+                  <a:tr h="370840">
+                    <a:tc>
+                      <a:txBody>
+                        <a:bodyPr/>
+                        <a:lstStyle/>
+                        <a:p>
+                          <a:pPr algn="ctr"/>
+                          <a14:m>
+                            <m:oMathPara xmlns:m="http://schemas.openxmlformats.org/officeDocument/2006/math">
+                              <m:oMathParaPr>
+                                <m:jc m:val="centerGroup"/>
+                              </m:oMathParaPr>
+                              <m:oMath xmlns:m="http://schemas.openxmlformats.org/officeDocument/2006/math">
+                                <m:sSub>
+                                  <m:sSubPr>
+                                    <m:ctrlPr>
+                                      <a:rPr lang="en-US" altLang="zh-CN" i="1" smtClean="0">
+                                        <a:latin typeface="Cambria Math"/>
+                                      </a:rPr>
+                                    </m:ctrlPr>
+                                  </m:sSubPr>
+                                  <m:e>
+                                    <m:r>
+                                      <a:rPr lang="en-US" altLang="zh-CN" b="0" i="1" smtClean="0">
+                                        <a:latin typeface="Cambria Math"/>
+                                      </a:rPr>
+                                      <m:t>𝑤</m:t>
+                                    </m:r>
+                                  </m:e>
+                                  <m:sub>
+                                    <m:r>
+                                      <a:rPr lang="en-US" altLang="zh-CN" b="1" i="1" smtClean="0">
+                                        <a:latin typeface="Cambria Math"/>
+                                      </a:rPr>
+                                      <m:t>𝟏</m:t>
+                                    </m:r>
+                                  </m:sub>
+                                </m:sSub>
+                                <m:r>
+                                  <a:rPr lang="en-US" altLang="zh-CN" b="1" i="1" smtClean="0">
+                                    <a:latin typeface="Cambria Math"/>
+                                  </a:rPr>
+                                  <m:t>𝒙</m:t>
+                                </m:r>
+                              </m:oMath>
+                            </m:oMathPara>
+                          </a14:m>
+                          <a:endParaRPr lang="zh-CN" altLang="en-US" dirty="0"/>
+                        </a:p>
+                      </a:txBody>
+                      <a:tcPr/>
+                    </a:tc>
+                    <a:tc>
+                      <a:txBody>
+                        <a:bodyPr/>
+                        <a:lstStyle/>
+                        <a:p>
+                          <a:pPr algn="ctr"/>
+                          <a14:m>
+                            <m:oMathPara xmlns:m="http://schemas.openxmlformats.org/officeDocument/2006/math">
+                              <m:oMathParaPr>
+                                <m:jc m:val="centerGroup"/>
+                              </m:oMathParaPr>
+                              <m:oMath xmlns:m="http://schemas.openxmlformats.org/officeDocument/2006/math">
+                                <m:sSub>
+                                  <m:sSubPr>
+                                    <m:ctrlPr>
+                                      <a:rPr lang="en-US" altLang="zh-CN" i="1" smtClean="0">
+                                        <a:latin typeface="Cambria Math"/>
+                                      </a:rPr>
+                                    </m:ctrlPr>
+                                  </m:sSubPr>
+                                  <m:e>
+                                    <m:r>
+                                      <a:rPr lang="en-US" altLang="zh-CN" b="0" i="1" smtClean="0">
+                                        <a:latin typeface="Cambria Math"/>
+                                      </a:rPr>
+                                      <m:t>𝑤</m:t>
+                                    </m:r>
+                                  </m:e>
+                                  <m:sub>
+                                    <m:r>
+                                      <a:rPr lang="en-US" altLang="zh-CN" b="1" i="1" smtClean="0">
+                                        <a:latin typeface="Cambria Math"/>
+                                      </a:rPr>
+                                      <m:t>𝟐</m:t>
+                                    </m:r>
+                                  </m:sub>
+                                </m:sSub>
+                                <m:r>
+                                  <a:rPr lang="en-US" altLang="zh-CN" b="1" i="1" smtClean="0">
+                                    <a:latin typeface="Cambria Math"/>
+                                  </a:rPr>
+                                  <m:t>𝒙</m:t>
+                                </m:r>
+                              </m:oMath>
+                            </m:oMathPara>
+                          </a14:m>
+                          <a:endParaRPr lang="zh-CN" altLang="en-US" dirty="0"/>
+                        </a:p>
+                      </a:txBody>
+                      <a:tcPr/>
+                    </a:tc>
+                    <a:tc>
+                      <a:txBody>
+                        <a:bodyPr/>
+                        <a:lstStyle/>
+                        <a:p>
+                          <a:pPr algn="ctr"/>
+                          <a14:m>
+                            <m:oMathPara xmlns:m="http://schemas.openxmlformats.org/officeDocument/2006/math">
+                              <m:oMathParaPr>
+                                <m:jc m:val="centerGroup"/>
+                              </m:oMathParaPr>
+                              <m:oMath xmlns:m="http://schemas.openxmlformats.org/officeDocument/2006/math">
+                                <m:sSub>
+                                  <m:sSubPr>
+                                    <m:ctrlPr>
+                                      <a:rPr lang="en-US" altLang="zh-CN" i="1" smtClean="0">
+                                        <a:latin typeface="Cambria Math"/>
+                                      </a:rPr>
+                                    </m:ctrlPr>
+                                  </m:sSubPr>
+                                  <m:e>
+                                    <m:r>
+                                      <a:rPr lang="en-US" altLang="zh-CN" b="0" i="1" smtClean="0">
+                                        <a:latin typeface="Cambria Math"/>
+                                      </a:rPr>
+                                      <m:t>𝑤</m:t>
+                                    </m:r>
+                                  </m:e>
+                                  <m:sub>
+                                    <m:r>
+                                      <a:rPr lang="en-US" altLang="zh-CN" b="1" i="1" smtClean="0">
+                                        <a:latin typeface="Cambria Math"/>
+                                      </a:rPr>
+                                      <m:t>𝟑</m:t>
+                                    </m:r>
+                                  </m:sub>
+                                </m:sSub>
+                                <m:r>
+                                  <a:rPr lang="en-US" altLang="zh-CN" b="1" i="1" smtClean="0">
+                                    <a:latin typeface="Cambria Math"/>
+                                  </a:rPr>
+                                  <m:t>𝒙</m:t>
+                                </m:r>
+                              </m:oMath>
+                            </m:oMathPara>
+                          </a14:m>
+                          <a:endParaRPr lang="zh-CN" altLang="en-US" dirty="0"/>
+                        </a:p>
+                      </a:txBody>
+                      <a:tcPr/>
+                    </a:tc>
+                    <a:tc>
+                      <a:txBody>
+                        <a:bodyPr/>
+                        <a:lstStyle/>
+                        <a:p>
+                          <a:pPr algn="ctr"/>
+                          <a14:m>
+                            <m:oMathPara xmlns:m="http://schemas.openxmlformats.org/officeDocument/2006/math">
+                              <m:oMathParaPr>
+                                <m:jc m:val="centerGroup"/>
+                              </m:oMathParaPr>
+                              <m:oMath xmlns:m="http://schemas.openxmlformats.org/officeDocument/2006/math">
+                                <m:sSub>
+                                  <m:sSubPr>
+                                    <m:ctrlPr>
+                                      <a:rPr lang="en-US" altLang="zh-CN" i="1" smtClean="0">
+                                        <a:latin typeface="Cambria Math"/>
+                                      </a:rPr>
+                                    </m:ctrlPr>
+                                  </m:sSubPr>
+                                  <m:e>
+                                    <m:r>
+                                      <a:rPr lang="en-US" altLang="zh-CN" b="0" i="1" smtClean="0">
+                                        <a:latin typeface="Cambria Math"/>
+                                      </a:rPr>
+                                      <m:t>𝑤</m:t>
+                                    </m:r>
+                                  </m:e>
+                                  <m:sub>
+                                    <m:r>
+                                      <a:rPr lang="en-US" altLang="zh-CN" b="1" i="1" smtClean="0">
+                                        <a:latin typeface="Cambria Math"/>
+                                      </a:rPr>
+                                      <m:t>𝟒</m:t>
+                                    </m:r>
+                                  </m:sub>
+                                </m:sSub>
+                                <m:r>
+                                  <a:rPr lang="en-US" altLang="zh-CN" b="1" i="1" smtClean="0">
+                                    <a:latin typeface="Cambria Math"/>
+                                  </a:rPr>
+                                  <m:t>𝒙</m:t>
+                                </m:r>
+                              </m:oMath>
+                            </m:oMathPara>
+                          </a14:m>
+                          <a:endParaRPr lang="zh-CN" altLang="en-US" dirty="0"/>
+                        </a:p>
+                      </a:txBody>
+                      <a:tcPr/>
+                    </a:tc>
+                  </a:tr>
+                </a:tbl>
+              </a:graphicData>
+            </a:graphic>
+          </p:graphicFrame>
+        </mc:Choice>
+        <mc:Fallback xmlns="">
+          <p:graphicFrame>
+            <p:nvGraphicFramePr>
+              <p:cNvPr id="20" name="表格 19"/>
+              <p:cNvGraphicFramePr>
+                <a:graphicFrameLocks noGrp="1"/>
+              </p:cNvGraphicFramePr>
+              <p:nvPr>
+                <p:extLst>
+                  <p:ext uri="{D42A27DB-BD31-4B8C-83A1-F6EECF244321}">
+                    <p14:modId xmlns:p14="http://schemas.microsoft.com/office/powerpoint/2010/main" val="105289110"/>
+                  </p:ext>
+                </p:extLst>
+              </p:nvPr>
+            </p:nvGraphicFramePr>
+            <p:xfrm>
+              <a:off x="424992" y="4415512"/>
+              <a:ext cx="3282912" cy="741680"/>
+            </p:xfrm>
+            <a:graphic>
+              <a:graphicData uri="http://schemas.openxmlformats.org/drawingml/2006/table">
+                <a:tbl>
+                  <a:tblPr firstRow="1" bandRow="1">
+                    <a:tableStyleId>{21E4AEA4-8DFA-4A89-87EB-49C32662AFE0}</a:tableStyleId>
+                  </a:tblPr>
+                  <a:tblGrid>
+                    <a:gridCol w="820728"/>
+                    <a:gridCol w="820728"/>
+                    <a:gridCol w="820728"/>
+                    <a:gridCol w="820728"/>
+                  </a:tblGrid>
+                  <a:tr h="370840">
+                    <a:tc>
+                      <a:txBody>
+                        <a:bodyPr/>
+                        <a:lstStyle/>
+                        <a:p>
+                          <a:pPr algn="ctr"/>
+                          <a:r>
+                            <a:rPr lang="en-US" altLang="zh-CN" dirty="0" smtClean="0"/>
+                            <a:t>Coke</a:t>
+                          </a:r>
+                          <a:endParaRPr lang="zh-CN" altLang="en-US" dirty="0"/>
+                        </a:p>
+                      </a:txBody>
+                      <a:tcPr/>
+                    </a:tc>
+                    <a:tc>
+                      <a:txBody>
+                        <a:bodyPr/>
+                        <a:lstStyle/>
+                        <a:p>
+                          <a:pPr algn="ctr"/>
+                          <a:r>
+                            <a:rPr lang="en-US" altLang="zh-CN" dirty="0" smtClean="0"/>
+                            <a:t>Pepsi</a:t>
+                          </a:r>
+                          <a:endParaRPr lang="zh-CN" altLang="en-US" dirty="0"/>
+                        </a:p>
+                      </a:txBody>
+                      <a:tcPr/>
+                    </a:tc>
+                    <a:tc>
+                      <a:txBody>
+                        <a:bodyPr/>
+                        <a:lstStyle/>
+                        <a:p>
+                          <a:pPr algn="ctr"/>
+                          <a:r>
+                            <a:rPr lang="en-US" altLang="zh-CN" sz="1700" dirty="0" smtClean="0"/>
+                            <a:t>Fanta</a:t>
+                          </a:r>
+                          <a:endParaRPr lang="zh-CN" altLang="en-US" sz="1700" dirty="0"/>
+                        </a:p>
+                      </a:txBody>
+                      <a:tcPr/>
+                    </a:tc>
+                    <a:tc>
+                      <a:txBody>
+                        <a:bodyPr/>
+                        <a:lstStyle/>
+                        <a:p>
+                          <a:pPr algn="ctr"/>
+                          <a:r>
+                            <a:rPr lang="en-US" altLang="zh-CN" sz="1600" dirty="0" smtClean="0"/>
+                            <a:t>Sprite</a:t>
+                          </a:r>
+                          <a:endParaRPr lang="zh-CN" altLang="en-US" sz="1600" dirty="0"/>
+                        </a:p>
+                      </a:txBody>
+                      <a:tcPr/>
+                    </a:tc>
+                  </a:tr>
+                  <a:tr h="370840">
+                    <a:tc>
+                      <a:txBody>
+                        <a:bodyPr/>
+                        <a:lstStyle/>
+                        <a:p>
+                          <a:endParaRPr lang="zh-CN"/>
+                        </a:p>
+                      </a:txBody>
+                      <a:tcPr>
+                        <a:blipFill rotWithShape="1">
+                          <a:blip r:embed="rId5"/>
+                          <a:stretch>
+                            <a:fillRect l="-741" t="-108197" r="-299259"/>
+                          </a:stretch>
+                        </a:blipFill>
+                      </a:tcPr>
+                    </a:tc>
+                    <a:tc>
+                      <a:txBody>
+                        <a:bodyPr/>
+                        <a:lstStyle/>
+                        <a:p>
+                          <a:endParaRPr lang="zh-CN"/>
+                        </a:p>
+                      </a:txBody>
+                      <a:tcPr>
+                        <a:blipFill rotWithShape="1">
+                          <a:blip r:embed="rId5"/>
+                          <a:stretch>
+                            <a:fillRect l="-101493" t="-108197" r="-201493"/>
+                          </a:stretch>
+                        </a:blipFill>
+                      </a:tcPr>
+                    </a:tc>
+                    <a:tc>
+                      <a:txBody>
+                        <a:bodyPr/>
+                        <a:lstStyle/>
+                        <a:p>
+                          <a:endParaRPr lang="zh-CN"/>
+                        </a:p>
+                      </a:txBody>
+                      <a:tcPr>
+                        <a:blipFill rotWithShape="1">
+                          <a:blip r:embed="rId5"/>
+                          <a:stretch>
+                            <a:fillRect l="-200000" t="-108197" r="-100000"/>
+                          </a:stretch>
+                        </a:blipFill>
+                      </a:tcPr>
+                    </a:tc>
+                    <a:tc>
+                      <a:txBody>
+                        <a:bodyPr/>
+                        <a:lstStyle/>
+                        <a:p>
+                          <a:endParaRPr lang="zh-CN"/>
+                        </a:p>
+                      </a:txBody>
+                      <a:tcPr>
+                        <a:blipFill rotWithShape="1">
+                          <a:blip r:embed="rId5"/>
+                          <a:stretch>
+                            <a:fillRect l="-302239" t="-108197" r="-746"/>
+                          </a:stretch>
+                        </a:blipFill>
+                      </a:tcPr>
+                    </a:tc>
+                  </a:tr>
+                </a:tbl>
+              </a:graphicData>
+            </a:graphic>
+          </p:graphicFrame>
+        </mc:Fallback>
+      </mc:AlternateContent>
+      <p:sp>
+        <p:nvSpPr>
+          <p:cNvPr id="21" name="左大括号 20"/>
+          <p:cNvSpPr/>
+          <p:nvPr/>
+        </p:nvSpPr>
+        <p:spPr>
+          <a:xfrm rot="16200000">
+            <a:off x="3827428" y="3788561"/>
+            <a:ext cx="312048" cy="3193325"/>
+          </a:xfrm>
+          <a:prstGeom prst="leftBrace">
+            <a:avLst/>
+          </a:prstGeom>
+        </p:spPr>
+        <p:style>
+          <a:lnRef idx="3">
+            <a:schemeClr val="accent6"/>
+          </a:lnRef>
+          <a:fillRef idx="0">
+            <a:schemeClr val="accent6"/>
+          </a:fillRef>
+          <a:effectRef idx="2">
+            <a:schemeClr val="accent6"/>
+          </a:effectRef>
+          <a:fontRef idx="minor">
+            <a:schemeClr val="tx1"/>
+          </a:fontRef>
+        </p:style>
+        <p:txBody>
+          <a:bodyPr rtlCol="0" anchor="ctr"/>
+          <a:lstStyle/>
+          <a:p>
+            <a:pPr algn="ctr"/>
+            <a:endParaRPr lang="zh-CN" altLang="en-US"/>
+          </a:p>
+        </p:txBody>
+      </p:sp>
+    </p:spTree>
+    <p:extLst>
+      <p:ext uri="{BB962C8B-B14F-4D97-AF65-F5344CB8AC3E}">
+        <p14:creationId xmlns:p14="http://schemas.microsoft.com/office/powerpoint/2010/main" val="2904316964"/>
+      </p:ext>
+    </p:extLst>
+  </p:cSld>
+  <p:clrMapOvr>
+    <a:masterClrMapping/>
+  </p:clrMapOvr>
+  <p:timing>
+    <p:tnLst>
+      <p:par>
+        <p:cTn id="1" dur="indefinite" restart="never" nodeType="tmRoot"/>
+      </p:par>
+    </p:tnLst>
+  </p:timing>
+</p:sld>
+</file>
+
+<file path=ppt/slides/slide11.xml><?xml version="1.0" encoding="utf-8"?>
+<p:sld xmlns:a="http://schemas.openxmlformats.org/drawingml/2006/main" xmlns:r="http://schemas.openxmlformats.org/officeDocument/2006/relationships" xmlns:p="http://schemas.openxmlformats.org/presentationml/2006/main">
+  <p:cSld>
+    <p:spTree>
+      <p:nvGrpSpPr>
+        <p:cNvPr id="1" name=""/>
+        <p:cNvGrpSpPr/>
+        <p:nvPr/>
+      </p:nvGrpSpPr>
+      <p:grpSpPr>
+        <a:xfrm>
+          <a:off x="0" y="0"/>
+          <a:ext cx="0" cy="0"/>
+          <a:chOff x="0" y="0"/>
+          <a:chExt cx="0" cy="0"/>
+        </a:xfrm>
+      </p:grpSpPr>
+      <p:pic>
+        <p:nvPicPr>
+          <p:cNvPr id="3074" name="Picture 2" descr="D:\用户目录\Desktop\图片1.png"/>
+          <p:cNvPicPr>
+            <a:picLocks noChangeAspect="1" noChangeArrowheads="1"/>
+          </p:cNvPicPr>
+          <p:nvPr/>
+        </p:nvPicPr>
+        <p:blipFill>
+          <a:blip r:embed="rId2" cstate="print">
+            <a:extLst>
+              <a:ext uri="{28A0092B-C50C-407E-A947-70E740481C1C}">
+                <a14:useLocalDpi xmlns:a14="http://schemas.microsoft.com/office/drawing/2010/main" val="0"/>
+              </a:ext>
+            </a:extLst>
+          </a:blip>
+          <a:srcRect/>
+          <a:stretch>
+            <a:fillRect/>
+          </a:stretch>
+        </p:blipFill>
+        <p:spPr bwMode="auto">
+          <a:xfrm>
+            <a:off x="457200" y="3475081"/>
+            <a:ext cx="4194426" cy="2681288"/>
+          </a:xfrm>
+          <a:prstGeom prst="rect">
+            <a:avLst/>
+          </a:prstGeom>
+          <a:noFill/>
+          <a:extLst>
+            <a:ext uri="{909E8E84-426E-40DD-AFC4-6F175D3DCCD1}">
+              <a14:hiddenFill xmlns:a14="http://schemas.microsoft.com/office/drawing/2010/main">
+                <a:solidFill>
+                  <a:srgbClr val="FFFFFF"/>
+                </a:solidFill>
+              </a14:hiddenFill>
+            </a:ext>
+          </a:extLst>
+        </p:spPr>
+      </p:pic>
+      <p:pic>
+        <p:nvPicPr>
+          <p:cNvPr id="3075" name="Picture 3" descr="D:\用户目录\Desktop\图片2.png"/>
+          <p:cNvPicPr>
+            <a:picLocks noChangeAspect="1" noChangeArrowheads="1"/>
+          </p:cNvPicPr>
+          <p:nvPr/>
+        </p:nvPicPr>
+        <p:blipFill>
+          <a:blip r:embed="rId3" cstate="print">
+            <a:extLst>
+              <a:ext uri="{28A0092B-C50C-407E-A947-70E740481C1C}">
+                <a14:useLocalDpi xmlns:a14="http://schemas.microsoft.com/office/drawing/2010/main" val="0"/>
+              </a:ext>
+            </a:extLst>
+          </a:blip>
+          <a:srcRect/>
+          <a:stretch>
+            <a:fillRect/>
+          </a:stretch>
+        </p:blipFill>
+        <p:spPr bwMode="auto">
+          <a:xfrm>
+            <a:off x="4953000" y="3440668"/>
+            <a:ext cx="3842964" cy="2681288"/>
+          </a:xfrm>
+          <a:prstGeom prst="rect">
+            <a:avLst/>
+          </a:prstGeom>
+          <a:noFill/>
+          <a:extLst>
+            <a:ext uri="{909E8E84-426E-40DD-AFC4-6F175D3DCCD1}">
+              <a14:hiddenFill xmlns:a14="http://schemas.microsoft.com/office/drawing/2010/main">
+                <a:solidFill>
+                  <a:srgbClr val="FFFFFF"/>
+                </a:solidFill>
+              </a14:hiddenFill>
+            </a:ext>
+          </a:extLst>
+        </p:spPr>
+      </p:pic>
+      <p:cxnSp>
+        <p:nvCxnSpPr>
+          <p:cNvPr id="5" name="直接连接符 4"/>
+          <p:cNvCxnSpPr/>
+          <p:nvPr/>
+        </p:nvCxnSpPr>
+        <p:spPr>
+          <a:xfrm>
+            <a:off x="4800600" y="2209800"/>
+            <a:ext cx="0" cy="3886200"/>
+          </a:xfrm>
+          <a:prstGeom prst="line">
+            <a:avLst/>
+          </a:prstGeom>
+          <a:ln>
+            <a:prstDash val="sysDash"/>
+          </a:ln>
+        </p:spPr>
+        <p:style>
+          <a:lnRef idx="3">
+            <a:schemeClr val="dk1"/>
+          </a:lnRef>
+          <a:fillRef idx="0">
+            <a:schemeClr val="dk1"/>
+          </a:fillRef>
+          <a:effectRef idx="2">
+            <a:schemeClr val="dk1"/>
+          </a:effectRef>
+          <a:fontRef idx="minor">
+            <a:schemeClr val="tx1"/>
+          </a:fontRef>
+        </p:style>
+      </p:cxnSp>
+      <p:sp>
+        <p:nvSpPr>
+          <p:cNvPr id="6" name="TextBox 5"/>
+          <p:cNvSpPr txBox="1"/>
+          <p:nvPr/>
+        </p:nvSpPr>
+        <p:spPr>
+          <a:xfrm>
+            <a:off x="2232754" y="2674621"/>
+            <a:ext cx="643318" cy="369332"/>
+          </a:xfrm>
+          <a:prstGeom prst="rect">
+            <a:avLst/>
+          </a:prstGeom>
+          <a:noFill/>
+        </p:spPr>
+        <p:txBody>
+          <a:bodyPr wrap="none" rtlCol="0">
+            <a:spAutoFit/>
+          </a:bodyPr>
+          <a:lstStyle/>
+          <a:p>
+            <a:r>
+              <a:rPr lang="en-US" altLang="zh-CN" dirty="0" smtClean="0"/>
+              <a:t>Train</a:t>
+            </a:r>
+            <a:endParaRPr lang="zh-CN" altLang="en-US" dirty="0"/>
+          </a:p>
+        </p:txBody>
+      </p:sp>
+      <p:sp>
+        <p:nvSpPr>
+          <p:cNvPr id="9" name="TextBox 8"/>
+          <p:cNvSpPr txBox="1"/>
+          <p:nvPr/>
+        </p:nvSpPr>
+        <p:spPr>
+          <a:xfrm>
+            <a:off x="6691602" y="2674621"/>
+            <a:ext cx="555921" cy="369332"/>
+          </a:xfrm>
+          <a:prstGeom prst="rect">
+            <a:avLst/>
+          </a:prstGeom>
+          <a:noFill/>
+        </p:spPr>
+        <p:txBody>
+          <a:bodyPr wrap="none" rtlCol="0">
+            <a:spAutoFit/>
+          </a:bodyPr>
+          <a:lstStyle/>
+          <a:p>
+            <a:r>
+              <a:rPr lang="en-US" altLang="zh-CN" dirty="0" smtClean="0"/>
+              <a:t>Test</a:t>
+            </a:r>
+            <a:endParaRPr lang="zh-CN" altLang="en-US" dirty="0"/>
+          </a:p>
+        </p:txBody>
+      </p:sp>
+      <p:pic>
+        <p:nvPicPr>
+          <p:cNvPr id="7" name="Picture 3" descr="D:\用户目录\Desktop\pic1.png"/>
+          <p:cNvPicPr>
+            <a:picLocks noChangeAspect="1" noChangeArrowheads="1"/>
+          </p:cNvPicPr>
+          <p:nvPr/>
+        </p:nvPicPr>
+        <p:blipFill>
+          <a:blip r:embed="rId4">
+            <a:extLst>
+              <a:ext uri="{28A0092B-C50C-407E-A947-70E740481C1C}">
+                <a14:useLocalDpi xmlns:a14="http://schemas.microsoft.com/office/drawing/2010/main" val="0"/>
+              </a:ext>
+            </a:extLst>
+          </a:blip>
+          <a:srcRect/>
+          <a:stretch>
+            <a:fillRect/>
+          </a:stretch>
+        </p:blipFill>
+        <p:spPr bwMode="auto">
+          <a:xfrm>
+            <a:off x="1928401" y="76200"/>
+            <a:ext cx="5386799" cy="1981200"/>
+          </a:xfrm>
+          <a:prstGeom prst="rect">
+            <a:avLst/>
+          </a:prstGeom>
+          <a:noFill/>
+          <a:extLst>
+            <a:ext uri="{909E8E84-426E-40DD-AFC4-6F175D3DCCD1}">
+              <a14:hiddenFill xmlns:a14="http://schemas.microsoft.com/office/drawing/2010/main">
+                <a:solidFill>
+                  <a:srgbClr val="FFFFFF"/>
+                </a:solidFill>
+              </a14:hiddenFill>
+            </a:ext>
+          </a:extLst>
+        </p:spPr>
+      </p:pic>
+      <p:cxnSp>
+        <p:nvCxnSpPr>
+          <p:cNvPr id="8" name="直接连接符 7"/>
+          <p:cNvCxnSpPr/>
+          <p:nvPr/>
+        </p:nvCxnSpPr>
+        <p:spPr>
+          <a:xfrm>
+            <a:off x="457200" y="2209800"/>
+            <a:ext cx="8338764" cy="0"/>
+          </a:xfrm>
+          <a:prstGeom prst="line">
+            <a:avLst/>
+          </a:prstGeom>
+          <a:ln>
+            <a:prstDash val="sysDash"/>
+          </a:ln>
+        </p:spPr>
+        <p:style>
+          <a:lnRef idx="3">
+            <a:schemeClr val="dk1"/>
+          </a:lnRef>
+          <a:fillRef idx="0">
+            <a:schemeClr val="dk1"/>
+          </a:fillRef>
+          <a:effectRef idx="2">
+            <a:schemeClr val="dk1"/>
+          </a:effectRef>
+          <a:fontRef idx="minor">
+            <a:schemeClr val="tx1"/>
+          </a:fontRef>
+        </p:style>
+      </p:cxnSp>
+      <p:sp>
+        <p:nvSpPr>
+          <p:cNvPr id="10" name="TextBox 9"/>
+          <p:cNvSpPr txBox="1"/>
+          <p:nvPr/>
+        </p:nvSpPr>
+        <p:spPr>
+          <a:xfrm>
+            <a:off x="4267200" y="76200"/>
+            <a:ext cx="596830" cy="369332"/>
+          </a:xfrm>
+          <a:prstGeom prst="rect">
+            <a:avLst/>
+          </a:prstGeom>
+          <a:noFill/>
+        </p:spPr>
+        <p:txBody>
+          <a:bodyPr wrap="none" rtlCol="0">
+            <a:spAutoFit/>
+          </a:bodyPr>
+          <a:lstStyle/>
+          <a:p>
+            <a:r>
+              <a:rPr lang="en-US" altLang="zh-CN" b="1" dirty="0" smtClean="0">
+                <a:solidFill>
+                  <a:srgbClr val="FF0000"/>
+                </a:solidFill>
+              </a:rPr>
+              <a:t>Task</a:t>
+            </a:r>
+            <a:endParaRPr lang="zh-CN" altLang="en-US" b="1" dirty="0">
+              <a:solidFill>
+                <a:srgbClr val="FF0000"/>
+              </a:solidFill>
+            </a:endParaRPr>
+          </a:p>
+        </p:txBody>
+      </p:sp>
+    </p:spTree>
+    <p:extLst>
+      <p:ext uri="{BB962C8B-B14F-4D97-AF65-F5344CB8AC3E}">
+        <p14:creationId xmlns:p14="http://schemas.microsoft.com/office/powerpoint/2010/main" val="3692305806"/>
+      </p:ext>
+    </p:extLst>
+  </p:cSld>
+  <p:clrMapOvr>
+    <a:masterClrMapping/>
+  </p:clrMapOvr>
+  <p:timing>
+    <p:tnLst>
+      <p:par>
+        <p:cTn id="1" dur="indefinite" restart="never" nodeType="tmRoot"/>
+      </p:par>
+    </p:tnLst>
+  </p:timing>
 </p:sld>
 </file>
 
@@ -16333,8 +18747,8 @@
           </a:p>
         </p:txBody>
       </p:sp>
-      <mc:AlternateContent xmlns:mc="http://schemas.openxmlformats.org/markup-compatibility/2006">
-        <mc:Choice xmlns:a14="http://schemas.microsoft.com/office/drawing/2010/main" Requires="a14">
+      <mc:AlternateContent xmlns:mc="http://schemas.openxmlformats.org/markup-compatibility/2006" xmlns:a14="http://schemas.microsoft.com/office/drawing/2010/main">
+        <mc:Choice Requires="a14">
           <p:graphicFrame>
             <p:nvGraphicFramePr>
               <p:cNvPr id="22" name="表格 21"/>
@@ -16614,7 +19028,7 @@
             </a:graphic>
           </p:graphicFrame>
         </mc:Choice>
-        <mc:Fallback>
+        <mc:Fallback xmlns="">
           <p:graphicFrame>
             <p:nvGraphicFramePr>
               <p:cNvPr id="22" name="表格 21"/>
